--- a/Presentation/ConnectingFrontAndBack/ConnectingFrontAndBack.pptx
+++ b/Presentation/ConnectingFrontAndBack/ConnectingFrontAndBack.pptx
@@ -11,21 +11,19 @@
     <p:sldMasterId id="2147483727" r:id="rId10"/>
   </p:sldMasterIdLst>
   <p:notesMasterIdLst>
-    <p:notesMasterId r:id="rId20"/>
+    <p:notesMasterId r:id="rId18"/>
   </p:notesMasterIdLst>
   <p:handoutMasterIdLst>
-    <p:handoutMasterId r:id="rId21"/>
+    <p:handoutMasterId r:id="rId19"/>
   </p:handoutMasterIdLst>
   <p:sldIdLst>
     <p:sldId id="297" r:id="rId11"/>
     <p:sldId id="284" r:id="rId12"/>
-    <p:sldId id="285" r:id="rId13"/>
-    <p:sldId id="294" r:id="rId14"/>
-    <p:sldId id="286" r:id="rId15"/>
-    <p:sldId id="296" r:id="rId16"/>
-    <p:sldId id="295" r:id="rId17"/>
-    <p:sldId id="287" r:id="rId18"/>
-    <p:sldId id="293" r:id="rId19"/>
+    <p:sldId id="294" r:id="rId13"/>
+    <p:sldId id="286" r:id="rId14"/>
+    <p:sldId id="296" r:id="rId15"/>
+    <p:sldId id="295" r:id="rId16"/>
+    <p:sldId id="293" r:id="rId17"/>
   </p:sldIdLst>
   <p:sldSz cx="12192000" cy="6858000"/>
   <p:notesSz cx="6858000" cy="9144000"/>
@@ -217,7 +215,7 @@
           <a:p>
             <a:fld id="{312E7B4A-039C-48A2-9B2C-AF16AA3873D8}" type="datetimeFigureOut">
               <a:rPr lang="en-US" smtClean="0"/>
-              <a:t>07/07/2015</a:t>
+              <a:t>20/07/2015</a:t>
             </a:fld>
             <a:endParaRPr lang="en-US"/>
           </a:p>
@@ -382,7 +380,7 @@
           <a:p>
             <a:fld id="{DA005A0C-54D9-45AA-87D4-C551D08DFCE1}" type="datetimeFigureOut">
               <a:rPr lang="en-US" smtClean="0"/>
-              <a:t>07/07/2015</a:t>
+              <a:t>20/07/2015</a:t>
             </a:fld>
             <a:endParaRPr lang="en-US"/>
           </a:p>
@@ -794,7 +792,7 @@
             <a:fld id="{13F0F35F-DD44-4607-AEC1-49D7A4BC4066}" type="slidenum">
               <a:rPr lang="en-US" smtClean="0"/>
               <a:pPr/>
-              <a:t>3</a:t>
+              <a:t>4</a:t>
             </a:fld>
             <a:endParaRPr lang="en-US" dirty="0"/>
           </a:p>
@@ -822,187 +820,7 @@
     </p:spTree>
     <p:extLst>
       <p:ext uri="{BB962C8B-B14F-4D97-AF65-F5344CB8AC3E}">
-        <p14:creationId xmlns:p14="http://schemas.microsoft.com/office/powerpoint/2010/main" val="1904634820"/>
-      </p:ext>
-    </p:extLst>
-  </p:cSld>
-  <p:clrMapOvr>
-    <a:masterClrMapping/>
-  </p:clrMapOvr>
-</p:notes>
-</file>
-
-<file path=ppt/notesSlides/notesSlide3.xml><?xml version="1.0" encoding="utf-8"?>
-<p:notes xmlns:a="http://schemas.openxmlformats.org/drawingml/2006/main" xmlns:r="http://schemas.openxmlformats.org/officeDocument/2006/relationships" xmlns:p="http://schemas.openxmlformats.org/presentationml/2006/main">
-  <p:cSld>
-    <p:spTree>
-      <p:nvGrpSpPr>
-        <p:cNvPr id="1" name=""/>
-        <p:cNvGrpSpPr/>
-        <p:nvPr/>
-      </p:nvGrpSpPr>
-      <p:grpSpPr>
-        <a:xfrm>
-          <a:off x="0" y="0"/>
-          <a:ext cx="0" cy="0"/>
-          <a:chOff x="0" y="0"/>
-          <a:chExt cx="0" cy="0"/>
-        </a:xfrm>
-      </p:grpSpPr>
-      <p:sp>
-        <p:nvSpPr>
-          <p:cNvPr id="2" name="Slide Image Placeholder 1"/>
-          <p:cNvSpPr>
-            <a:spLocks noGrp="1" noRot="1" noChangeAspect="1"/>
-          </p:cNvSpPr>
-          <p:nvPr>
-            <p:ph type="sldImg"/>
-          </p:nvPr>
-        </p:nvSpPr>
-        <p:spPr>
-          <a:xfrm>
-            <a:off x="381000" y="685800"/>
-            <a:ext cx="6096000" cy="3429000"/>
-          </a:xfrm>
-        </p:spPr>
-      </p:sp>
-      <p:sp>
-        <p:nvSpPr>
-          <p:cNvPr id="4" name="Slide Number Placeholder 3"/>
-          <p:cNvSpPr>
-            <a:spLocks noGrp="1"/>
-          </p:cNvSpPr>
-          <p:nvPr>
-            <p:ph type="sldNum" sz="quarter" idx="10"/>
-          </p:nvPr>
-        </p:nvSpPr>
-        <p:spPr/>
-        <p:txBody>
-          <a:bodyPr/>
-          <a:lstStyle/>
-          <a:p>
-            <a:fld id="{13F0F35F-DD44-4607-AEC1-49D7A4BC4066}" type="slidenum">
-              <a:rPr lang="en-US" smtClean="0"/>
-              <a:pPr/>
-              <a:t>5</a:t>
-            </a:fld>
-            <a:endParaRPr lang="en-US" dirty="0"/>
-          </a:p>
-        </p:txBody>
-      </p:sp>
-      <p:sp>
-        <p:nvSpPr>
-          <p:cNvPr id="3" name="Notes Placeholder 2"/>
-          <p:cNvSpPr>
-            <a:spLocks noGrp="1"/>
-          </p:cNvSpPr>
-          <p:nvPr>
-            <p:ph type="body" idx="1"/>
-          </p:nvPr>
-        </p:nvSpPr>
-        <p:spPr/>
-        <p:txBody>
-          <a:bodyPr/>
-          <a:lstStyle/>
-          <a:p>
-            <a:endParaRPr lang="en-US" dirty="0"/>
-          </a:p>
-        </p:txBody>
-      </p:sp>
-    </p:spTree>
-    <p:extLst>
-      <p:ext uri="{BB962C8B-B14F-4D97-AF65-F5344CB8AC3E}">
         <p14:creationId xmlns:p14="http://schemas.microsoft.com/office/powerpoint/2010/main" val="2782372558"/>
-      </p:ext>
-    </p:extLst>
-  </p:cSld>
-  <p:clrMapOvr>
-    <a:masterClrMapping/>
-  </p:clrMapOvr>
-</p:notes>
-</file>
-
-<file path=ppt/notesSlides/notesSlide4.xml><?xml version="1.0" encoding="utf-8"?>
-<p:notes xmlns:a="http://schemas.openxmlformats.org/drawingml/2006/main" xmlns:r="http://schemas.openxmlformats.org/officeDocument/2006/relationships" xmlns:p="http://schemas.openxmlformats.org/presentationml/2006/main">
-  <p:cSld>
-    <p:spTree>
-      <p:nvGrpSpPr>
-        <p:cNvPr id="1" name=""/>
-        <p:cNvGrpSpPr/>
-        <p:nvPr/>
-      </p:nvGrpSpPr>
-      <p:grpSpPr>
-        <a:xfrm>
-          <a:off x="0" y="0"/>
-          <a:ext cx="0" cy="0"/>
-          <a:chOff x="0" y="0"/>
-          <a:chExt cx="0" cy="0"/>
-        </a:xfrm>
-      </p:grpSpPr>
-      <p:sp>
-        <p:nvSpPr>
-          <p:cNvPr id="2" name="Slide Image Placeholder 1"/>
-          <p:cNvSpPr>
-            <a:spLocks noGrp="1" noRot="1" noChangeAspect="1"/>
-          </p:cNvSpPr>
-          <p:nvPr>
-            <p:ph type="sldImg"/>
-          </p:nvPr>
-        </p:nvSpPr>
-        <p:spPr>
-          <a:xfrm>
-            <a:off x="381000" y="685800"/>
-            <a:ext cx="6096000" cy="3429000"/>
-          </a:xfrm>
-        </p:spPr>
-      </p:sp>
-      <p:sp>
-        <p:nvSpPr>
-          <p:cNvPr id="4" name="Slide Number Placeholder 3"/>
-          <p:cNvSpPr>
-            <a:spLocks noGrp="1"/>
-          </p:cNvSpPr>
-          <p:nvPr>
-            <p:ph type="sldNum" sz="quarter" idx="10"/>
-          </p:nvPr>
-        </p:nvSpPr>
-        <p:spPr/>
-        <p:txBody>
-          <a:bodyPr/>
-          <a:lstStyle/>
-          <a:p>
-            <a:fld id="{13F0F35F-DD44-4607-AEC1-49D7A4BC4066}" type="slidenum">
-              <a:rPr lang="en-US" smtClean="0"/>
-              <a:pPr/>
-              <a:t>8</a:t>
-            </a:fld>
-            <a:endParaRPr lang="en-US" dirty="0"/>
-          </a:p>
-        </p:txBody>
-      </p:sp>
-      <p:sp>
-        <p:nvSpPr>
-          <p:cNvPr id="3" name="Notes Placeholder 2"/>
-          <p:cNvSpPr>
-            <a:spLocks noGrp="1"/>
-          </p:cNvSpPr>
-          <p:nvPr>
-            <p:ph type="body" idx="1"/>
-          </p:nvPr>
-        </p:nvSpPr>
-        <p:spPr/>
-        <p:txBody>
-          <a:bodyPr/>
-          <a:lstStyle/>
-          <a:p>
-            <a:endParaRPr lang="en-US" dirty="0"/>
-          </a:p>
-        </p:txBody>
-      </p:sp>
-    </p:spTree>
-    <p:extLst>
-      <p:ext uri="{BB962C8B-B14F-4D97-AF65-F5344CB8AC3E}">
-        <p14:creationId xmlns:p14="http://schemas.microsoft.com/office/powerpoint/2010/main" val="930633583"/>
       </p:ext>
     </p:extLst>
   </p:cSld>
@@ -17585,82 +17403,6 @@
       </p:grpSpPr>
       <p:sp>
         <p:nvSpPr>
-          <p:cNvPr id="3" name="Title 2"/>
-          <p:cNvSpPr>
-            <a:spLocks noGrp="1"/>
-          </p:cNvSpPr>
-          <p:nvPr>
-            <p:ph type="ctrTitle"/>
-          </p:nvPr>
-        </p:nvSpPr>
-        <p:spPr/>
-        <p:txBody>
-          <a:bodyPr/>
-          <a:lstStyle/>
-          <a:p>
-            <a:r>
-              <a:rPr lang="en-US" dirty="0"/>
-              <a:t>Adding </a:t>
-            </a:r>
-            <a:r>
-              <a:rPr lang="en-US" dirty="0" smtClean="0"/>
-              <a:t>Libraries</a:t>
-            </a:r>
-            <a:endParaRPr lang="en-US" dirty="0"/>
-          </a:p>
-        </p:txBody>
-      </p:sp>
-    </p:spTree>
-    <p:extLst>
-      <p:ext uri="{BB962C8B-B14F-4D97-AF65-F5344CB8AC3E}">
-        <p14:creationId xmlns:p14="http://schemas.microsoft.com/office/powerpoint/2010/main" val="1132742126"/>
-      </p:ext>
-    </p:extLst>
-  </p:cSld>
-  <p:clrMapOvr>
-    <a:masterClrMapping/>
-  </p:clrMapOvr>
-  <mc:AlternateContent xmlns:mc="http://schemas.openxmlformats.org/markup-compatibility/2006" xmlns:p14="http://schemas.microsoft.com/office/powerpoint/2010/main">
-    <mc:Choice Requires="p14">
-      <p:transition spd="med" p14:dur="700">
-        <p:fade/>
-      </p:transition>
-    </mc:Choice>
-    <mc:Fallback xmlns="">
-      <p:transition spd="med">
-        <p:fade/>
-      </p:transition>
-    </mc:Fallback>
-  </mc:AlternateContent>
-  <p:timing>
-    <p:tnLst>
-      <p:par>
-        <p:cTn id="1" dur="indefinite" restart="never" nodeType="tmRoot"/>
-      </p:par>
-    </p:tnLst>
-  </p:timing>
-</p:sld>
-</file>
-
-<file path=ppt/slides/slide4.xml><?xml version="1.0" encoding="utf-8"?>
-<p:sld xmlns:a="http://schemas.openxmlformats.org/drawingml/2006/main" xmlns:r="http://schemas.openxmlformats.org/officeDocument/2006/relationships" xmlns:p="http://schemas.openxmlformats.org/presentationml/2006/main">
-  <p:cSld>
-    <p:spTree>
-      <p:nvGrpSpPr>
-        <p:cNvPr id="1" name=""/>
-        <p:cNvGrpSpPr/>
-        <p:nvPr/>
-      </p:nvGrpSpPr>
-      <p:grpSpPr>
-        <a:xfrm>
-          <a:off x="0" y="0"/>
-          <a:ext cx="0" cy="0"/>
-          <a:chOff x="0" y="0"/>
-          <a:chExt cx="0" cy="0"/>
-        </a:xfrm>
-      </p:grpSpPr>
-      <p:sp>
-        <p:nvSpPr>
           <p:cNvPr id="4" name="Subtitle 3"/>
           <p:cNvSpPr>
             <a:spLocks noGrp="1"/>
@@ -17711,7 +17453,7 @@
 </p:sld>
 </file>
 
-<file path=ppt/slides/slide5.xml><?xml version="1.0" encoding="utf-8"?>
+<file path=ppt/slides/slide4.xml><?xml version="1.0" encoding="utf-8"?>
 <p:sld xmlns:a="http://schemas.openxmlformats.org/drawingml/2006/main" xmlns:r="http://schemas.openxmlformats.org/officeDocument/2006/relationships" xmlns:p="http://schemas.openxmlformats.org/presentationml/2006/main">
   <p:cSld>
     <p:spTree>
@@ -17782,7 +17524,7 @@
 </p:sld>
 </file>
 
-<file path=ppt/slides/slide6.xml><?xml version="1.0" encoding="utf-8"?>
+<file path=ppt/slides/slide5.xml><?xml version="1.0" encoding="utf-8"?>
 <p:sld xmlns:a="http://schemas.openxmlformats.org/drawingml/2006/main" xmlns:r="http://schemas.openxmlformats.org/officeDocument/2006/relationships" xmlns:p="http://schemas.openxmlformats.org/presentationml/2006/main">
   <p:cSld>
     <p:spTree>
@@ -17895,7 +17637,7 @@
 </p:sld>
 </file>
 
-<file path=ppt/slides/slide7.xml><?xml version="1.0" encoding="utf-8"?>
+<file path=ppt/slides/slide6.xml><?xml version="1.0" encoding="utf-8"?>
 <p:sld xmlns:a="http://schemas.openxmlformats.org/drawingml/2006/main" xmlns:r="http://schemas.openxmlformats.org/officeDocument/2006/relationships" xmlns:p="http://schemas.openxmlformats.org/presentationml/2006/main">
   <p:cSld>
     <p:spTree>
@@ -17959,78 +17701,7 @@
 </p:sld>
 </file>
 
-<file path=ppt/slides/slide8.xml><?xml version="1.0" encoding="utf-8"?>
-<p:sld xmlns:a="http://schemas.openxmlformats.org/drawingml/2006/main" xmlns:r="http://schemas.openxmlformats.org/officeDocument/2006/relationships" xmlns:p="http://schemas.openxmlformats.org/presentationml/2006/main">
-  <p:cSld>
-    <p:spTree>
-      <p:nvGrpSpPr>
-        <p:cNvPr id="1" name=""/>
-        <p:cNvGrpSpPr/>
-        <p:nvPr/>
-      </p:nvGrpSpPr>
-      <p:grpSpPr>
-        <a:xfrm>
-          <a:off x="0" y="0"/>
-          <a:ext cx="0" cy="0"/>
-          <a:chOff x="0" y="0"/>
-          <a:chExt cx="0" cy="0"/>
-        </a:xfrm>
-      </p:grpSpPr>
-      <p:sp>
-        <p:nvSpPr>
-          <p:cNvPr id="3" name="Title 2"/>
-          <p:cNvSpPr>
-            <a:spLocks noGrp="1"/>
-          </p:cNvSpPr>
-          <p:nvPr>
-            <p:ph type="ctrTitle"/>
-          </p:nvPr>
-        </p:nvSpPr>
-        <p:spPr/>
-        <p:txBody>
-          <a:bodyPr/>
-          <a:lstStyle/>
-          <a:p>
-            <a:r>
-              <a:rPr lang="en-US" dirty="0"/>
-              <a:t>Sending Messages</a:t>
-            </a:r>
-          </a:p>
-        </p:txBody>
-      </p:sp>
-    </p:spTree>
-    <p:extLst>
-      <p:ext uri="{BB962C8B-B14F-4D97-AF65-F5344CB8AC3E}">
-        <p14:creationId xmlns:p14="http://schemas.microsoft.com/office/powerpoint/2010/main" val="2944701930"/>
-      </p:ext>
-    </p:extLst>
-  </p:cSld>
-  <p:clrMapOvr>
-    <a:masterClrMapping/>
-  </p:clrMapOvr>
-  <mc:AlternateContent xmlns:mc="http://schemas.openxmlformats.org/markup-compatibility/2006" xmlns:p14="http://schemas.microsoft.com/office/powerpoint/2010/main">
-    <mc:Choice Requires="p14">
-      <p:transition spd="med" p14:dur="700">
-        <p:fade/>
-      </p:transition>
-    </mc:Choice>
-    <mc:Fallback xmlns="">
-      <p:transition spd="med">
-        <p:fade/>
-      </p:transition>
-    </mc:Fallback>
-  </mc:AlternateContent>
-  <p:timing>
-    <p:tnLst>
-      <p:par>
-        <p:cTn id="1" dur="indefinite" restart="never" nodeType="tmRoot"/>
-      </p:par>
-    </p:tnLst>
-  </p:timing>
-</p:sld>
-</file>
-
-<file path=ppt/slides/slide9.xml><?xml version="1.0" encoding="utf-8"?>
+<file path=ppt/slides/slide7.xml><?xml version="1.0" encoding="utf-8"?>
 <p:sld xmlns:a="http://schemas.openxmlformats.org/drawingml/2006/main" xmlns:r="http://schemas.openxmlformats.org/officeDocument/2006/relationships" xmlns:p="http://schemas.openxmlformats.org/presentationml/2006/main">
   <p:cSld>
     <p:spTree>
@@ -20242,18 +19913,18 @@
 </file>
 
 <file path=customXml/item2.xml><?xml version="1.0" encoding="utf-8"?>
+<p:properties xmlns:p="http://schemas.microsoft.com/office/2006/metadata/properties" xmlns:xsi="http://www.w3.org/2001/XMLSchema-instance" xmlns:pc="http://schemas.microsoft.com/office/infopath/2007/PartnerControls">
+  <documentManagement/>
+</p:properties>
+</file>
+
+<file path=customXml/item3.xml><?xml version="1.0" encoding="utf-8"?>
 <?mso-contentType ?>
 <FormTemplates xmlns="http://schemas.microsoft.com/sharepoint/v3/contenttype/forms">
   <Display>DocumentLibraryForm</Display>
   <Edit>DocumentLibraryForm</Edit>
   <New>DocumentLibraryForm</New>
 </FormTemplates>
-</file>
-
-<file path=customXml/item3.xml><?xml version="1.0" encoding="utf-8"?>
-<p:properties xmlns:p="http://schemas.microsoft.com/office/2006/metadata/properties" xmlns:xsi="http://www.w3.org/2001/XMLSchema-instance" xmlns:pc="http://schemas.microsoft.com/office/infopath/2007/PartnerControls">
-  <documentManagement/>
-</p:properties>
 </file>
 
 <file path=customXml/itemProps1.xml><?xml version="1.0" encoding="utf-8"?>
@@ -20275,14 +19946,6 @@
 </file>
 
 <file path=customXml/itemProps2.xml><?xml version="1.0" encoding="utf-8"?>
-<ds:datastoreItem xmlns:ds="http://schemas.openxmlformats.org/officeDocument/2006/customXml" ds:itemID="{B0CA13EC-1D3C-4D6F-8D1C-E8A452CFC79A}">
-  <ds:schemaRefs>
-    <ds:schemaRef ds:uri="http://schemas.microsoft.com/sharepoint/v3/contenttype/forms"/>
-  </ds:schemaRefs>
-</ds:datastoreItem>
-</file>
-
-<file path=customXml/itemProps3.xml><?xml version="1.0" encoding="utf-8"?>
 <ds:datastoreItem xmlns:ds="http://schemas.openxmlformats.org/officeDocument/2006/customXml" ds:itemID="{7025FDD9-4C58-4084-9F89-0E6ADD6FFF55}">
   <ds:schemaRefs>
     <ds:schemaRef ds:uri="http://purl.org/dc/terms/"/>
@@ -20296,4 +19959,12 @@
     <ds:schemaRef ds:uri="http://purl.org/dc/dcmitype/"/>
   </ds:schemaRefs>
 </ds:datastoreItem>
+</file>
+
+<file path=customXml/itemProps3.xml><?xml version="1.0" encoding="utf-8"?>
+<ds:datastoreItem xmlns:ds="http://schemas.openxmlformats.org/officeDocument/2006/customXml" ds:itemID="{B0CA13EC-1D3C-4D6F-8D1C-E8A452CFC79A}">
+  <ds:schemaRefs>
+    <ds:schemaRef ds:uri="http://schemas.microsoft.com/sharepoint/v3/contenttype/forms"/>
+  </ds:schemaRefs>
+</ds:datastoreItem>
 </file>
--- a/Presentation/ConnectingFrontAndBack/ConnectingFrontAndBack.pptx
+++ b/Presentation/ConnectingFrontAndBack/ConnectingFrontAndBack.pptx
@@ -11,19 +11,24 @@
     <p:sldMasterId id="2147483727" r:id="rId10"/>
   </p:sldMasterIdLst>
   <p:notesMasterIdLst>
-    <p:notesMasterId r:id="rId18"/>
+    <p:notesMasterId r:id="rId23"/>
   </p:notesMasterIdLst>
   <p:handoutMasterIdLst>
-    <p:handoutMasterId r:id="rId19"/>
+    <p:handoutMasterId r:id="rId24"/>
   </p:handoutMasterIdLst>
   <p:sldIdLst>
     <p:sldId id="297" r:id="rId11"/>
     <p:sldId id="284" r:id="rId12"/>
     <p:sldId id="294" r:id="rId13"/>
     <p:sldId id="286" r:id="rId14"/>
-    <p:sldId id="296" r:id="rId15"/>
-    <p:sldId id="295" r:id="rId16"/>
-    <p:sldId id="293" r:id="rId17"/>
+    <p:sldId id="298" r:id="rId15"/>
+    <p:sldId id="299" r:id="rId16"/>
+    <p:sldId id="300" r:id="rId17"/>
+    <p:sldId id="301" r:id="rId18"/>
+    <p:sldId id="302" r:id="rId19"/>
+    <p:sldId id="296" r:id="rId20"/>
+    <p:sldId id="295" r:id="rId21"/>
+    <p:sldId id="293" r:id="rId22"/>
   </p:sldIdLst>
   <p:sldSz cx="12192000" cy="6858000"/>
   <p:notesSz cx="6858000" cy="9144000"/>
@@ -215,7 +220,7 @@
           <a:p>
             <a:fld id="{312E7B4A-039C-48A2-9B2C-AF16AA3873D8}" type="datetimeFigureOut">
               <a:rPr lang="en-US" smtClean="0"/>
-              <a:t>20/07/2015</a:t>
+              <a:t>23/07/2015</a:t>
             </a:fld>
             <a:endParaRPr lang="en-US"/>
           </a:p>
@@ -380,7 +385,7 @@
           <a:p>
             <a:fld id="{DA005A0C-54D9-45AA-87D4-C551D08DFCE1}" type="datetimeFigureOut">
               <a:rPr lang="en-US" smtClean="0"/>
-              <a:t>20/07/2015</a:t>
+              <a:t>23/07/2015</a:t>
             </a:fld>
             <a:endParaRPr lang="en-US"/>
           </a:p>
@@ -821,6 +826,468 @@
     <p:extLst>
       <p:ext uri="{BB962C8B-B14F-4D97-AF65-F5344CB8AC3E}">
         <p14:creationId xmlns:p14="http://schemas.microsoft.com/office/powerpoint/2010/main" val="2782372558"/>
+      </p:ext>
+    </p:extLst>
+  </p:cSld>
+  <p:clrMapOvr>
+    <a:masterClrMapping/>
+  </p:clrMapOvr>
+</p:notes>
+</file>
+
+<file path=ppt/notesSlides/notesSlide3.xml><?xml version="1.0" encoding="utf-8"?>
+<p:notes xmlns:a="http://schemas.openxmlformats.org/drawingml/2006/main" xmlns:r="http://schemas.openxmlformats.org/officeDocument/2006/relationships" xmlns:p="http://schemas.openxmlformats.org/presentationml/2006/main">
+  <p:cSld>
+    <p:spTree>
+      <p:nvGrpSpPr>
+        <p:cNvPr id="1" name=""/>
+        <p:cNvGrpSpPr/>
+        <p:nvPr/>
+      </p:nvGrpSpPr>
+      <p:grpSpPr>
+        <a:xfrm>
+          <a:off x="0" y="0"/>
+          <a:ext cx="0" cy="0"/>
+          <a:chOff x="0" y="0"/>
+          <a:chExt cx="0" cy="0"/>
+        </a:xfrm>
+      </p:grpSpPr>
+      <p:sp>
+        <p:nvSpPr>
+          <p:cNvPr id="2" name="Slide Image Placeholder 1"/>
+          <p:cNvSpPr>
+            <a:spLocks noGrp="1" noRot="1" noChangeAspect="1"/>
+          </p:cNvSpPr>
+          <p:nvPr>
+            <p:ph type="sldImg"/>
+          </p:nvPr>
+        </p:nvSpPr>
+        <p:spPr/>
+      </p:sp>
+      <p:sp>
+        <p:nvSpPr>
+          <p:cNvPr id="3" name="Notes Placeholder 2"/>
+          <p:cNvSpPr>
+            <a:spLocks noGrp="1"/>
+          </p:cNvSpPr>
+          <p:nvPr>
+            <p:ph type="body" idx="1"/>
+          </p:nvPr>
+        </p:nvSpPr>
+        <p:spPr/>
+        <p:txBody>
+          <a:bodyPr/>
+          <a:lstStyle/>
+          <a:p>
+            <a:r>
+              <a:rPr lang="en-US" dirty="0" smtClean="0"/>
+              <a:t>This demonstrates the way </a:t>
+            </a:r>
+            <a:r>
+              <a:rPr lang="en-US" dirty="0" err="1" smtClean="0"/>
+              <a:t>SignalR</a:t>
+            </a:r>
+            <a:r>
+              <a:rPr lang="en-US" dirty="0" smtClean="0"/>
+              <a:t> works over an</a:t>
+            </a:r>
+            <a:r>
+              <a:rPr lang="en-US" baseline="0" dirty="0" smtClean="0"/>
+              <a:t> HTTP connection using long polling or one of the other pre-Web Socket or pre-Server Sent Events methods.</a:t>
+            </a:r>
+          </a:p>
+          <a:p>
+            <a:endParaRPr lang="en-US" baseline="0" dirty="0" smtClean="0"/>
+          </a:p>
+          <a:p>
+            <a:r>
+              <a:rPr lang="en-US" baseline="0" dirty="0" smtClean="0"/>
+              <a:t>The web server makes an outbound request to the web server. </a:t>
+            </a:r>
+            <a:r>
+              <a:rPr lang="en-US" b="1" baseline="0" dirty="0" smtClean="0"/>
+              <a:t>CLICK</a:t>
+            </a:r>
+            <a:endParaRPr lang="en-US" baseline="0" dirty="0" smtClean="0"/>
+          </a:p>
+          <a:p>
+            <a:r>
+              <a:rPr lang="en-US" baseline="0" dirty="0" smtClean="0"/>
+              <a:t>If the web server is ready to return something, it does so. </a:t>
+            </a:r>
+            <a:r>
+              <a:rPr lang="en-US" b="1" baseline="0" dirty="0" smtClean="0"/>
+              <a:t>CLICK</a:t>
+            </a:r>
+          </a:p>
+          <a:p>
+            <a:r>
+              <a:rPr lang="en-US" b="0" baseline="0" dirty="0" smtClean="0"/>
+              <a:t>Once the server responds, the client begins making the requests again until the server responds. </a:t>
+            </a:r>
+            <a:r>
+              <a:rPr lang="en-US" b="1" baseline="0" dirty="0" smtClean="0"/>
+              <a:t>CLICK</a:t>
+            </a:r>
+            <a:endParaRPr lang="en-US" b="0" baseline="0" dirty="0" smtClean="0"/>
+          </a:p>
+          <a:p>
+            <a:endParaRPr lang="en-US" b="0" dirty="0"/>
+          </a:p>
+        </p:txBody>
+      </p:sp>
+      <p:sp>
+        <p:nvSpPr>
+          <p:cNvPr id="4" name="Slide Number Placeholder 3"/>
+          <p:cNvSpPr>
+            <a:spLocks noGrp="1"/>
+          </p:cNvSpPr>
+          <p:nvPr>
+            <p:ph type="sldNum" sz="quarter" idx="10"/>
+          </p:nvPr>
+        </p:nvSpPr>
+        <p:spPr/>
+        <p:txBody>
+          <a:bodyPr/>
+          <a:lstStyle/>
+          <a:p>
+            <a:fld id="{82AABF77-E2E4-44CA-BA5C-65E132CF08D8}" type="slidenum">
+              <a:rPr lang="en-US" smtClean="0"/>
+              <a:pPr/>
+              <a:t>5</a:t>
+            </a:fld>
+            <a:endParaRPr lang="en-US" dirty="0"/>
+          </a:p>
+        </p:txBody>
+      </p:sp>
+    </p:spTree>
+    <p:extLst>
+      <p:ext uri="{BB962C8B-B14F-4D97-AF65-F5344CB8AC3E}">
+        <p14:creationId xmlns:p14="http://schemas.microsoft.com/office/powerpoint/2010/main" val="355127605"/>
+      </p:ext>
+    </p:extLst>
+  </p:cSld>
+  <p:clrMapOvr>
+    <a:masterClrMapping/>
+  </p:clrMapOvr>
+</p:notes>
+</file>
+
+<file path=ppt/notesSlides/notesSlide4.xml><?xml version="1.0" encoding="utf-8"?>
+<p:notes xmlns:a="http://schemas.openxmlformats.org/drawingml/2006/main" xmlns:r="http://schemas.openxmlformats.org/officeDocument/2006/relationships" xmlns:p="http://schemas.openxmlformats.org/presentationml/2006/main">
+  <p:cSld>
+    <p:spTree>
+      <p:nvGrpSpPr>
+        <p:cNvPr id="1" name=""/>
+        <p:cNvGrpSpPr/>
+        <p:nvPr/>
+      </p:nvGrpSpPr>
+      <p:grpSpPr>
+        <a:xfrm>
+          <a:off x="0" y="0"/>
+          <a:ext cx="0" cy="0"/>
+          <a:chOff x="0" y="0"/>
+          <a:chExt cx="0" cy="0"/>
+        </a:xfrm>
+      </p:grpSpPr>
+      <p:sp>
+        <p:nvSpPr>
+          <p:cNvPr id="2" name="Slide Image Placeholder 1"/>
+          <p:cNvSpPr>
+            <a:spLocks noGrp="1" noRot="1" noChangeAspect="1"/>
+          </p:cNvSpPr>
+          <p:nvPr>
+            <p:ph type="sldImg"/>
+          </p:nvPr>
+        </p:nvSpPr>
+        <p:spPr/>
+      </p:sp>
+      <p:sp>
+        <p:nvSpPr>
+          <p:cNvPr id="3" name="Notes Placeholder 2"/>
+          <p:cNvSpPr>
+            <a:spLocks noGrp="1"/>
+          </p:cNvSpPr>
+          <p:nvPr>
+            <p:ph type="body" idx="1"/>
+          </p:nvPr>
+        </p:nvSpPr>
+        <p:spPr/>
+        <p:txBody>
+          <a:bodyPr/>
+          <a:lstStyle/>
+          <a:p>
+            <a:r>
+              <a:rPr lang="en-US" dirty="0" smtClean="0"/>
+              <a:t>This demonstrates the way </a:t>
+            </a:r>
+            <a:r>
+              <a:rPr lang="en-US" dirty="0" err="1" smtClean="0"/>
+              <a:t>SignalR</a:t>
+            </a:r>
+            <a:r>
+              <a:rPr lang="en-US" dirty="0" smtClean="0"/>
+              <a:t> works over an</a:t>
+            </a:r>
+            <a:r>
+              <a:rPr lang="en-US" baseline="0" dirty="0" smtClean="0"/>
+              <a:t> HTTP connection using Web Sockets or Server Sent Events. </a:t>
+            </a:r>
+          </a:p>
+          <a:p>
+            <a:endParaRPr lang="en-US" baseline="0" dirty="0" smtClean="0"/>
+          </a:p>
+          <a:p>
+            <a:r>
+              <a:rPr lang="en-US" baseline="0" dirty="0" smtClean="0"/>
+              <a:t>The client makes the request to determine if the server does real-time. </a:t>
+            </a:r>
+            <a:r>
+              <a:rPr lang="en-US" b="1" baseline="0" dirty="0" smtClean="0"/>
+              <a:t>CLICK</a:t>
+            </a:r>
+            <a:endParaRPr lang="en-US" b="0" baseline="0" dirty="0" smtClean="0"/>
+          </a:p>
+          <a:p>
+            <a:r>
+              <a:rPr lang="en-US" b="0" baseline="0" dirty="0" smtClean="0"/>
+              <a:t>The server responds to the client to let the client know Web Sockets or SSE are supported. </a:t>
+            </a:r>
+            <a:r>
+              <a:rPr lang="en-US" b="1" baseline="0" dirty="0" smtClean="0"/>
+              <a:t>CLICK</a:t>
+            </a:r>
+            <a:endParaRPr lang="en-US" b="0" baseline="0" dirty="0" smtClean="0"/>
+          </a:p>
+          <a:p>
+            <a:r>
+              <a:rPr lang="en-US" b="0" baseline="0" dirty="0" smtClean="0"/>
+              <a:t>The real-time connection is established and used for the lifetime of the conversation. </a:t>
+            </a:r>
+            <a:r>
+              <a:rPr lang="en-US" b="1" baseline="0" dirty="0" smtClean="0"/>
+              <a:t>CLICK</a:t>
+            </a:r>
+            <a:endParaRPr lang="en-US" b="0" baseline="0" dirty="0" smtClean="0"/>
+          </a:p>
+          <a:p>
+            <a:endParaRPr lang="en-US" b="0" dirty="0" smtClean="0"/>
+          </a:p>
+          <a:p>
+            <a:pPr marL="0" marR="0" indent="0" algn="l" defTabSz="1218987" rtl="0" eaLnBrk="1" fontAlgn="auto" latinLnBrk="0" hangingPunct="1">
+              <a:lnSpc>
+                <a:spcPct val="100000"/>
+              </a:lnSpc>
+              <a:spcBef>
+                <a:spcPts val="0"/>
+              </a:spcBef>
+              <a:spcAft>
+                <a:spcPts val="0"/>
+              </a:spcAft>
+              <a:buClrTx/>
+              <a:buSzTx/>
+              <a:buFontTx/>
+              <a:buNone/>
+              <a:tabLst/>
+              <a:defRPr/>
+            </a:pPr>
+            <a:r>
+              <a:rPr lang="en-US" baseline="0" dirty="0" smtClean="0"/>
+              <a:t>If both ends of the connection support one of the later, real-time connection methods, real-time communication is enabled.</a:t>
+            </a:r>
+          </a:p>
+        </p:txBody>
+      </p:sp>
+      <p:sp>
+        <p:nvSpPr>
+          <p:cNvPr id="4" name="Slide Number Placeholder 3"/>
+          <p:cNvSpPr>
+            <a:spLocks noGrp="1"/>
+          </p:cNvSpPr>
+          <p:nvPr>
+            <p:ph type="sldNum" sz="quarter" idx="10"/>
+          </p:nvPr>
+        </p:nvSpPr>
+        <p:spPr/>
+        <p:txBody>
+          <a:bodyPr/>
+          <a:lstStyle/>
+          <a:p>
+            <a:fld id="{82AABF77-E2E4-44CA-BA5C-65E132CF08D8}" type="slidenum">
+              <a:rPr lang="en-US" smtClean="0"/>
+              <a:pPr/>
+              <a:t>6</a:t>
+            </a:fld>
+            <a:endParaRPr lang="en-US" dirty="0"/>
+          </a:p>
+        </p:txBody>
+      </p:sp>
+    </p:spTree>
+    <p:extLst>
+      <p:ext uri="{BB962C8B-B14F-4D97-AF65-F5344CB8AC3E}">
+        <p14:creationId xmlns:p14="http://schemas.microsoft.com/office/powerpoint/2010/main" val="527719745"/>
+      </p:ext>
+    </p:extLst>
+  </p:cSld>
+  <p:clrMapOvr>
+    <a:masterClrMapping/>
+  </p:clrMapOvr>
+</p:notes>
+</file>
+
+<file path=ppt/notesSlides/notesSlide5.xml><?xml version="1.0" encoding="utf-8"?>
+<p:notes xmlns:a="http://schemas.openxmlformats.org/drawingml/2006/main" xmlns:r="http://schemas.openxmlformats.org/officeDocument/2006/relationships" xmlns:p="http://schemas.openxmlformats.org/presentationml/2006/main">
+  <p:cSld>
+    <p:spTree>
+      <p:nvGrpSpPr>
+        <p:cNvPr id="1" name=""/>
+        <p:cNvGrpSpPr/>
+        <p:nvPr/>
+      </p:nvGrpSpPr>
+      <p:grpSpPr>
+        <a:xfrm>
+          <a:off x="0" y="0"/>
+          <a:ext cx="0" cy="0"/>
+          <a:chOff x="0" y="0"/>
+          <a:chExt cx="0" cy="0"/>
+        </a:xfrm>
+      </p:grpSpPr>
+      <p:sp>
+        <p:nvSpPr>
+          <p:cNvPr id="2" name="Slide Image Placeholder 1"/>
+          <p:cNvSpPr>
+            <a:spLocks noGrp="1" noRot="1" noChangeAspect="1"/>
+          </p:cNvSpPr>
+          <p:nvPr>
+            <p:ph type="sldImg"/>
+          </p:nvPr>
+        </p:nvSpPr>
+        <p:spPr/>
+      </p:sp>
+      <p:sp>
+        <p:nvSpPr>
+          <p:cNvPr id="3" name="Notes Placeholder 2"/>
+          <p:cNvSpPr>
+            <a:spLocks noGrp="1"/>
+          </p:cNvSpPr>
+          <p:nvPr>
+            <p:ph type="body" idx="1"/>
+          </p:nvPr>
+        </p:nvSpPr>
+        <p:spPr/>
+        <p:txBody>
+          <a:bodyPr/>
+          <a:lstStyle/>
+          <a:p>
+            <a:r>
+              <a:rPr lang="en-US" dirty="0" smtClean="0"/>
+              <a:t>This demonstrates the way </a:t>
+            </a:r>
+            <a:r>
+              <a:rPr lang="en-US" dirty="0" err="1" smtClean="0"/>
+              <a:t>SignalR</a:t>
+            </a:r>
+            <a:r>
+              <a:rPr lang="en-US" dirty="0" smtClean="0"/>
+              <a:t> works over an</a:t>
+            </a:r>
+            <a:r>
+              <a:rPr lang="en-US" baseline="0" dirty="0" smtClean="0"/>
+              <a:t> HTTP connection using Web Sockets or Server Sent Events. </a:t>
+            </a:r>
+          </a:p>
+          <a:p>
+            <a:endParaRPr lang="en-US" baseline="0" dirty="0" smtClean="0"/>
+          </a:p>
+          <a:p>
+            <a:r>
+              <a:rPr lang="en-US" baseline="0" dirty="0" smtClean="0"/>
+              <a:t>The client makes the request to determine if the server does real-time. </a:t>
+            </a:r>
+            <a:r>
+              <a:rPr lang="en-US" b="1" baseline="0" dirty="0" smtClean="0"/>
+              <a:t>CLICK</a:t>
+            </a:r>
+            <a:endParaRPr lang="en-US" b="0" baseline="0" dirty="0" smtClean="0"/>
+          </a:p>
+          <a:p>
+            <a:r>
+              <a:rPr lang="en-US" b="0" baseline="0" dirty="0" smtClean="0"/>
+              <a:t>The server responds to the client to let the client know Web Sockets or SSE are supported. </a:t>
+            </a:r>
+            <a:r>
+              <a:rPr lang="en-US" b="1" baseline="0" dirty="0" smtClean="0"/>
+              <a:t>CLICK</a:t>
+            </a:r>
+            <a:endParaRPr lang="en-US" b="0" baseline="0" dirty="0" smtClean="0"/>
+          </a:p>
+          <a:p>
+            <a:r>
+              <a:rPr lang="en-US" b="0" baseline="0" dirty="0" smtClean="0"/>
+              <a:t>The real-time connection is established and used for the lifetime of the conversation. </a:t>
+            </a:r>
+            <a:r>
+              <a:rPr lang="en-US" b="1" baseline="0" dirty="0" smtClean="0"/>
+              <a:t>CLICK</a:t>
+            </a:r>
+            <a:endParaRPr lang="en-US" b="0" baseline="0" dirty="0" smtClean="0"/>
+          </a:p>
+          <a:p>
+            <a:endParaRPr lang="en-US" b="0" dirty="0" smtClean="0"/>
+          </a:p>
+          <a:p>
+            <a:pPr marL="0" marR="0" indent="0" algn="l" defTabSz="1218987" rtl="0" eaLnBrk="1" fontAlgn="auto" latinLnBrk="0" hangingPunct="1">
+              <a:lnSpc>
+                <a:spcPct val="100000"/>
+              </a:lnSpc>
+              <a:spcBef>
+                <a:spcPts val="0"/>
+              </a:spcBef>
+              <a:spcAft>
+                <a:spcPts val="0"/>
+              </a:spcAft>
+              <a:buClrTx/>
+              <a:buSzTx/>
+              <a:buFontTx/>
+              <a:buNone/>
+              <a:tabLst/>
+              <a:defRPr/>
+            </a:pPr>
+            <a:r>
+              <a:rPr lang="en-US" baseline="0" dirty="0" smtClean="0"/>
+              <a:t>If both ends of the connection support one of the later, real-time connection methods, real-time communication is enabled.</a:t>
+            </a:r>
+          </a:p>
+        </p:txBody>
+      </p:sp>
+      <p:sp>
+        <p:nvSpPr>
+          <p:cNvPr id="4" name="Slide Number Placeholder 3"/>
+          <p:cNvSpPr>
+            <a:spLocks noGrp="1"/>
+          </p:cNvSpPr>
+          <p:nvPr>
+            <p:ph type="sldNum" sz="quarter" idx="10"/>
+          </p:nvPr>
+        </p:nvSpPr>
+        <p:spPr/>
+        <p:txBody>
+          <a:bodyPr/>
+          <a:lstStyle/>
+          <a:p>
+            <a:fld id="{82AABF77-E2E4-44CA-BA5C-65E132CF08D8}" type="slidenum">
+              <a:rPr lang="en-US" smtClean="0"/>
+              <a:pPr/>
+              <a:t>7</a:t>
+            </a:fld>
+            <a:endParaRPr lang="en-US" dirty="0"/>
+          </a:p>
+        </p:txBody>
+      </p:sp>
+    </p:spTree>
+    <p:extLst>
+      <p:ext uri="{BB962C8B-B14F-4D97-AF65-F5344CB8AC3E}">
+        <p14:creationId xmlns:p14="http://schemas.microsoft.com/office/powerpoint/2010/main" val="1223812122"/>
       </p:ext>
     </p:extLst>
   </p:cSld>
@@ -3232,6 +3699,587 @@
 </file>
 
 <file path=ppt/slideLayouts/slideLayout18.xml><?xml version="1.0" encoding="utf-8"?>
+<p:sldLayout xmlns:a="http://schemas.openxmlformats.org/drawingml/2006/main" xmlns:r="http://schemas.openxmlformats.org/officeDocument/2006/relationships" xmlns:p="http://schemas.openxmlformats.org/presentationml/2006/main" userDrawn="1">
+  <p:cSld name="3_Title and Content">
+    <p:spTree>
+      <p:nvGrpSpPr>
+        <p:cNvPr id="1" name=""/>
+        <p:cNvGrpSpPr/>
+        <p:nvPr/>
+      </p:nvGrpSpPr>
+      <p:grpSpPr>
+        <a:xfrm>
+          <a:off x="0" y="0"/>
+          <a:ext cx="0" cy="0"/>
+          <a:chOff x="0" y="0"/>
+          <a:chExt cx="0" cy="0"/>
+        </a:xfrm>
+      </p:grpSpPr>
+      <p:sp>
+        <p:nvSpPr>
+          <p:cNvPr id="2" name="Title 1"/>
+          <p:cNvSpPr>
+            <a:spLocks noGrp="1"/>
+          </p:cNvSpPr>
+          <p:nvPr>
+            <p:ph type="title"/>
+          </p:nvPr>
+        </p:nvSpPr>
+        <p:spPr>
+          <a:xfrm>
+            <a:off x="519248" y="228601"/>
+            <a:ext cx="11151917" cy="747897"/>
+          </a:xfrm>
+        </p:spPr>
+        <p:txBody>
+          <a:bodyPr/>
+          <a:lstStyle>
+            <a:lvl1pPr>
+              <a:defRPr sz="5400"/>
+            </a:lvl1pPr>
+          </a:lstStyle>
+          <a:p>
+            <a:r>
+              <a:rPr lang="en-US" smtClean="0"/>
+              <a:t>Click to edit Master title style</a:t>
+            </a:r>
+            <a:endParaRPr lang="en-US" dirty="0"/>
+          </a:p>
+        </p:txBody>
+      </p:sp>
+      <p:sp>
+        <p:nvSpPr>
+          <p:cNvPr id="5" name="Text Placeholder 4"/>
+          <p:cNvSpPr>
+            <a:spLocks noGrp="1"/>
+          </p:cNvSpPr>
+          <p:nvPr>
+            <p:ph type="body" sz="quarter" idx="10"/>
+          </p:nvPr>
+        </p:nvSpPr>
+        <p:spPr>
+          <a:xfrm>
+            <a:off x="519248" y="1447800"/>
+            <a:ext cx="11151917" cy="946413"/>
+          </a:xfrm>
+          <a:prstGeom prst="rect">
+            <a:avLst/>
+          </a:prstGeom>
+        </p:spPr>
+        <p:txBody>
+          <a:bodyPr/>
+          <a:lstStyle>
+            <a:lvl1pPr marL="3175" indent="0">
+              <a:spcBef>
+                <a:spcPts val="0"/>
+              </a:spcBef>
+              <a:spcAft>
+                <a:spcPts val="900"/>
+              </a:spcAft>
+              <a:buSzPct val="80000"/>
+              <a:buFont typeface="Arial" pitchFamily="34" charset="0"/>
+              <a:buNone/>
+              <a:defRPr sz="4000" spc="-100" baseline="0">
+                <a:gradFill>
+                  <a:gsLst>
+                    <a:gs pos="0">
+                      <a:srgbClr val="595959"/>
+                    </a:gs>
+                    <a:gs pos="86000">
+                      <a:srgbClr val="595959"/>
+                    </a:gs>
+                  </a:gsLst>
+                  <a:lin ang="5400000" scaled="0"/>
+                </a:gradFill>
+                <a:latin typeface="Segoe UI Light" pitchFamily="34" charset="0"/>
+              </a:defRPr>
+            </a:lvl1pPr>
+            <a:lvl2pPr marL="3175" indent="0">
+              <a:spcBef>
+                <a:spcPts val="0"/>
+              </a:spcBef>
+              <a:buSzPct val="80000"/>
+              <a:buFont typeface="Arial" pitchFamily="34" charset="0"/>
+              <a:buNone/>
+              <a:defRPr sz="2000" spc="-50" baseline="0">
+                <a:gradFill>
+                  <a:gsLst>
+                    <a:gs pos="0">
+                      <a:srgbClr val="595959"/>
+                    </a:gs>
+                    <a:gs pos="86000">
+                      <a:srgbClr val="595959"/>
+                    </a:gs>
+                  </a:gsLst>
+                  <a:lin ang="5400000" scaled="0"/>
+                </a:gradFill>
+              </a:defRPr>
+            </a:lvl2pPr>
+            <a:lvl3pPr marL="1258888" indent="-403225">
+              <a:buSzPct val="80000"/>
+              <a:buFontTx/>
+              <a:buBlip>
+                <a:blip r:embed="rId2"/>
+              </a:buBlip>
+              <a:defRPr>
+                <a:gradFill>
+                  <a:gsLst>
+                    <a:gs pos="0">
+                      <a:schemeClr val="tx1">
+                        <a:lumMod val="90000"/>
+                        <a:lumOff val="10000"/>
+                      </a:schemeClr>
+                    </a:gs>
+                    <a:gs pos="86000">
+                      <a:schemeClr val="tx1">
+                        <a:lumMod val="90000"/>
+                        <a:lumOff val="10000"/>
+                      </a:schemeClr>
+                    </a:gs>
+                  </a:gsLst>
+                  <a:lin ang="5400000" scaled="0"/>
+                </a:gradFill>
+              </a:defRPr>
+            </a:lvl3pPr>
+            <a:lvl4pPr marL="1604963" indent="-346075">
+              <a:buSzPct val="80000"/>
+              <a:buFontTx/>
+              <a:buBlip>
+                <a:blip r:embed="rId2"/>
+              </a:buBlip>
+              <a:defRPr>
+                <a:gradFill>
+                  <a:gsLst>
+                    <a:gs pos="0">
+                      <a:schemeClr val="tx1">
+                        <a:lumMod val="90000"/>
+                        <a:lumOff val="10000"/>
+                      </a:schemeClr>
+                    </a:gs>
+                    <a:gs pos="86000">
+                      <a:schemeClr val="tx1">
+                        <a:lumMod val="90000"/>
+                        <a:lumOff val="10000"/>
+                      </a:schemeClr>
+                    </a:gs>
+                  </a:gsLst>
+                  <a:lin ang="5400000" scaled="0"/>
+                </a:gradFill>
+              </a:defRPr>
+            </a:lvl4pPr>
+            <a:lvl5pPr marL="1941513" indent="-336550">
+              <a:buSzPct val="80000"/>
+              <a:buFontTx/>
+              <a:buBlip>
+                <a:blip r:embed="rId2"/>
+              </a:buBlip>
+              <a:defRPr>
+                <a:gradFill>
+                  <a:gsLst>
+                    <a:gs pos="0">
+                      <a:schemeClr val="tx1">
+                        <a:lumMod val="90000"/>
+                        <a:lumOff val="10000"/>
+                      </a:schemeClr>
+                    </a:gs>
+                    <a:gs pos="86000">
+                      <a:schemeClr val="tx1">
+                        <a:lumMod val="90000"/>
+                        <a:lumOff val="10000"/>
+                      </a:schemeClr>
+                    </a:gs>
+                  </a:gsLst>
+                  <a:lin ang="5400000" scaled="0"/>
+                </a:gradFill>
+              </a:defRPr>
+            </a:lvl5pPr>
+          </a:lstStyle>
+          <a:p>
+            <a:pPr lvl="0"/>
+            <a:r>
+              <a:rPr lang="en-US" smtClean="0"/>
+              <a:t>Click to edit Master text styles</a:t>
+            </a:r>
+          </a:p>
+          <a:p>
+            <a:pPr lvl="1"/>
+            <a:r>
+              <a:rPr lang="en-US" smtClean="0"/>
+              <a:t>Second level</a:t>
+            </a:r>
+          </a:p>
+        </p:txBody>
+      </p:sp>
+    </p:spTree>
+    <p:extLst>
+      <p:ext uri="{BB962C8B-B14F-4D97-AF65-F5344CB8AC3E}">
+        <p14:creationId xmlns:p14="http://schemas.microsoft.com/office/powerpoint/2010/main" val="391594238"/>
+      </p:ext>
+    </p:extLst>
+  </p:cSld>
+  <p:clrMapOvr>
+    <a:masterClrMapping/>
+  </p:clrMapOvr>
+  <p:transition>
+    <p:fade/>
+  </p:transition>
+  <p:timing>
+    <p:tnLst>
+      <p:par>
+        <p:cTn id="1" dur="indefinite" restart="never" nodeType="tmRoot"/>
+      </p:par>
+    </p:tnLst>
+  </p:timing>
+</p:sldLayout>
+</file>
+
+<file path=ppt/slideLayouts/slideLayout19.xml><?xml version="1.0" encoding="utf-8"?>
+<p:sldLayout xmlns:a="http://schemas.openxmlformats.org/drawingml/2006/main" xmlns:r="http://schemas.openxmlformats.org/officeDocument/2006/relationships" xmlns:p="http://schemas.openxmlformats.org/presentationml/2006/main" userDrawn="1">
+  <p:cSld name="4_Title and Content">
+    <p:spTree>
+      <p:nvGrpSpPr>
+        <p:cNvPr id="1" name=""/>
+        <p:cNvGrpSpPr/>
+        <p:nvPr/>
+      </p:nvGrpSpPr>
+      <p:grpSpPr>
+        <a:xfrm>
+          <a:off x="0" y="0"/>
+          <a:ext cx="0" cy="0"/>
+          <a:chOff x="0" y="0"/>
+          <a:chExt cx="0" cy="0"/>
+        </a:xfrm>
+      </p:grpSpPr>
+      <p:sp>
+        <p:nvSpPr>
+          <p:cNvPr id="2" name="Title 1"/>
+          <p:cNvSpPr>
+            <a:spLocks noGrp="1"/>
+          </p:cNvSpPr>
+          <p:nvPr>
+            <p:ph type="title"/>
+          </p:nvPr>
+        </p:nvSpPr>
+        <p:spPr>
+          <a:xfrm>
+            <a:off x="519248" y="228601"/>
+            <a:ext cx="11151917" cy="747897"/>
+          </a:xfrm>
+        </p:spPr>
+        <p:txBody>
+          <a:bodyPr/>
+          <a:lstStyle>
+            <a:lvl1pPr>
+              <a:defRPr sz="5400"/>
+            </a:lvl1pPr>
+          </a:lstStyle>
+          <a:p>
+            <a:r>
+              <a:rPr lang="en-US" smtClean="0"/>
+              <a:t>Click to edit Master title style</a:t>
+            </a:r>
+            <a:endParaRPr lang="en-US" dirty="0"/>
+          </a:p>
+        </p:txBody>
+      </p:sp>
+      <p:sp>
+        <p:nvSpPr>
+          <p:cNvPr id="5" name="Text Placeholder 4"/>
+          <p:cNvSpPr>
+            <a:spLocks noGrp="1"/>
+          </p:cNvSpPr>
+          <p:nvPr>
+            <p:ph type="body" sz="quarter" idx="10"/>
+          </p:nvPr>
+        </p:nvSpPr>
+        <p:spPr>
+          <a:xfrm>
+            <a:off x="519248" y="1447800"/>
+            <a:ext cx="11151917" cy="946413"/>
+          </a:xfrm>
+          <a:prstGeom prst="rect">
+            <a:avLst/>
+          </a:prstGeom>
+        </p:spPr>
+        <p:txBody>
+          <a:bodyPr/>
+          <a:lstStyle>
+            <a:lvl1pPr marL="3175" indent="0">
+              <a:spcBef>
+                <a:spcPts val="0"/>
+              </a:spcBef>
+              <a:spcAft>
+                <a:spcPts val="900"/>
+              </a:spcAft>
+              <a:buSzPct val="80000"/>
+              <a:buFont typeface="Arial" pitchFamily="34" charset="0"/>
+              <a:buNone/>
+              <a:defRPr sz="4000" spc="-100" baseline="0">
+                <a:gradFill>
+                  <a:gsLst>
+                    <a:gs pos="0">
+                      <a:srgbClr val="595959"/>
+                    </a:gs>
+                    <a:gs pos="86000">
+                      <a:srgbClr val="595959"/>
+                    </a:gs>
+                  </a:gsLst>
+                  <a:lin ang="5400000" scaled="0"/>
+                </a:gradFill>
+                <a:latin typeface="Segoe UI Light" pitchFamily="34" charset="0"/>
+              </a:defRPr>
+            </a:lvl1pPr>
+            <a:lvl2pPr marL="3175" indent="0">
+              <a:spcBef>
+                <a:spcPts val="0"/>
+              </a:spcBef>
+              <a:buSzPct val="80000"/>
+              <a:buFont typeface="Arial" pitchFamily="34" charset="0"/>
+              <a:buNone/>
+              <a:defRPr sz="2000" spc="-50" baseline="0">
+                <a:gradFill>
+                  <a:gsLst>
+                    <a:gs pos="0">
+                      <a:srgbClr val="595959"/>
+                    </a:gs>
+                    <a:gs pos="86000">
+                      <a:srgbClr val="595959"/>
+                    </a:gs>
+                  </a:gsLst>
+                  <a:lin ang="5400000" scaled="0"/>
+                </a:gradFill>
+              </a:defRPr>
+            </a:lvl2pPr>
+            <a:lvl3pPr marL="1258888" indent="-403225">
+              <a:buSzPct val="80000"/>
+              <a:buFontTx/>
+              <a:buBlip>
+                <a:blip r:embed="rId2"/>
+              </a:buBlip>
+              <a:defRPr>
+                <a:gradFill>
+                  <a:gsLst>
+                    <a:gs pos="0">
+                      <a:schemeClr val="tx1">
+                        <a:lumMod val="90000"/>
+                        <a:lumOff val="10000"/>
+                      </a:schemeClr>
+                    </a:gs>
+                    <a:gs pos="86000">
+                      <a:schemeClr val="tx1">
+                        <a:lumMod val="90000"/>
+                        <a:lumOff val="10000"/>
+                      </a:schemeClr>
+                    </a:gs>
+                  </a:gsLst>
+                  <a:lin ang="5400000" scaled="0"/>
+                </a:gradFill>
+              </a:defRPr>
+            </a:lvl3pPr>
+            <a:lvl4pPr marL="1604963" indent="-346075">
+              <a:buSzPct val="80000"/>
+              <a:buFontTx/>
+              <a:buBlip>
+                <a:blip r:embed="rId2"/>
+              </a:buBlip>
+              <a:defRPr>
+                <a:gradFill>
+                  <a:gsLst>
+                    <a:gs pos="0">
+                      <a:schemeClr val="tx1">
+                        <a:lumMod val="90000"/>
+                        <a:lumOff val="10000"/>
+                      </a:schemeClr>
+                    </a:gs>
+                    <a:gs pos="86000">
+                      <a:schemeClr val="tx1">
+                        <a:lumMod val="90000"/>
+                        <a:lumOff val="10000"/>
+                      </a:schemeClr>
+                    </a:gs>
+                  </a:gsLst>
+                  <a:lin ang="5400000" scaled="0"/>
+                </a:gradFill>
+              </a:defRPr>
+            </a:lvl4pPr>
+            <a:lvl5pPr marL="1941513" indent="-336550">
+              <a:buSzPct val="80000"/>
+              <a:buFontTx/>
+              <a:buBlip>
+                <a:blip r:embed="rId2"/>
+              </a:buBlip>
+              <a:defRPr>
+                <a:gradFill>
+                  <a:gsLst>
+                    <a:gs pos="0">
+                      <a:schemeClr val="tx1">
+                        <a:lumMod val="90000"/>
+                        <a:lumOff val="10000"/>
+                      </a:schemeClr>
+                    </a:gs>
+                    <a:gs pos="86000">
+                      <a:schemeClr val="tx1">
+                        <a:lumMod val="90000"/>
+                        <a:lumOff val="10000"/>
+                      </a:schemeClr>
+                    </a:gs>
+                  </a:gsLst>
+                  <a:lin ang="5400000" scaled="0"/>
+                </a:gradFill>
+              </a:defRPr>
+            </a:lvl5pPr>
+          </a:lstStyle>
+          <a:p>
+            <a:pPr lvl="0"/>
+            <a:r>
+              <a:rPr lang="en-US" smtClean="0"/>
+              <a:t>Click to edit Master text styles</a:t>
+            </a:r>
+          </a:p>
+          <a:p>
+            <a:pPr lvl="1"/>
+            <a:r>
+              <a:rPr lang="en-US" smtClean="0"/>
+              <a:t>Second level</a:t>
+            </a:r>
+          </a:p>
+        </p:txBody>
+      </p:sp>
+    </p:spTree>
+    <p:extLst>
+      <p:ext uri="{BB962C8B-B14F-4D97-AF65-F5344CB8AC3E}">
+        <p14:creationId xmlns:p14="http://schemas.microsoft.com/office/powerpoint/2010/main" val="2621729648"/>
+      </p:ext>
+    </p:extLst>
+  </p:cSld>
+  <p:clrMapOvr>
+    <a:masterClrMapping/>
+  </p:clrMapOvr>
+  <p:transition>
+    <p:fade/>
+  </p:transition>
+  <p:timing>
+    <p:tnLst>
+      <p:par>
+        <p:cTn id="1" dur="indefinite" restart="never" nodeType="tmRoot"/>
+      </p:par>
+    </p:tnLst>
+  </p:timing>
+</p:sldLayout>
+</file>
+
+<file path=ppt/slideLayouts/slideLayout2.xml><?xml version="1.0" encoding="utf-8"?>
+<p:sldLayout xmlns:a="http://schemas.openxmlformats.org/drawingml/2006/main" xmlns:r="http://schemas.openxmlformats.org/officeDocument/2006/relationships" xmlns:p="http://schemas.openxmlformats.org/presentationml/2006/main" preserve="1">
+  <p:cSld name="1_Custom Layout">
+    <p:bg>
+      <p:bgPr>
+        <a:solidFill>
+          <a:srgbClr val="0171B0"/>
+        </a:solidFill>
+        <a:effectLst/>
+      </p:bgPr>
+    </p:bg>
+    <p:spTree>
+      <p:nvGrpSpPr>
+        <p:cNvPr id="1" name=""/>
+        <p:cNvGrpSpPr/>
+        <p:nvPr/>
+      </p:nvGrpSpPr>
+      <p:grpSpPr>
+        <a:xfrm>
+          <a:off x="0" y="0"/>
+          <a:ext cx="0" cy="0"/>
+          <a:chOff x="0" y="0"/>
+          <a:chExt cx="0" cy="0"/>
+        </a:xfrm>
+      </p:grpSpPr>
+      <p:sp>
+        <p:nvSpPr>
+          <p:cNvPr id="4" name="Title 3"/>
+          <p:cNvSpPr>
+            <a:spLocks noGrp="1"/>
+          </p:cNvSpPr>
+          <p:nvPr>
+            <p:ph type="title"/>
+          </p:nvPr>
+        </p:nvSpPr>
+        <p:spPr/>
+        <p:txBody>
+          <a:bodyPr anchor="b"/>
+          <a:lstStyle/>
+          <a:p>
+            <a:r>
+              <a:rPr lang="en-US" smtClean="0"/>
+              <a:t>Click to edit Master title style</a:t>
+            </a:r>
+            <a:endParaRPr lang="en-US"/>
+          </a:p>
+        </p:txBody>
+      </p:sp>
+      <p:sp>
+        <p:nvSpPr>
+          <p:cNvPr id="6" name="Text Placeholder 5"/>
+          <p:cNvSpPr>
+            <a:spLocks noGrp="1"/>
+          </p:cNvSpPr>
+          <p:nvPr>
+            <p:ph type="body" sz="quarter" idx="10" hasCustomPrompt="1"/>
+          </p:nvPr>
+        </p:nvSpPr>
+        <p:spPr>
+          <a:xfrm>
+            <a:off x="6638425" y="5517221"/>
+            <a:ext cx="5013325" cy="1026863"/>
+          </a:xfrm>
+        </p:spPr>
+        <p:txBody>
+          <a:bodyPr/>
+          <a:lstStyle>
+            <a:lvl1pPr>
+              <a:defRPr>
+                <a:solidFill>
+                  <a:srgbClr val="3C454F"/>
+                </a:solidFill>
+              </a:defRPr>
+            </a:lvl1pPr>
+          </a:lstStyle>
+          <a:p>
+            <a:pPr lvl="0"/>
+            <a:r>
+              <a:rPr lang="en-US" dirty="0" smtClean="0"/>
+              <a:t>Presenter Name</a:t>
+            </a:r>
+          </a:p>
+          <a:p>
+            <a:pPr lvl="0"/>
+            <a:r>
+              <a:rPr lang="en-US" dirty="0" smtClean="0"/>
+              <a:t>Title/role</a:t>
+            </a:r>
+          </a:p>
+        </p:txBody>
+      </p:sp>
+    </p:spTree>
+    <p:extLst>
+      <p:ext uri="{BB962C8B-B14F-4D97-AF65-F5344CB8AC3E}">
+        <p14:creationId xmlns:p14="http://schemas.microsoft.com/office/powerpoint/2010/main" val="3529702065"/>
+      </p:ext>
+    </p:extLst>
+  </p:cSld>
+  <p:clrMapOvr>
+    <a:masterClrMapping/>
+  </p:clrMapOvr>
+  <p:timing>
+    <p:tnLst>
+      <p:par>
+        <p:cTn id="1" dur="indefinite" restart="never" nodeType="tmRoot"/>
+      </p:par>
+    </p:tnLst>
+  </p:timing>
+</p:sldLayout>
+</file>
+
+<file path=ppt/slideLayouts/slideLayout20.xml><?xml version="1.0" encoding="utf-8"?>
 <p:sldLayout xmlns:a="http://schemas.openxmlformats.org/drawingml/2006/main" xmlns:r="http://schemas.openxmlformats.org/officeDocument/2006/relationships" xmlns:p="http://schemas.openxmlformats.org/presentationml/2006/main" type="title" preserve="1">
   <p:cSld name="Title Slide">
     <p:bg>
@@ -3375,7 +4423,7 @@
 </p:sldLayout>
 </file>
 
-<file path=ppt/slideLayouts/slideLayout19.xml><?xml version="1.0" encoding="utf-8"?>
+<file path=ppt/slideLayouts/slideLayout21.xml><?xml version="1.0" encoding="utf-8"?>
 <p:sldLayout xmlns:a="http://schemas.openxmlformats.org/drawingml/2006/main" xmlns:r="http://schemas.openxmlformats.org/officeDocument/2006/relationships" xmlns:p="http://schemas.openxmlformats.org/presentationml/2006/main" type="obj" preserve="1">
   <p:cSld name="Title and Content">
     <p:bg>
@@ -3495,118 +4543,7 @@
 </p:sldLayout>
 </file>
 
-<file path=ppt/slideLayouts/slideLayout2.xml><?xml version="1.0" encoding="utf-8"?>
-<p:sldLayout xmlns:a="http://schemas.openxmlformats.org/drawingml/2006/main" xmlns:r="http://schemas.openxmlformats.org/officeDocument/2006/relationships" xmlns:p="http://schemas.openxmlformats.org/presentationml/2006/main" preserve="1">
-  <p:cSld name="1_Custom Layout">
-    <p:bg>
-      <p:bgPr>
-        <a:solidFill>
-          <a:srgbClr val="0171B0"/>
-        </a:solidFill>
-        <a:effectLst/>
-      </p:bgPr>
-    </p:bg>
-    <p:spTree>
-      <p:nvGrpSpPr>
-        <p:cNvPr id="1" name=""/>
-        <p:cNvGrpSpPr/>
-        <p:nvPr/>
-      </p:nvGrpSpPr>
-      <p:grpSpPr>
-        <a:xfrm>
-          <a:off x="0" y="0"/>
-          <a:ext cx="0" cy="0"/>
-          <a:chOff x="0" y="0"/>
-          <a:chExt cx="0" cy="0"/>
-        </a:xfrm>
-      </p:grpSpPr>
-      <p:sp>
-        <p:nvSpPr>
-          <p:cNvPr id="4" name="Title 3"/>
-          <p:cNvSpPr>
-            <a:spLocks noGrp="1"/>
-          </p:cNvSpPr>
-          <p:nvPr>
-            <p:ph type="title"/>
-          </p:nvPr>
-        </p:nvSpPr>
-        <p:spPr/>
-        <p:txBody>
-          <a:bodyPr anchor="b"/>
-          <a:lstStyle/>
-          <a:p>
-            <a:r>
-              <a:rPr lang="en-US" smtClean="0"/>
-              <a:t>Click to edit Master title style</a:t>
-            </a:r>
-            <a:endParaRPr lang="en-US"/>
-          </a:p>
-        </p:txBody>
-      </p:sp>
-      <p:sp>
-        <p:nvSpPr>
-          <p:cNvPr id="6" name="Text Placeholder 5"/>
-          <p:cNvSpPr>
-            <a:spLocks noGrp="1"/>
-          </p:cNvSpPr>
-          <p:nvPr>
-            <p:ph type="body" sz="quarter" idx="10" hasCustomPrompt="1"/>
-          </p:nvPr>
-        </p:nvSpPr>
-        <p:spPr>
-          <a:xfrm>
-            <a:off x="6638425" y="5517221"/>
-            <a:ext cx="5013325" cy="1026863"/>
-          </a:xfrm>
-        </p:spPr>
-        <p:txBody>
-          <a:bodyPr/>
-          <a:lstStyle>
-            <a:lvl1pPr>
-              <a:defRPr>
-                <a:solidFill>
-                  <a:srgbClr val="3C454F"/>
-                </a:solidFill>
-              </a:defRPr>
-            </a:lvl1pPr>
-          </a:lstStyle>
-          <a:p>
-            <a:pPr lvl="0"/>
-            <a:r>
-              <a:rPr lang="en-US" dirty="0" smtClean="0"/>
-              <a:t>Presenter Name</a:t>
-            </a:r>
-          </a:p>
-          <a:p>
-            <a:pPr lvl="0"/>
-            <a:r>
-              <a:rPr lang="en-US" dirty="0" smtClean="0"/>
-              <a:t>Title/role</a:t>
-            </a:r>
-          </a:p>
-        </p:txBody>
-      </p:sp>
-    </p:spTree>
-    <p:extLst>
-      <p:ext uri="{BB962C8B-B14F-4D97-AF65-F5344CB8AC3E}">
-        <p14:creationId xmlns:p14="http://schemas.microsoft.com/office/powerpoint/2010/main" val="3529702065"/>
-      </p:ext>
-    </p:extLst>
-  </p:cSld>
-  <p:clrMapOvr>
-    <a:masterClrMapping/>
-  </p:clrMapOvr>
-  <p:timing>
-    <p:tnLst>
-      <p:par>
-        <p:cTn id="1" dur="indefinite" restart="never" nodeType="tmRoot"/>
-      </p:par>
-    </p:tnLst>
-  </p:timing>
-</p:sldLayout>
-</file>
-
-<file path=ppt/slideLayouts/slideLayout20.xml><?xml version="1.0" encoding="utf-8"?>
+<file path=ppt/slideLayouts/slideLayout22.xml><?xml version="1.0" encoding="utf-8"?>
 <p:sldLayout xmlns:a="http://schemas.openxmlformats.org/drawingml/2006/main" xmlns:r="http://schemas.openxmlformats.org/officeDocument/2006/relationships" xmlns:p="http://schemas.openxmlformats.org/presentationml/2006/main" preserve="1">
   <p:cSld name="1_Title and Content">
     <p:spTree>
@@ -3763,7 +4700,7 @@
 </p:sldLayout>
 </file>
 
-<file path=ppt/slideLayouts/slideLayout21.xml><?xml version="1.0" encoding="utf-8"?>
+<file path=ppt/slideLayouts/slideLayout23.xml><?xml version="1.0" encoding="utf-8"?>
 <p:sldLayout xmlns:a="http://schemas.openxmlformats.org/drawingml/2006/main" xmlns:r="http://schemas.openxmlformats.org/officeDocument/2006/relationships" xmlns:p="http://schemas.openxmlformats.org/presentationml/2006/main" type="titleOnly" preserve="1">
   <p:cSld name="Title Only">
     <p:bg>
@@ -3831,7 +4768,7 @@
 </p:sldLayout>
 </file>
 
-<file path=ppt/slideLayouts/slideLayout22.xml><?xml version="1.0" encoding="utf-8"?>
+<file path=ppt/slideLayouts/slideLayout24.xml><?xml version="1.0" encoding="utf-8"?>
 <p:sldLayout xmlns:a="http://schemas.openxmlformats.org/drawingml/2006/main" xmlns:r="http://schemas.openxmlformats.org/officeDocument/2006/relationships" xmlns:p="http://schemas.openxmlformats.org/presentationml/2006/main" preserve="1">
   <p:cSld name="1_Title Only">
     <p:spTree>
@@ -4773,7 +5710,7 @@
 </p:sldLayout>
 </file>
 
-<file path=ppt/slideLayouts/slideLayout23.xml><?xml version="1.0" encoding="utf-8"?>
+<file path=ppt/slideLayouts/slideLayout25.xml><?xml version="1.0" encoding="utf-8"?>
 <p:sldLayout xmlns:a="http://schemas.openxmlformats.org/drawingml/2006/main" xmlns:r="http://schemas.openxmlformats.org/officeDocument/2006/relationships" xmlns:p="http://schemas.openxmlformats.org/presentationml/2006/main" type="blank" preserve="1">
   <p:cSld name="1_Blank">
     <p:bg>
@@ -4818,7 +5755,7 @@
 </p:sldLayout>
 </file>
 
-<file path=ppt/slideLayouts/slideLayout24.xml><?xml version="1.0" encoding="utf-8"?>
+<file path=ppt/slideLayouts/slideLayout26.xml><?xml version="1.0" encoding="utf-8"?>
 <p:sldLayout xmlns:a="http://schemas.openxmlformats.org/drawingml/2006/main" xmlns:r="http://schemas.openxmlformats.org/officeDocument/2006/relationships" xmlns:p="http://schemas.openxmlformats.org/presentationml/2006/main" type="objTx" preserve="1">
   <p:cSld name="Content with Caption">
     <p:bg>
@@ -5059,7 +5996,7 @@
 </p:sldLayout>
 </file>
 
-<file path=ppt/slideLayouts/slideLayout25.xml><?xml version="1.0" encoding="utf-8"?>
+<file path=ppt/slideLayouts/slideLayout27.xml><?xml version="1.0" encoding="utf-8"?>
 <p:sldLayout xmlns:a="http://schemas.openxmlformats.org/drawingml/2006/main" xmlns:r="http://schemas.openxmlformats.org/officeDocument/2006/relationships" xmlns:p="http://schemas.openxmlformats.org/presentationml/2006/main" type="title" preserve="1">
   <p:cSld name="Title Slide">
     <p:bg>
@@ -5203,7 +6140,7 @@
 </p:sldLayout>
 </file>
 
-<file path=ppt/slideLayouts/slideLayout26.xml><?xml version="1.0" encoding="utf-8"?>
+<file path=ppt/slideLayouts/slideLayout28.xml><?xml version="1.0" encoding="utf-8"?>
 <p:sldLayout xmlns:a="http://schemas.openxmlformats.org/drawingml/2006/main" xmlns:r="http://schemas.openxmlformats.org/officeDocument/2006/relationships" xmlns:p="http://schemas.openxmlformats.org/presentationml/2006/main" type="obj" preserve="1">
   <p:cSld name="Title and Content">
     <p:bg>
@@ -5323,7 +6260,7 @@
 </p:sldLayout>
 </file>
 
-<file path=ppt/slideLayouts/slideLayout27.xml><?xml version="1.0" encoding="utf-8"?>
+<file path=ppt/slideLayouts/slideLayout29.xml><?xml version="1.0" encoding="utf-8"?>
 <p:sldLayout xmlns:a="http://schemas.openxmlformats.org/drawingml/2006/main" xmlns:r="http://schemas.openxmlformats.org/officeDocument/2006/relationships" xmlns:p="http://schemas.openxmlformats.org/presentationml/2006/main" preserve="1">
   <p:cSld name="1_Title and Content">
     <p:spTree>
@@ -5464,1072 +6401,6 @@
     <p:extLst>
       <p:ext uri="{BB962C8B-B14F-4D97-AF65-F5344CB8AC3E}">
         <p14:creationId xmlns:p14="http://schemas.microsoft.com/office/powerpoint/2010/main" val="2748350815"/>
-      </p:ext>
-    </p:extLst>
-  </p:cSld>
-  <p:clrMapOvr>
-    <a:masterClrMapping/>
-  </p:clrMapOvr>
-  <p:timing>
-    <p:tnLst>
-      <p:par>
-        <p:cTn id="1" dur="indefinite" restart="never" nodeType="tmRoot"/>
-      </p:par>
-    </p:tnLst>
-  </p:timing>
-</p:sldLayout>
-</file>
-
-<file path=ppt/slideLayouts/slideLayout28.xml><?xml version="1.0" encoding="utf-8"?>
-<p:sldLayout xmlns:a="http://schemas.openxmlformats.org/drawingml/2006/main" xmlns:r="http://schemas.openxmlformats.org/officeDocument/2006/relationships" xmlns:p="http://schemas.openxmlformats.org/presentationml/2006/main" type="titleOnly" preserve="1">
-  <p:cSld name="Title Only">
-    <p:bg>
-      <p:bgPr>
-        <a:solidFill>
-          <a:srgbClr val="3C454F"/>
-        </a:solidFill>
-        <a:effectLst/>
-      </p:bgPr>
-    </p:bg>
-    <p:spTree>
-      <p:nvGrpSpPr>
-        <p:cNvPr id="1" name=""/>
-        <p:cNvGrpSpPr/>
-        <p:nvPr/>
-      </p:nvGrpSpPr>
-      <p:grpSpPr>
-        <a:xfrm>
-          <a:off x="0" y="0"/>
-          <a:ext cx="0" cy="0"/>
-          <a:chOff x="0" y="0"/>
-          <a:chExt cx="0" cy="0"/>
-        </a:xfrm>
-      </p:grpSpPr>
-      <p:sp>
-        <p:nvSpPr>
-          <p:cNvPr id="2" name="Title 1"/>
-          <p:cNvSpPr>
-            <a:spLocks noGrp="1"/>
-          </p:cNvSpPr>
-          <p:nvPr>
-            <p:ph type="title"/>
-          </p:nvPr>
-        </p:nvSpPr>
-        <p:spPr/>
-        <p:txBody>
-          <a:bodyPr/>
-          <a:lstStyle/>
-          <a:p>
-            <a:r>
-              <a:rPr lang="en-US" smtClean="0"/>
-              <a:t>Click to edit Master title style</a:t>
-            </a:r>
-            <a:endParaRPr lang="en-US"/>
-          </a:p>
-        </p:txBody>
-      </p:sp>
-    </p:spTree>
-    <p:extLst>
-      <p:ext uri="{BB962C8B-B14F-4D97-AF65-F5344CB8AC3E}">
-        <p14:creationId xmlns:p14="http://schemas.microsoft.com/office/powerpoint/2010/main" val="2436774189"/>
-      </p:ext>
-    </p:extLst>
-  </p:cSld>
-  <p:clrMapOvr>
-    <a:masterClrMapping/>
-  </p:clrMapOvr>
-  <p:timing>
-    <p:tnLst>
-      <p:par>
-        <p:cTn id="1" dur="indefinite" restart="never" nodeType="tmRoot"/>
-      </p:par>
-    </p:tnLst>
-  </p:timing>
-</p:sldLayout>
-</file>
-
-<file path=ppt/slideLayouts/slideLayout29.xml><?xml version="1.0" encoding="utf-8"?>
-<p:sldLayout xmlns:a="http://schemas.openxmlformats.org/drawingml/2006/main" xmlns:r="http://schemas.openxmlformats.org/officeDocument/2006/relationships" xmlns:p="http://schemas.openxmlformats.org/presentationml/2006/main" preserve="1">
-  <p:cSld name="1_Title Only">
-    <p:spTree>
-      <p:nvGrpSpPr>
-        <p:cNvPr id="1" name=""/>
-        <p:cNvGrpSpPr/>
-        <p:nvPr/>
-      </p:nvGrpSpPr>
-      <p:grpSpPr>
-        <a:xfrm>
-          <a:off x="0" y="0"/>
-          <a:ext cx="0" cy="0"/>
-          <a:chOff x="0" y="0"/>
-          <a:chExt cx="0" cy="0"/>
-        </a:xfrm>
-      </p:grpSpPr>
-      <p:sp>
-        <p:nvSpPr>
-          <p:cNvPr id="2" name="Title 1"/>
-          <p:cNvSpPr>
-            <a:spLocks noGrp="1"/>
-          </p:cNvSpPr>
-          <p:nvPr>
-            <p:ph type="title"/>
-          </p:nvPr>
-        </p:nvSpPr>
-        <p:spPr>
-          <a:xfrm>
-            <a:off x="560798" y="416497"/>
-            <a:ext cx="11079822" cy="922110"/>
-          </a:xfrm>
-        </p:spPr>
-        <p:txBody>
-          <a:bodyPr>
-            <a:normAutofit/>
-          </a:bodyPr>
-          <a:lstStyle>
-            <a:lvl1pPr>
-              <a:defRPr sz="4400"/>
-            </a:lvl1pPr>
-          </a:lstStyle>
-          <a:p>
-            <a:r>
-              <a:rPr lang="en-US" smtClean="0"/>
-              <a:t>Click to edit Master title style</a:t>
-            </a:r>
-            <a:endParaRPr lang="en-US"/>
-          </a:p>
-        </p:txBody>
-      </p:sp>
-      <p:graphicFrame>
-        <p:nvGraphicFramePr>
-          <p:cNvPr id="6" name="Table 5"/>
-          <p:cNvGraphicFramePr>
-            <a:graphicFrameLocks noGrp="1"/>
-          </p:cNvGraphicFramePr>
-          <p:nvPr>
-            <p:extLst/>
-          </p:nvPr>
-        </p:nvGraphicFramePr>
-        <p:xfrm>
-          <a:off x="584200" y="1476596"/>
-          <a:ext cx="11056420" cy="4320392"/>
-        </p:xfrm>
-        <a:graphic>
-          <a:graphicData uri="http://schemas.openxmlformats.org/drawingml/2006/table">
-            <a:tbl>
-              <a:tblPr firstRow="1" bandRow="1">
-                <a:tableStyleId>{21E4AEA4-8DFA-4A89-87EB-49C32662AFE0}</a:tableStyleId>
-              </a:tblPr>
-              <a:tblGrid>
-                <a:gridCol w="2764105"/>
-                <a:gridCol w="2764105"/>
-                <a:gridCol w="2764105"/>
-                <a:gridCol w="2764105"/>
-              </a:tblGrid>
-              <a:tr h="644435">
-                <a:tc>
-                  <a:txBody>
-                    <a:bodyPr/>
-                    <a:lstStyle/>
-                    <a:p>
-                      <a:r>
-                        <a:rPr lang="en-US" sz="2000" dirty="0" smtClean="0"/>
-                        <a:t>Heading</a:t>
-                      </a:r>
-                      <a:endParaRPr lang="en-US" sz="2000" dirty="0">
-                        <a:solidFill>
-                          <a:schemeClr val="bg1"/>
-                        </a:solidFill>
-                      </a:endParaRPr>
-                    </a:p>
-                  </a:txBody>
-                  <a:tcPr marL="137160" marR="137160" marT="137160" marB="137160" anchor="ctr">
-                    <a:lnL w="12700" cmpd="sng">
-                      <a:noFill/>
-                    </a:lnL>
-                    <a:lnR w="12700" cmpd="sng">
-                      <a:noFill/>
-                    </a:lnR>
-                    <a:lnT w="12700" cmpd="sng">
-                      <a:noFill/>
-                    </a:lnT>
-                    <a:lnB w="38100" cmpd="sng">
-                      <a:noFill/>
-                    </a:lnB>
-                    <a:lnTlToBr w="12700" cmpd="sng">
-                      <a:noFill/>
-                      <a:prstDash val="solid"/>
-                    </a:lnTlToBr>
-                    <a:lnBlToTr w="12700" cmpd="sng">
-                      <a:noFill/>
-                      <a:prstDash val="solid"/>
-                    </a:lnBlToTr>
-                    <a:solidFill>
-                      <a:srgbClr val="289FD7"/>
-                    </a:solidFill>
-                  </a:tcPr>
-                </a:tc>
-                <a:tc>
-                  <a:txBody>
-                    <a:bodyPr/>
-                    <a:lstStyle/>
-                    <a:p>
-                      <a:r>
-                        <a:rPr lang="en-US" sz="2000" dirty="0" smtClean="0"/>
-                        <a:t>Heading</a:t>
-                      </a:r>
-                      <a:endParaRPr lang="en-US" sz="2000" dirty="0">
-                        <a:solidFill>
-                          <a:schemeClr val="bg1"/>
-                        </a:solidFill>
-                      </a:endParaRPr>
-                    </a:p>
-                  </a:txBody>
-                  <a:tcPr marL="137160" marR="137160" marT="137160" marB="137160" anchor="ctr">
-                    <a:lnL w="12700" cmpd="sng">
-                      <a:noFill/>
-                    </a:lnL>
-                    <a:lnR w="12700" cmpd="sng">
-                      <a:noFill/>
-                    </a:lnR>
-                    <a:lnT w="12700" cmpd="sng">
-                      <a:noFill/>
-                    </a:lnT>
-                    <a:lnB w="38100" cmpd="sng">
-                      <a:noFill/>
-                    </a:lnB>
-                    <a:lnTlToBr w="12700" cmpd="sng">
-                      <a:noFill/>
-                      <a:prstDash val="solid"/>
-                    </a:lnTlToBr>
-                    <a:lnBlToTr w="12700" cmpd="sng">
-                      <a:noFill/>
-                      <a:prstDash val="solid"/>
-                    </a:lnBlToTr>
-                    <a:solidFill>
-                      <a:srgbClr val="289FD7"/>
-                    </a:solidFill>
-                  </a:tcPr>
-                </a:tc>
-                <a:tc>
-                  <a:txBody>
-                    <a:bodyPr/>
-                    <a:lstStyle/>
-                    <a:p>
-                      <a:r>
-                        <a:rPr lang="en-US" sz="2000" dirty="0" smtClean="0"/>
-                        <a:t>Heading</a:t>
-                      </a:r>
-                      <a:endParaRPr lang="en-US" sz="2000" dirty="0">
-                        <a:solidFill>
-                          <a:schemeClr val="bg1"/>
-                        </a:solidFill>
-                      </a:endParaRPr>
-                    </a:p>
-                  </a:txBody>
-                  <a:tcPr marL="137160" marR="137160" marT="137160" marB="137160" anchor="ctr">
-                    <a:lnL w="12700" cmpd="sng">
-                      <a:noFill/>
-                    </a:lnL>
-                    <a:lnR w="12700" cmpd="sng">
-                      <a:noFill/>
-                    </a:lnR>
-                    <a:lnT w="12700" cmpd="sng">
-                      <a:noFill/>
-                    </a:lnT>
-                    <a:lnB w="38100" cmpd="sng">
-                      <a:noFill/>
-                    </a:lnB>
-                    <a:lnTlToBr w="12700" cmpd="sng">
-                      <a:noFill/>
-                      <a:prstDash val="solid"/>
-                    </a:lnTlToBr>
-                    <a:lnBlToTr w="12700" cmpd="sng">
-                      <a:noFill/>
-                      <a:prstDash val="solid"/>
-                    </a:lnBlToTr>
-                    <a:solidFill>
-                      <a:srgbClr val="289FD7"/>
-                    </a:solidFill>
-                  </a:tcPr>
-                </a:tc>
-                <a:tc>
-                  <a:txBody>
-                    <a:bodyPr/>
-                    <a:lstStyle/>
-                    <a:p>
-                      <a:r>
-                        <a:rPr lang="en-US" sz="2000" dirty="0" smtClean="0"/>
-                        <a:t>Heading</a:t>
-                      </a:r>
-                      <a:endParaRPr lang="en-US" sz="2000" dirty="0">
-                        <a:solidFill>
-                          <a:schemeClr val="bg1"/>
-                        </a:solidFill>
-                      </a:endParaRPr>
-                    </a:p>
-                  </a:txBody>
-                  <a:tcPr marL="137160" marR="137160" marT="137160" marB="137160" anchor="ctr">
-                    <a:lnL w="12700" cmpd="sng">
-                      <a:noFill/>
-                    </a:lnL>
-                    <a:lnR w="12700" cmpd="sng">
-                      <a:noFill/>
-                    </a:lnR>
-                    <a:lnT w="12700" cmpd="sng">
-                      <a:noFill/>
-                    </a:lnT>
-                    <a:lnB w="38100" cmpd="sng">
-                      <a:noFill/>
-                    </a:lnB>
-                    <a:lnTlToBr w="12700" cmpd="sng">
-                      <a:noFill/>
-                      <a:prstDash val="solid"/>
-                    </a:lnTlToBr>
-                    <a:lnBlToTr w="12700" cmpd="sng">
-                      <a:noFill/>
-                      <a:prstDash val="solid"/>
-                    </a:lnBlToTr>
-                    <a:solidFill>
-                      <a:srgbClr val="289FD7"/>
-                    </a:solidFill>
-                  </a:tcPr>
-                </a:tc>
-              </a:tr>
-              <a:tr h="1225319">
-                <a:tc>
-                  <a:txBody>
-                    <a:bodyPr/>
-                    <a:lstStyle/>
-                    <a:p>
-                      <a:r>
-                        <a:rPr lang="en-US" sz="1600" dirty="0" smtClean="0"/>
-                        <a:t>Content</a:t>
-                      </a:r>
-                      <a:endParaRPr lang="en-US" sz="1600" dirty="0">
-                        <a:solidFill>
-                          <a:srgbClr val="3C454F"/>
-                        </a:solidFill>
-                      </a:endParaRPr>
-                    </a:p>
-                  </a:txBody>
-                  <a:tcPr marL="137160" marR="137160" marT="137160" marB="137160">
-                    <a:lnL w="12700" cmpd="sng">
-                      <a:noFill/>
-                    </a:lnL>
-                    <a:lnR w="12700" cmpd="sng">
-                      <a:noFill/>
-                    </a:lnR>
-                    <a:lnT w="38100" cmpd="sng">
-                      <a:noFill/>
-                    </a:lnT>
-                    <a:lnB w="12700" cmpd="sng">
-                      <a:noFill/>
-                    </a:lnB>
-                    <a:lnTlToBr w="12700" cmpd="sng">
-                      <a:noFill/>
-                      <a:prstDash val="solid"/>
-                    </a:lnTlToBr>
-                    <a:lnBlToTr w="12700" cmpd="sng">
-                      <a:noFill/>
-                      <a:prstDash val="solid"/>
-                    </a:lnBlToTr>
-                    <a:solidFill>
-                      <a:schemeClr val="bg1"/>
-                    </a:solidFill>
-                  </a:tcPr>
-                </a:tc>
-                <a:tc>
-                  <a:txBody>
-                    <a:bodyPr/>
-                    <a:lstStyle/>
-                    <a:p>
-                      <a:pPr marL="0" marR="0" indent="0" algn="l" defTabSz="914400" rtl="0" eaLnBrk="1" fontAlgn="auto" latinLnBrk="0" hangingPunct="1">
-                        <a:lnSpc>
-                          <a:spcPct val="100000"/>
-                        </a:lnSpc>
-                        <a:spcBef>
-                          <a:spcPts val="0"/>
-                        </a:spcBef>
-                        <a:spcAft>
-                          <a:spcPts val="0"/>
-                        </a:spcAft>
-                        <a:buClrTx/>
-                        <a:buSzTx/>
-                        <a:buFontTx/>
-                        <a:buNone/>
-                        <a:tabLst/>
-                        <a:defRPr/>
-                      </a:pPr>
-                      <a:r>
-                        <a:rPr lang="en-US" sz="1600" dirty="0" smtClean="0"/>
-                        <a:t>Content</a:t>
-                      </a:r>
-                    </a:p>
-                    <a:p>
-                      <a:endParaRPr lang="en-US" sz="1600" dirty="0">
-                        <a:solidFill>
-                          <a:srgbClr val="3C454F"/>
-                        </a:solidFill>
-                      </a:endParaRPr>
-                    </a:p>
-                  </a:txBody>
-                  <a:tcPr marL="137160" marR="137160" marT="137160" marB="137160">
-                    <a:lnL w="12700" cmpd="sng">
-                      <a:noFill/>
-                    </a:lnL>
-                    <a:lnR w="12700" cmpd="sng">
-                      <a:noFill/>
-                    </a:lnR>
-                    <a:lnT w="38100" cmpd="sng">
-                      <a:noFill/>
-                    </a:lnT>
-                    <a:lnB w="12700" cmpd="sng">
-                      <a:noFill/>
-                    </a:lnB>
-                    <a:lnTlToBr w="12700" cmpd="sng">
-                      <a:noFill/>
-                      <a:prstDash val="solid"/>
-                    </a:lnTlToBr>
-                    <a:lnBlToTr w="12700" cmpd="sng">
-                      <a:noFill/>
-                      <a:prstDash val="solid"/>
-                    </a:lnBlToTr>
-                    <a:solidFill>
-                      <a:schemeClr val="bg1"/>
-                    </a:solidFill>
-                  </a:tcPr>
-                </a:tc>
-                <a:tc>
-                  <a:txBody>
-                    <a:bodyPr/>
-                    <a:lstStyle/>
-                    <a:p>
-                      <a:pPr marL="0" marR="0" indent="0" algn="l" defTabSz="914400" rtl="0" eaLnBrk="1" fontAlgn="auto" latinLnBrk="0" hangingPunct="1">
-                        <a:lnSpc>
-                          <a:spcPct val="100000"/>
-                        </a:lnSpc>
-                        <a:spcBef>
-                          <a:spcPts val="0"/>
-                        </a:spcBef>
-                        <a:spcAft>
-                          <a:spcPts val="0"/>
-                        </a:spcAft>
-                        <a:buClrTx/>
-                        <a:buSzTx/>
-                        <a:buFontTx/>
-                        <a:buNone/>
-                        <a:tabLst/>
-                        <a:defRPr/>
-                      </a:pPr>
-                      <a:r>
-                        <a:rPr lang="en-US" sz="1600" dirty="0" smtClean="0"/>
-                        <a:t>Content</a:t>
-                      </a:r>
-                    </a:p>
-                    <a:p>
-                      <a:endParaRPr lang="en-US" sz="1600" dirty="0">
-                        <a:solidFill>
-                          <a:srgbClr val="3C454F"/>
-                        </a:solidFill>
-                      </a:endParaRPr>
-                    </a:p>
-                  </a:txBody>
-                  <a:tcPr marL="137160" marR="137160" marT="137160" marB="137160">
-                    <a:lnL w="12700" cmpd="sng">
-                      <a:noFill/>
-                    </a:lnL>
-                    <a:lnR w="12700" cmpd="sng">
-                      <a:noFill/>
-                    </a:lnR>
-                    <a:lnT w="38100" cmpd="sng">
-                      <a:noFill/>
-                    </a:lnT>
-                    <a:lnB w="12700" cmpd="sng">
-                      <a:noFill/>
-                    </a:lnB>
-                    <a:lnTlToBr w="12700" cmpd="sng">
-                      <a:noFill/>
-                      <a:prstDash val="solid"/>
-                    </a:lnTlToBr>
-                    <a:lnBlToTr w="12700" cmpd="sng">
-                      <a:noFill/>
-                      <a:prstDash val="solid"/>
-                    </a:lnBlToTr>
-                    <a:solidFill>
-                      <a:schemeClr val="bg1"/>
-                    </a:solidFill>
-                  </a:tcPr>
-                </a:tc>
-                <a:tc>
-                  <a:txBody>
-                    <a:bodyPr/>
-                    <a:lstStyle/>
-                    <a:p>
-                      <a:pPr marL="0" marR="0" indent="0" algn="l" defTabSz="914400" rtl="0" eaLnBrk="1" fontAlgn="auto" latinLnBrk="0" hangingPunct="1">
-                        <a:lnSpc>
-                          <a:spcPct val="100000"/>
-                        </a:lnSpc>
-                        <a:spcBef>
-                          <a:spcPts val="0"/>
-                        </a:spcBef>
-                        <a:spcAft>
-                          <a:spcPts val="0"/>
-                        </a:spcAft>
-                        <a:buClrTx/>
-                        <a:buSzTx/>
-                        <a:buFontTx/>
-                        <a:buNone/>
-                        <a:tabLst/>
-                        <a:defRPr/>
-                      </a:pPr>
-                      <a:r>
-                        <a:rPr lang="en-US" sz="1600" dirty="0" smtClean="0"/>
-                        <a:t>Content</a:t>
-                      </a:r>
-                    </a:p>
-                    <a:p>
-                      <a:endParaRPr lang="en-US" sz="1600" dirty="0">
-                        <a:solidFill>
-                          <a:srgbClr val="3C454F"/>
-                        </a:solidFill>
-                      </a:endParaRPr>
-                    </a:p>
-                  </a:txBody>
-                  <a:tcPr marL="137160" marR="137160" marT="137160" marB="137160">
-                    <a:lnL w="12700" cmpd="sng">
-                      <a:noFill/>
-                    </a:lnL>
-                    <a:lnR w="12700" cmpd="sng">
-                      <a:noFill/>
-                    </a:lnR>
-                    <a:lnT w="38100" cmpd="sng">
-                      <a:noFill/>
-                    </a:lnT>
-                    <a:lnB w="12700" cmpd="sng">
-                      <a:noFill/>
-                    </a:lnB>
-                    <a:lnTlToBr w="12700" cmpd="sng">
-                      <a:noFill/>
-                      <a:prstDash val="solid"/>
-                    </a:lnTlToBr>
-                    <a:lnBlToTr w="12700" cmpd="sng">
-                      <a:noFill/>
-                      <a:prstDash val="solid"/>
-                    </a:lnBlToTr>
-                    <a:solidFill>
-                      <a:schemeClr val="bg1"/>
-                    </a:solidFill>
-                  </a:tcPr>
-                </a:tc>
-              </a:tr>
-              <a:tr h="1225319">
-                <a:tc>
-                  <a:txBody>
-                    <a:bodyPr/>
-                    <a:lstStyle/>
-                    <a:p>
-                      <a:pPr marL="0" marR="0" indent="0" algn="l" defTabSz="914400" rtl="0" eaLnBrk="1" fontAlgn="auto" latinLnBrk="0" hangingPunct="1">
-                        <a:lnSpc>
-                          <a:spcPct val="100000"/>
-                        </a:lnSpc>
-                        <a:spcBef>
-                          <a:spcPts val="0"/>
-                        </a:spcBef>
-                        <a:spcAft>
-                          <a:spcPts val="0"/>
-                        </a:spcAft>
-                        <a:buClrTx/>
-                        <a:buSzTx/>
-                        <a:buFontTx/>
-                        <a:buNone/>
-                        <a:tabLst/>
-                        <a:defRPr/>
-                      </a:pPr>
-                      <a:r>
-                        <a:rPr lang="en-US" sz="1600" dirty="0" smtClean="0"/>
-                        <a:t>Content</a:t>
-                      </a:r>
-                    </a:p>
-                    <a:p>
-                      <a:endParaRPr lang="en-US" sz="1600" dirty="0">
-                        <a:solidFill>
-                          <a:srgbClr val="3C454F"/>
-                        </a:solidFill>
-                      </a:endParaRPr>
-                    </a:p>
-                  </a:txBody>
-                  <a:tcPr marL="137160" marR="137160" marT="137160" marB="137160">
-                    <a:lnL w="12700" cmpd="sng">
-                      <a:noFill/>
-                    </a:lnL>
-                    <a:lnR w="12700" cmpd="sng">
-                      <a:noFill/>
-                    </a:lnR>
-                    <a:lnT w="12700" cmpd="sng">
-                      <a:noFill/>
-                    </a:lnT>
-                    <a:lnB w="12700" cmpd="sng">
-                      <a:noFill/>
-                    </a:lnB>
-                    <a:lnTlToBr w="12700" cmpd="sng">
-                      <a:noFill/>
-                      <a:prstDash val="solid"/>
-                    </a:lnTlToBr>
-                    <a:lnBlToTr w="12700" cmpd="sng">
-                      <a:noFill/>
-                      <a:prstDash val="solid"/>
-                    </a:lnBlToTr>
-                    <a:solidFill>
-                      <a:schemeClr val="bg1">
-                        <a:lumMod val="95000"/>
-                      </a:schemeClr>
-                    </a:solidFill>
-                  </a:tcPr>
-                </a:tc>
-                <a:tc>
-                  <a:txBody>
-                    <a:bodyPr/>
-                    <a:lstStyle/>
-                    <a:p>
-                      <a:pPr marL="0" marR="0" indent="0" algn="l" defTabSz="914400" rtl="0" eaLnBrk="1" fontAlgn="auto" latinLnBrk="0" hangingPunct="1">
-                        <a:lnSpc>
-                          <a:spcPct val="100000"/>
-                        </a:lnSpc>
-                        <a:spcBef>
-                          <a:spcPts val="0"/>
-                        </a:spcBef>
-                        <a:spcAft>
-                          <a:spcPts val="0"/>
-                        </a:spcAft>
-                        <a:buClrTx/>
-                        <a:buSzTx/>
-                        <a:buFontTx/>
-                        <a:buNone/>
-                        <a:tabLst/>
-                        <a:defRPr/>
-                      </a:pPr>
-                      <a:r>
-                        <a:rPr lang="en-US" sz="1600" dirty="0" smtClean="0"/>
-                        <a:t>Content</a:t>
-                      </a:r>
-                    </a:p>
-                    <a:p>
-                      <a:endParaRPr lang="en-US" sz="1600" dirty="0">
-                        <a:solidFill>
-                          <a:srgbClr val="3C454F"/>
-                        </a:solidFill>
-                      </a:endParaRPr>
-                    </a:p>
-                  </a:txBody>
-                  <a:tcPr marL="137160" marR="137160" marT="137160" marB="137160">
-                    <a:lnL w="12700" cmpd="sng">
-                      <a:noFill/>
-                    </a:lnL>
-                    <a:lnR w="12700" cmpd="sng">
-                      <a:noFill/>
-                    </a:lnR>
-                    <a:lnT w="12700" cmpd="sng">
-                      <a:noFill/>
-                    </a:lnT>
-                    <a:lnB w="12700" cmpd="sng">
-                      <a:noFill/>
-                    </a:lnB>
-                    <a:lnTlToBr w="12700" cmpd="sng">
-                      <a:noFill/>
-                      <a:prstDash val="solid"/>
-                    </a:lnTlToBr>
-                    <a:lnBlToTr w="12700" cmpd="sng">
-                      <a:noFill/>
-                      <a:prstDash val="solid"/>
-                    </a:lnBlToTr>
-                    <a:solidFill>
-                      <a:schemeClr val="bg1">
-                        <a:lumMod val="95000"/>
-                      </a:schemeClr>
-                    </a:solidFill>
-                  </a:tcPr>
-                </a:tc>
-                <a:tc>
-                  <a:txBody>
-                    <a:bodyPr/>
-                    <a:lstStyle/>
-                    <a:p>
-                      <a:pPr marL="0" marR="0" indent="0" algn="l" defTabSz="914400" rtl="0" eaLnBrk="1" fontAlgn="auto" latinLnBrk="0" hangingPunct="1">
-                        <a:lnSpc>
-                          <a:spcPct val="100000"/>
-                        </a:lnSpc>
-                        <a:spcBef>
-                          <a:spcPts val="0"/>
-                        </a:spcBef>
-                        <a:spcAft>
-                          <a:spcPts val="0"/>
-                        </a:spcAft>
-                        <a:buClrTx/>
-                        <a:buSzTx/>
-                        <a:buFontTx/>
-                        <a:buNone/>
-                        <a:tabLst/>
-                        <a:defRPr/>
-                      </a:pPr>
-                      <a:r>
-                        <a:rPr lang="en-US" sz="1600" dirty="0" smtClean="0"/>
-                        <a:t>Content</a:t>
-                      </a:r>
-                    </a:p>
-                    <a:p>
-                      <a:endParaRPr lang="en-US" sz="1600" dirty="0">
-                        <a:solidFill>
-                          <a:srgbClr val="3C454F"/>
-                        </a:solidFill>
-                      </a:endParaRPr>
-                    </a:p>
-                  </a:txBody>
-                  <a:tcPr marL="137160" marR="137160" marT="137160" marB="137160">
-                    <a:lnL w="12700" cmpd="sng">
-                      <a:noFill/>
-                    </a:lnL>
-                    <a:lnR w="12700" cmpd="sng">
-                      <a:noFill/>
-                    </a:lnR>
-                    <a:lnT w="12700" cmpd="sng">
-                      <a:noFill/>
-                    </a:lnT>
-                    <a:lnB w="12700" cmpd="sng">
-                      <a:noFill/>
-                    </a:lnB>
-                    <a:lnTlToBr w="12700" cmpd="sng">
-                      <a:noFill/>
-                      <a:prstDash val="solid"/>
-                    </a:lnTlToBr>
-                    <a:lnBlToTr w="12700" cmpd="sng">
-                      <a:noFill/>
-                      <a:prstDash val="solid"/>
-                    </a:lnBlToTr>
-                    <a:solidFill>
-                      <a:schemeClr val="bg1">
-                        <a:lumMod val="95000"/>
-                      </a:schemeClr>
-                    </a:solidFill>
-                  </a:tcPr>
-                </a:tc>
-                <a:tc>
-                  <a:txBody>
-                    <a:bodyPr/>
-                    <a:lstStyle/>
-                    <a:p>
-                      <a:pPr marL="0" marR="0" indent="0" algn="l" defTabSz="914400" rtl="0" eaLnBrk="1" fontAlgn="auto" latinLnBrk="0" hangingPunct="1">
-                        <a:lnSpc>
-                          <a:spcPct val="100000"/>
-                        </a:lnSpc>
-                        <a:spcBef>
-                          <a:spcPts val="0"/>
-                        </a:spcBef>
-                        <a:spcAft>
-                          <a:spcPts val="0"/>
-                        </a:spcAft>
-                        <a:buClrTx/>
-                        <a:buSzTx/>
-                        <a:buFontTx/>
-                        <a:buNone/>
-                        <a:tabLst/>
-                        <a:defRPr/>
-                      </a:pPr>
-                      <a:r>
-                        <a:rPr lang="en-US" sz="1600" dirty="0" smtClean="0"/>
-                        <a:t>Content</a:t>
-                      </a:r>
-                    </a:p>
-                    <a:p>
-                      <a:endParaRPr lang="en-US" sz="1600" dirty="0">
-                        <a:solidFill>
-                          <a:srgbClr val="3C454F"/>
-                        </a:solidFill>
-                      </a:endParaRPr>
-                    </a:p>
-                  </a:txBody>
-                  <a:tcPr marL="137160" marR="137160" marT="137160" marB="137160">
-                    <a:lnL w="12700" cmpd="sng">
-                      <a:noFill/>
-                    </a:lnL>
-                    <a:lnR w="12700" cmpd="sng">
-                      <a:noFill/>
-                    </a:lnR>
-                    <a:lnT w="12700" cmpd="sng">
-                      <a:noFill/>
-                    </a:lnT>
-                    <a:lnB w="12700" cmpd="sng">
-                      <a:noFill/>
-                    </a:lnB>
-                    <a:lnTlToBr w="12700" cmpd="sng">
-                      <a:noFill/>
-                      <a:prstDash val="solid"/>
-                    </a:lnTlToBr>
-                    <a:lnBlToTr w="12700" cmpd="sng">
-                      <a:noFill/>
-                      <a:prstDash val="solid"/>
-                    </a:lnBlToTr>
-                    <a:solidFill>
-                      <a:schemeClr val="bg1">
-                        <a:lumMod val="95000"/>
-                      </a:schemeClr>
-                    </a:solidFill>
-                  </a:tcPr>
-                </a:tc>
-              </a:tr>
-              <a:tr h="1225319">
-                <a:tc>
-                  <a:txBody>
-                    <a:bodyPr/>
-                    <a:lstStyle/>
-                    <a:p>
-                      <a:pPr marL="0" marR="0" indent="0" algn="l" defTabSz="914400" rtl="0" eaLnBrk="1" fontAlgn="auto" latinLnBrk="0" hangingPunct="1">
-                        <a:lnSpc>
-                          <a:spcPct val="100000"/>
-                        </a:lnSpc>
-                        <a:spcBef>
-                          <a:spcPts val="0"/>
-                        </a:spcBef>
-                        <a:spcAft>
-                          <a:spcPts val="0"/>
-                        </a:spcAft>
-                        <a:buClrTx/>
-                        <a:buSzTx/>
-                        <a:buFontTx/>
-                        <a:buNone/>
-                        <a:tabLst/>
-                        <a:defRPr/>
-                      </a:pPr>
-                      <a:r>
-                        <a:rPr lang="en-US" sz="1600" dirty="0" smtClean="0"/>
-                        <a:t>Content</a:t>
-                      </a:r>
-                    </a:p>
-                    <a:p>
-                      <a:endParaRPr lang="en-US" sz="1600" dirty="0">
-                        <a:solidFill>
-                          <a:srgbClr val="3C454F"/>
-                        </a:solidFill>
-                      </a:endParaRPr>
-                    </a:p>
-                  </a:txBody>
-                  <a:tcPr marL="137160" marR="137160" marT="137160" marB="137160">
-                    <a:lnL w="12700" cmpd="sng">
-                      <a:noFill/>
-                    </a:lnL>
-                    <a:lnR w="12700" cmpd="sng">
-                      <a:noFill/>
-                    </a:lnR>
-                    <a:lnT w="12700" cmpd="sng">
-                      <a:noFill/>
-                    </a:lnT>
-                    <a:lnB w="12700" cmpd="sng">
-                      <a:noFill/>
-                    </a:lnB>
-                    <a:lnTlToBr w="12700" cmpd="sng">
-                      <a:noFill/>
-                      <a:prstDash val="solid"/>
-                    </a:lnTlToBr>
-                    <a:lnBlToTr w="12700" cmpd="sng">
-                      <a:noFill/>
-                      <a:prstDash val="solid"/>
-                    </a:lnBlToTr>
-                    <a:solidFill>
-                      <a:schemeClr val="bg1"/>
-                    </a:solidFill>
-                  </a:tcPr>
-                </a:tc>
-                <a:tc>
-                  <a:txBody>
-                    <a:bodyPr/>
-                    <a:lstStyle/>
-                    <a:p>
-                      <a:pPr marL="0" marR="0" indent="0" algn="l" defTabSz="914400" rtl="0" eaLnBrk="1" fontAlgn="auto" latinLnBrk="0" hangingPunct="1">
-                        <a:lnSpc>
-                          <a:spcPct val="100000"/>
-                        </a:lnSpc>
-                        <a:spcBef>
-                          <a:spcPts val="0"/>
-                        </a:spcBef>
-                        <a:spcAft>
-                          <a:spcPts val="0"/>
-                        </a:spcAft>
-                        <a:buClrTx/>
-                        <a:buSzTx/>
-                        <a:buFontTx/>
-                        <a:buNone/>
-                        <a:tabLst/>
-                        <a:defRPr/>
-                      </a:pPr>
-                      <a:r>
-                        <a:rPr lang="en-US" sz="1600" dirty="0" smtClean="0"/>
-                        <a:t>Content</a:t>
-                      </a:r>
-                    </a:p>
-                    <a:p>
-                      <a:endParaRPr lang="en-US" sz="1600" dirty="0">
-                        <a:solidFill>
-                          <a:srgbClr val="3C454F"/>
-                        </a:solidFill>
-                      </a:endParaRPr>
-                    </a:p>
-                  </a:txBody>
-                  <a:tcPr marL="137160" marR="137160" marT="137160" marB="137160">
-                    <a:lnL w="12700" cmpd="sng">
-                      <a:noFill/>
-                    </a:lnL>
-                    <a:lnR w="12700" cmpd="sng">
-                      <a:noFill/>
-                    </a:lnR>
-                    <a:lnT w="12700" cmpd="sng">
-                      <a:noFill/>
-                    </a:lnT>
-                    <a:lnB w="12700" cmpd="sng">
-                      <a:noFill/>
-                    </a:lnB>
-                    <a:lnTlToBr w="12700" cmpd="sng">
-                      <a:noFill/>
-                      <a:prstDash val="solid"/>
-                    </a:lnTlToBr>
-                    <a:lnBlToTr w="12700" cmpd="sng">
-                      <a:noFill/>
-                      <a:prstDash val="solid"/>
-                    </a:lnBlToTr>
-                    <a:solidFill>
-                      <a:schemeClr val="bg1"/>
-                    </a:solidFill>
-                  </a:tcPr>
-                </a:tc>
-                <a:tc>
-                  <a:txBody>
-                    <a:bodyPr/>
-                    <a:lstStyle/>
-                    <a:p>
-                      <a:pPr marL="0" marR="0" indent="0" algn="l" defTabSz="914400" rtl="0" eaLnBrk="1" fontAlgn="auto" latinLnBrk="0" hangingPunct="1">
-                        <a:lnSpc>
-                          <a:spcPct val="100000"/>
-                        </a:lnSpc>
-                        <a:spcBef>
-                          <a:spcPts val="0"/>
-                        </a:spcBef>
-                        <a:spcAft>
-                          <a:spcPts val="0"/>
-                        </a:spcAft>
-                        <a:buClrTx/>
-                        <a:buSzTx/>
-                        <a:buFontTx/>
-                        <a:buNone/>
-                        <a:tabLst/>
-                        <a:defRPr/>
-                      </a:pPr>
-                      <a:r>
-                        <a:rPr lang="en-US" sz="1600" dirty="0" smtClean="0"/>
-                        <a:t>Content</a:t>
-                      </a:r>
-                    </a:p>
-                    <a:p>
-                      <a:endParaRPr lang="en-US" sz="1600" dirty="0">
-                        <a:solidFill>
-                          <a:srgbClr val="3C454F"/>
-                        </a:solidFill>
-                      </a:endParaRPr>
-                    </a:p>
-                  </a:txBody>
-                  <a:tcPr marL="137160" marR="137160" marT="137160" marB="137160">
-                    <a:lnL w="12700" cmpd="sng">
-                      <a:noFill/>
-                    </a:lnL>
-                    <a:lnR w="12700" cmpd="sng">
-                      <a:noFill/>
-                    </a:lnR>
-                    <a:lnT w="12700" cmpd="sng">
-                      <a:noFill/>
-                    </a:lnT>
-                    <a:lnB w="12700" cmpd="sng">
-                      <a:noFill/>
-                    </a:lnB>
-                    <a:lnTlToBr w="12700" cmpd="sng">
-                      <a:noFill/>
-                      <a:prstDash val="solid"/>
-                    </a:lnTlToBr>
-                    <a:lnBlToTr w="12700" cmpd="sng">
-                      <a:noFill/>
-                      <a:prstDash val="solid"/>
-                    </a:lnBlToTr>
-                    <a:solidFill>
-                      <a:schemeClr val="bg1"/>
-                    </a:solidFill>
-                  </a:tcPr>
-                </a:tc>
-                <a:tc>
-                  <a:txBody>
-                    <a:bodyPr/>
-                    <a:lstStyle/>
-                    <a:p>
-                      <a:pPr marL="0" marR="0" indent="0" algn="l" defTabSz="914400" rtl="0" eaLnBrk="1" fontAlgn="auto" latinLnBrk="0" hangingPunct="1">
-                        <a:lnSpc>
-                          <a:spcPct val="100000"/>
-                        </a:lnSpc>
-                        <a:spcBef>
-                          <a:spcPts val="0"/>
-                        </a:spcBef>
-                        <a:spcAft>
-                          <a:spcPts val="0"/>
-                        </a:spcAft>
-                        <a:buClrTx/>
-                        <a:buSzTx/>
-                        <a:buFontTx/>
-                        <a:buNone/>
-                        <a:tabLst/>
-                        <a:defRPr/>
-                      </a:pPr>
-                      <a:r>
-                        <a:rPr lang="en-US" sz="1600" dirty="0" smtClean="0"/>
-                        <a:t>Content</a:t>
-                      </a:r>
-                    </a:p>
-                    <a:p>
-                      <a:endParaRPr lang="en-US" sz="1600" dirty="0">
-                        <a:solidFill>
-                          <a:srgbClr val="3C454F"/>
-                        </a:solidFill>
-                      </a:endParaRPr>
-                    </a:p>
-                  </a:txBody>
-                  <a:tcPr marL="137160" marR="137160" marT="137160" marB="137160">
-                    <a:lnL w="12700" cmpd="sng">
-                      <a:noFill/>
-                    </a:lnL>
-                    <a:lnR w="12700" cmpd="sng">
-                      <a:noFill/>
-                    </a:lnR>
-                    <a:lnT w="12700" cmpd="sng">
-                      <a:noFill/>
-                    </a:lnT>
-                    <a:lnB w="12700" cmpd="sng">
-                      <a:noFill/>
-                    </a:lnB>
-                    <a:lnTlToBr w="12700" cmpd="sng">
-                      <a:noFill/>
-                      <a:prstDash val="solid"/>
-                    </a:lnTlToBr>
-                    <a:lnBlToTr w="12700" cmpd="sng">
-                      <a:noFill/>
-                      <a:prstDash val="solid"/>
-                    </a:lnBlToTr>
-                    <a:solidFill>
-                      <a:schemeClr val="bg1"/>
-                    </a:solidFill>
-                  </a:tcPr>
-                </a:tc>
-              </a:tr>
-            </a:tbl>
-          </a:graphicData>
-        </a:graphic>
-      </p:graphicFrame>
-    </p:spTree>
-    <p:extLst>
-      <p:ext uri="{BB962C8B-B14F-4D97-AF65-F5344CB8AC3E}">
-        <p14:creationId xmlns:p14="http://schemas.microsoft.com/office/powerpoint/2010/main" val="1967823672"/>
       </p:ext>
     </p:extLst>
   </p:cSld>
@@ -6658,6 +6529,1072 @@
 </file>
 
 <file path=ppt/slideLayouts/slideLayout30.xml><?xml version="1.0" encoding="utf-8"?>
+<p:sldLayout xmlns:a="http://schemas.openxmlformats.org/drawingml/2006/main" xmlns:r="http://schemas.openxmlformats.org/officeDocument/2006/relationships" xmlns:p="http://schemas.openxmlformats.org/presentationml/2006/main" type="titleOnly" preserve="1">
+  <p:cSld name="Title Only">
+    <p:bg>
+      <p:bgPr>
+        <a:solidFill>
+          <a:srgbClr val="3C454F"/>
+        </a:solidFill>
+        <a:effectLst/>
+      </p:bgPr>
+    </p:bg>
+    <p:spTree>
+      <p:nvGrpSpPr>
+        <p:cNvPr id="1" name=""/>
+        <p:cNvGrpSpPr/>
+        <p:nvPr/>
+      </p:nvGrpSpPr>
+      <p:grpSpPr>
+        <a:xfrm>
+          <a:off x="0" y="0"/>
+          <a:ext cx="0" cy="0"/>
+          <a:chOff x="0" y="0"/>
+          <a:chExt cx="0" cy="0"/>
+        </a:xfrm>
+      </p:grpSpPr>
+      <p:sp>
+        <p:nvSpPr>
+          <p:cNvPr id="2" name="Title 1"/>
+          <p:cNvSpPr>
+            <a:spLocks noGrp="1"/>
+          </p:cNvSpPr>
+          <p:nvPr>
+            <p:ph type="title"/>
+          </p:nvPr>
+        </p:nvSpPr>
+        <p:spPr/>
+        <p:txBody>
+          <a:bodyPr/>
+          <a:lstStyle/>
+          <a:p>
+            <a:r>
+              <a:rPr lang="en-US" smtClean="0"/>
+              <a:t>Click to edit Master title style</a:t>
+            </a:r>
+            <a:endParaRPr lang="en-US"/>
+          </a:p>
+        </p:txBody>
+      </p:sp>
+    </p:spTree>
+    <p:extLst>
+      <p:ext uri="{BB962C8B-B14F-4D97-AF65-F5344CB8AC3E}">
+        <p14:creationId xmlns:p14="http://schemas.microsoft.com/office/powerpoint/2010/main" val="2436774189"/>
+      </p:ext>
+    </p:extLst>
+  </p:cSld>
+  <p:clrMapOvr>
+    <a:masterClrMapping/>
+  </p:clrMapOvr>
+  <p:timing>
+    <p:tnLst>
+      <p:par>
+        <p:cTn id="1" dur="indefinite" restart="never" nodeType="tmRoot"/>
+      </p:par>
+    </p:tnLst>
+  </p:timing>
+</p:sldLayout>
+</file>
+
+<file path=ppt/slideLayouts/slideLayout31.xml><?xml version="1.0" encoding="utf-8"?>
+<p:sldLayout xmlns:a="http://schemas.openxmlformats.org/drawingml/2006/main" xmlns:r="http://schemas.openxmlformats.org/officeDocument/2006/relationships" xmlns:p="http://schemas.openxmlformats.org/presentationml/2006/main" preserve="1">
+  <p:cSld name="1_Title Only">
+    <p:spTree>
+      <p:nvGrpSpPr>
+        <p:cNvPr id="1" name=""/>
+        <p:cNvGrpSpPr/>
+        <p:nvPr/>
+      </p:nvGrpSpPr>
+      <p:grpSpPr>
+        <a:xfrm>
+          <a:off x="0" y="0"/>
+          <a:ext cx="0" cy="0"/>
+          <a:chOff x="0" y="0"/>
+          <a:chExt cx="0" cy="0"/>
+        </a:xfrm>
+      </p:grpSpPr>
+      <p:sp>
+        <p:nvSpPr>
+          <p:cNvPr id="2" name="Title 1"/>
+          <p:cNvSpPr>
+            <a:spLocks noGrp="1"/>
+          </p:cNvSpPr>
+          <p:nvPr>
+            <p:ph type="title"/>
+          </p:nvPr>
+        </p:nvSpPr>
+        <p:spPr>
+          <a:xfrm>
+            <a:off x="560798" y="416497"/>
+            <a:ext cx="11079822" cy="922110"/>
+          </a:xfrm>
+        </p:spPr>
+        <p:txBody>
+          <a:bodyPr>
+            <a:normAutofit/>
+          </a:bodyPr>
+          <a:lstStyle>
+            <a:lvl1pPr>
+              <a:defRPr sz="4400"/>
+            </a:lvl1pPr>
+          </a:lstStyle>
+          <a:p>
+            <a:r>
+              <a:rPr lang="en-US" smtClean="0"/>
+              <a:t>Click to edit Master title style</a:t>
+            </a:r>
+            <a:endParaRPr lang="en-US"/>
+          </a:p>
+        </p:txBody>
+      </p:sp>
+      <p:graphicFrame>
+        <p:nvGraphicFramePr>
+          <p:cNvPr id="6" name="Table 5"/>
+          <p:cNvGraphicFramePr>
+            <a:graphicFrameLocks noGrp="1"/>
+          </p:cNvGraphicFramePr>
+          <p:nvPr>
+            <p:extLst/>
+          </p:nvPr>
+        </p:nvGraphicFramePr>
+        <p:xfrm>
+          <a:off x="584200" y="1476596"/>
+          <a:ext cx="11056420" cy="4320392"/>
+        </p:xfrm>
+        <a:graphic>
+          <a:graphicData uri="http://schemas.openxmlformats.org/drawingml/2006/table">
+            <a:tbl>
+              <a:tblPr firstRow="1" bandRow="1">
+                <a:tableStyleId>{21E4AEA4-8DFA-4A89-87EB-49C32662AFE0}</a:tableStyleId>
+              </a:tblPr>
+              <a:tblGrid>
+                <a:gridCol w="2764105"/>
+                <a:gridCol w="2764105"/>
+                <a:gridCol w="2764105"/>
+                <a:gridCol w="2764105"/>
+              </a:tblGrid>
+              <a:tr h="644435">
+                <a:tc>
+                  <a:txBody>
+                    <a:bodyPr/>
+                    <a:lstStyle/>
+                    <a:p>
+                      <a:r>
+                        <a:rPr lang="en-US" sz="2000" dirty="0" smtClean="0"/>
+                        <a:t>Heading</a:t>
+                      </a:r>
+                      <a:endParaRPr lang="en-US" sz="2000" dirty="0">
+                        <a:solidFill>
+                          <a:schemeClr val="bg1"/>
+                        </a:solidFill>
+                      </a:endParaRPr>
+                    </a:p>
+                  </a:txBody>
+                  <a:tcPr marL="137160" marR="137160" marT="137160" marB="137160" anchor="ctr">
+                    <a:lnL w="12700" cmpd="sng">
+                      <a:noFill/>
+                    </a:lnL>
+                    <a:lnR w="12700" cmpd="sng">
+                      <a:noFill/>
+                    </a:lnR>
+                    <a:lnT w="12700" cmpd="sng">
+                      <a:noFill/>
+                    </a:lnT>
+                    <a:lnB w="38100" cmpd="sng">
+                      <a:noFill/>
+                    </a:lnB>
+                    <a:lnTlToBr w="12700" cmpd="sng">
+                      <a:noFill/>
+                      <a:prstDash val="solid"/>
+                    </a:lnTlToBr>
+                    <a:lnBlToTr w="12700" cmpd="sng">
+                      <a:noFill/>
+                      <a:prstDash val="solid"/>
+                    </a:lnBlToTr>
+                    <a:solidFill>
+                      <a:srgbClr val="289FD7"/>
+                    </a:solidFill>
+                  </a:tcPr>
+                </a:tc>
+                <a:tc>
+                  <a:txBody>
+                    <a:bodyPr/>
+                    <a:lstStyle/>
+                    <a:p>
+                      <a:r>
+                        <a:rPr lang="en-US" sz="2000" dirty="0" smtClean="0"/>
+                        <a:t>Heading</a:t>
+                      </a:r>
+                      <a:endParaRPr lang="en-US" sz="2000" dirty="0">
+                        <a:solidFill>
+                          <a:schemeClr val="bg1"/>
+                        </a:solidFill>
+                      </a:endParaRPr>
+                    </a:p>
+                  </a:txBody>
+                  <a:tcPr marL="137160" marR="137160" marT="137160" marB="137160" anchor="ctr">
+                    <a:lnL w="12700" cmpd="sng">
+                      <a:noFill/>
+                    </a:lnL>
+                    <a:lnR w="12700" cmpd="sng">
+                      <a:noFill/>
+                    </a:lnR>
+                    <a:lnT w="12700" cmpd="sng">
+                      <a:noFill/>
+                    </a:lnT>
+                    <a:lnB w="38100" cmpd="sng">
+                      <a:noFill/>
+                    </a:lnB>
+                    <a:lnTlToBr w="12700" cmpd="sng">
+                      <a:noFill/>
+                      <a:prstDash val="solid"/>
+                    </a:lnTlToBr>
+                    <a:lnBlToTr w="12700" cmpd="sng">
+                      <a:noFill/>
+                      <a:prstDash val="solid"/>
+                    </a:lnBlToTr>
+                    <a:solidFill>
+                      <a:srgbClr val="289FD7"/>
+                    </a:solidFill>
+                  </a:tcPr>
+                </a:tc>
+                <a:tc>
+                  <a:txBody>
+                    <a:bodyPr/>
+                    <a:lstStyle/>
+                    <a:p>
+                      <a:r>
+                        <a:rPr lang="en-US" sz="2000" dirty="0" smtClean="0"/>
+                        <a:t>Heading</a:t>
+                      </a:r>
+                      <a:endParaRPr lang="en-US" sz="2000" dirty="0">
+                        <a:solidFill>
+                          <a:schemeClr val="bg1"/>
+                        </a:solidFill>
+                      </a:endParaRPr>
+                    </a:p>
+                  </a:txBody>
+                  <a:tcPr marL="137160" marR="137160" marT="137160" marB="137160" anchor="ctr">
+                    <a:lnL w="12700" cmpd="sng">
+                      <a:noFill/>
+                    </a:lnL>
+                    <a:lnR w="12700" cmpd="sng">
+                      <a:noFill/>
+                    </a:lnR>
+                    <a:lnT w="12700" cmpd="sng">
+                      <a:noFill/>
+                    </a:lnT>
+                    <a:lnB w="38100" cmpd="sng">
+                      <a:noFill/>
+                    </a:lnB>
+                    <a:lnTlToBr w="12700" cmpd="sng">
+                      <a:noFill/>
+                      <a:prstDash val="solid"/>
+                    </a:lnTlToBr>
+                    <a:lnBlToTr w="12700" cmpd="sng">
+                      <a:noFill/>
+                      <a:prstDash val="solid"/>
+                    </a:lnBlToTr>
+                    <a:solidFill>
+                      <a:srgbClr val="289FD7"/>
+                    </a:solidFill>
+                  </a:tcPr>
+                </a:tc>
+                <a:tc>
+                  <a:txBody>
+                    <a:bodyPr/>
+                    <a:lstStyle/>
+                    <a:p>
+                      <a:r>
+                        <a:rPr lang="en-US" sz="2000" dirty="0" smtClean="0"/>
+                        <a:t>Heading</a:t>
+                      </a:r>
+                      <a:endParaRPr lang="en-US" sz="2000" dirty="0">
+                        <a:solidFill>
+                          <a:schemeClr val="bg1"/>
+                        </a:solidFill>
+                      </a:endParaRPr>
+                    </a:p>
+                  </a:txBody>
+                  <a:tcPr marL="137160" marR="137160" marT="137160" marB="137160" anchor="ctr">
+                    <a:lnL w="12700" cmpd="sng">
+                      <a:noFill/>
+                    </a:lnL>
+                    <a:lnR w="12700" cmpd="sng">
+                      <a:noFill/>
+                    </a:lnR>
+                    <a:lnT w="12700" cmpd="sng">
+                      <a:noFill/>
+                    </a:lnT>
+                    <a:lnB w="38100" cmpd="sng">
+                      <a:noFill/>
+                    </a:lnB>
+                    <a:lnTlToBr w="12700" cmpd="sng">
+                      <a:noFill/>
+                      <a:prstDash val="solid"/>
+                    </a:lnTlToBr>
+                    <a:lnBlToTr w="12700" cmpd="sng">
+                      <a:noFill/>
+                      <a:prstDash val="solid"/>
+                    </a:lnBlToTr>
+                    <a:solidFill>
+                      <a:srgbClr val="289FD7"/>
+                    </a:solidFill>
+                  </a:tcPr>
+                </a:tc>
+              </a:tr>
+              <a:tr h="1225319">
+                <a:tc>
+                  <a:txBody>
+                    <a:bodyPr/>
+                    <a:lstStyle/>
+                    <a:p>
+                      <a:r>
+                        <a:rPr lang="en-US" sz="1600" dirty="0" smtClean="0"/>
+                        <a:t>Content</a:t>
+                      </a:r>
+                      <a:endParaRPr lang="en-US" sz="1600" dirty="0">
+                        <a:solidFill>
+                          <a:srgbClr val="3C454F"/>
+                        </a:solidFill>
+                      </a:endParaRPr>
+                    </a:p>
+                  </a:txBody>
+                  <a:tcPr marL="137160" marR="137160" marT="137160" marB="137160">
+                    <a:lnL w="12700" cmpd="sng">
+                      <a:noFill/>
+                    </a:lnL>
+                    <a:lnR w="12700" cmpd="sng">
+                      <a:noFill/>
+                    </a:lnR>
+                    <a:lnT w="38100" cmpd="sng">
+                      <a:noFill/>
+                    </a:lnT>
+                    <a:lnB w="12700" cmpd="sng">
+                      <a:noFill/>
+                    </a:lnB>
+                    <a:lnTlToBr w="12700" cmpd="sng">
+                      <a:noFill/>
+                      <a:prstDash val="solid"/>
+                    </a:lnTlToBr>
+                    <a:lnBlToTr w="12700" cmpd="sng">
+                      <a:noFill/>
+                      <a:prstDash val="solid"/>
+                    </a:lnBlToTr>
+                    <a:solidFill>
+                      <a:schemeClr val="bg1"/>
+                    </a:solidFill>
+                  </a:tcPr>
+                </a:tc>
+                <a:tc>
+                  <a:txBody>
+                    <a:bodyPr/>
+                    <a:lstStyle/>
+                    <a:p>
+                      <a:pPr marL="0" marR="0" indent="0" algn="l" defTabSz="914400" rtl="0" eaLnBrk="1" fontAlgn="auto" latinLnBrk="0" hangingPunct="1">
+                        <a:lnSpc>
+                          <a:spcPct val="100000"/>
+                        </a:lnSpc>
+                        <a:spcBef>
+                          <a:spcPts val="0"/>
+                        </a:spcBef>
+                        <a:spcAft>
+                          <a:spcPts val="0"/>
+                        </a:spcAft>
+                        <a:buClrTx/>
+                        <a:buSzTx/>
+                        <a:buFontTx/>
+                        <a:buNone/>
+                        <a:tabLst/>
+                        <a:defRPr/>
+                      </a:pPr>
+                      <a:r>
+                        <a:rPr lang="en-US" sz="1600" dirty="0" smtClean="0"/>
+                        <a:t>Content</a:t>
+                      </a:r>
+                    </a:p>
+                    <a:p>
+                      <a:endParaRPr lang="en-US" sz="1600" dirty="0">
+                        <a:solidFill>
+                          <a:srgbClr val="3C454F"/>
+                        </a:solidFill>
+                      </a:endParaRPr>
+                    </a:p>
+                  </a:txBody>
+                  <a:tcPr marL="137160" marR="137160" marT="137160" marB="137160">
+                    <a:lnL w="12700" cmpd="sng">
+                      <a:noFill/>
+                    </a:lnL>
+                    <a:lnR w="12700" cmpd="sng">
+                      <a:noFill/>
+                    </a:lnR>
+                    <a:lnT w="38100" cmpd="sng">
+                      <a:noFill/>
+                    </a:lnT>
+                    <a:lnB w="12700" cmpd="sng">
+                      <a:noFill/>
+                    </a:lnB>
+                    <a:lnTlToBr w="12700" cmpd="sng">
+                      <a:noFill/>
+                      <a:prstDash val="solid"/>
+                    </a:lnTlToBr>
+                    <a:lnBlToTr w="12700" cmpd="sng">
+                      <a:noFill/>
+                      <a:prstDash val="solid"/>
+                    </a:lnBlToTr>
+                    <a:solidFill>
+                      <a:schemeClr val="bg1"/>
+                    </a:solidFill>
+                  </a:tcPr>
+                </a:tc>
+                <a:tc>
+                  <a:txBody>
+                    <a:bodyPr/>
+                    <a:lstStyle/>
+                    <a:p>
+                      <a:pPr marL="0" marR="0" indent="0" algn="l" defTabSz="914400" rtl="0" eaLnBrk="1" fontAlgn="auto" latinLnBrk="0" hangingPunct="1">
+                        <a:lnSpc>
+                          <a:spcPct val="100000"/>
+                        </a:lnSpc>
+                        <a:spcBef>
+                          <a:spcPts val="0"/>
+                        </a:spcBef>
+                        <a:spcAft>
+                          <a:spcPts val="0"/>
+                        </a:spcAft>
+                        <a:buClrTx/>
+                        <a:buSzTx/>
+                        <a:buFontTx/>
+                        <a:buNone/>
+                        <a:tabLst/>
+                        <a:defRPr/>
+                      </a:pPr>
+                      <a:r>
+                        <a:rPr lang="en-US" sz="1600" dirty="0" smtClean="0"/>
+                        <a:t>Content</a:t>
+                      </a:r>
+                    </a:p>
+                    <a:p>
+                      <a:endParaRPr lang="en-US" sz="1600" dirty="0">
+                        <a:solidFill>
+                          <a:srgbClr val="3C454F"/>
+                        </a:solidFill>
+                      </a:endParaRPr>
+                    </a:p>
+                  </a:txBody>
+                  <a:tcPr marL="137160" marR="137160" marT="137160" marB="137160">
+                    <a:lnL w="12700" cmpd="sng">
+                      <a:noFill/>
+                    </a:lnL>
+                    <a:lnR w="12700" cmpd="sng">
+                      <a:noFill/>
+                    </a:lnR>
+                    <a:lnT w="38100" cmpd="sng">
+                      <a:noFill/>
+                    </a:lnT>
+                    <a:lnB w="12700" cmpd="sng">
+                      <a:noFill/>
+                    </a:lnB>
+                    <a:lnTlToBr w="12700" cmpd="sng">
+                      <a:noFill/>
+                      <a:prstDash val="solid"/>
+                    </a:lnTlToBr>
+                    <a:lnBlToTr w="12700" cmpd="sng">
+                      <a:noFill/>
+                      <a:prstDash val="solid"/>
+                    </a:lnBlToTr>
+                    <a:solidFill>
+                      <a:schemeClr val="bg1"/>
+                    </a:solidFill>
+                  </a:tcPr>
+                </a:tc>
+                <a:tc>
+                  <a:txBody>
+                    <a:bodyPr/>
+                    <a:lstStyle/>
+                    <a:p>
+                      <a:pPr marL="0" marR="0" indent="0" algn="l" defTabSz="914400" rtl="0" eaLnBrk="1" fontAlgn="auto" latinLnBrk="0" hangingPunct="1">
+                        <a:lnSpc>
+                          <a:spcPct val="100000"/>
+                        </a:lnSpc>
+                        <a:spcBef>
+                          <a:spcPts val="0"/>
+                        </a:spcBef>
+                        <a:spcAft>
+                          <a:spcPts val="0"/>
+                        </a:spcAft>
+                        <a:buClrTx/>
+                        <a:buSzTx/>
+                        <a:buFontTx/>
+                        <a:buNone/>
+                        <a:tabLst/>
+                        <a:defRPr/>
+                      </a:pPr>
+                      <a:r>
+                        <a:rPr lang="en-US" sz="1600" dirty="0" smtClean="0"/>
+                        <a:t>Content</a:t>
+                      </a:r>
+                    </a:p>
+                    <a:p>
+                      <a:endParaRPr lang="en-US" sz="1600" dirty="0">
+                        <a:solidFill>
+                          <a:srgbClr val="3C454F"/>
+                        </a:solidFill>
+                      </a:endParaRPr>
+                    </a:p>
+                  </a:txBody>
+                  <a:tcPr marL="137160" marR="137160" marT="137160" marB="137160">
+                    <a:lnL w="12700" cmpd="sng">
+                      <a:noFill/>
+                    </a:lnL>
+                    <a:lnR w="12700" cmpd="sng">
+                      <a:noFill/>
+                    </a:lnR>
+                    <a:lnT w="38100" cmpd="sng">
+                      <a:noFill/>
+                    </a:lnT>
+                    <a:lnB w="12700" cmpd="sng">
+                      <a:noFill/>
+                    </a:lnB>
+                    <a:lnTlToBr w="12700" cmpd="sng">
+                      <a:noFill/>
+                      <a:prstDash val="solid"/>
+                    </a:lnTlToBr>
+                    <a:lnBlToTr w="12700" cmpd="sng">
+                      <a:noFill/>
+                      <a:prstDash val="solid"/>
+                    </a:lnBlToTr>
+                    <a:solidFill>
+                      <a:schemeClr val="bg1"/>
+                    </a:solidFill>
+                  </a:tcPr>
+                </a:tc>
+              </a:tr>
+              <a:tr h="1225319">
+                <a:tc>
+                  <a:txBody>
+                    <a:bodyPr/>
+                    <a:lstStyle/>
+                    <a:p>
+                      <a:pPr marL="0" marR="0" indent="0" algn="l" defTabSz="914400" rtl="0" eaLnBrk="1" fontAlgn="auto" latinLnBrk="0" hangingPunct="1">
+                        <a:lnSpc>
+                          <a:spcPct val="100000"/>
+                        </a:lnSpc>
+                        <a:spcBef>
+                          <a:spcPts val="0"/>
+                        </a:spcBef>
+                        <a:spcAft>
+                          <a:spcPts val="0"/>
+                        </a:spcAft>
+                        <a:buClrTx/>
+                        <a:buSzTx/>
+                        <a:buFontTx/>
+                        <a:buNone/>
+                        <a:tabLst/>
+                        <a:defRPr/>
+                      </a:pPr>
+                      <a:r>
+                        <a:rPr lang="en-US" sz="1600" dirty="0" smtClean="0"/>
+                        <a:t>Content</a:t>
+                      </a:r>
+                    </a:p>
+                    <a:p>
+                      <a:endParaRPr lang="en-US" sz="1600" dirty="0">
+                        <a:solidFill>
+                          <a:srgbClr val="3C454F"/>
+                        </a:solidFill>
+                      </a:endParaRPr>
+                    </a:p>
+                  </a:txBody>
+                  <a:tcPr marL="137160" marR="137160" marT="137160" marB="137160">
+                    <a:lnL w="12700" cmpd="sng">
+                      <a:noFill/>
+                    </a:lnL>
+                    <a:lnR w="12700" cmpd="sng">
+                      <a:noFill/>
+                    </a:lnR>
+                    <a:lnT w="12700" cmpd="sng">
+                      <a:noFill/>
+                    </a:lnT>
+                    <a:lnB w="12700" cmpd="sng">
+                      <a:noFill/>
+                    </a:lnB>
+                    <a:lnTlToBr w="12700" cmpd="sng">
+                      <a:noFill/>
+                      <a:prstDash val="solid"/>
+                    </a:lnTlToBr>
+                    <a:lnBlToTr w="12700" cmpd="sng">
+                      <a:noFill/>
+                      <a:prstDash val="solid"/>
+                    </a:lnBlToTr>
+                    <a:solidFill>
+                      <a:schemeClr val="bg1">
+                        <a:lumMod val="95000"/>
+                      </a:schemeClr>
+                    </a:solidFill>
+                  </a:tcPr>
+                </a:tc>
+                <a:tc>
+                  <a:txBody>
+                    <a:bodyPr/>
+                    <a:lstStyle/>
+                    <a:p>
+                      <a:pPr marL="0" marR="0" indent="0" algn="l" defTabSz="914400" rtl="0" eaLnBrk="1" fontAlgn="auto" latinLnBrk="0" hangingPunct="1">
+                        <a:lnSpc>
+                          <a:spcPct val="100000"/>
+                        </a:lnSpc>
+                        <a:spcBef>
+                          <a:spcPts val="0"/>
+                        </a:spcBef>
+                        <a:spcAft>
+                          <a:spcPts val="0"/>
+                        </a:spcAft>
+                        <a:buClrTx/>
+                        <a:buSzTx/>
+                        <a:buFontTx/>
+                        <a:buNone/>
+                        <a:tabLst/>
+                        <a:defRPr/>
+                      </a:pPr>
+                      <a:r>
+                        <a:rPr lang="en-US" sz="1600" dirty="0" smtClean="0"/>
+                        <a:t>Content</a:t>
+                      </a:r>
+                    </a:p>
+                    <a:p>
+                      <a:endParaRPr lang="en-US" sz="1600" dirty="0">
+                        <a:solidFill>
+                          <a:srgbClr val="3C454F"/>
+                        </a:solidFill>
+                      </a:endParaRPr>
+                    </a:p>
+                  </a:txBody>
+                  <a:tcPr marL="137160" marR="137160" marT="137160" marB="137160">
+                    <a:lnL w="12700" cmpd="sng">
+                      <a:noFill/>
+                    </a:lnL>
+                    <a:lnR w="12700" cmpd="sng">
+                      <a:noFill/>
+                    </a:lnR>
+                    <a:lnT w="12700" cmpd="sng">
+                      <a:noFill/>
+                    </a:lnT>
+                    <a:lnB w="12700" cmpd="sng">
+                      <a:noFill/>
+                    </a:lnB>
+                    <a:lnTlToBr w="12700" cmpd="sng">
+                      <a:noFill/>
+                      <a:prstDash val="solid"/>
+                    </a:lnTlToBr>
+                    <a:lnBlToTr w="12700" cmpd="sng">
+                      <a:noFill/>
+                      <a:prstDash val="solid"/>
+                    </a:lnBlToTr>
+                    <a:solidFill>
+                      <a:schemeClr val="bg1">
+                        <a:lumMod val="95000"/>
+                      </a:schemeClr>
+                    </a:solidFill>
+                  </a:tcPr>
+                </a:tc>
+                <a:tc>
+                  <a:txBody>
+                    <a:bodyPr/>
+                    <a:lstStyle/>
+                    <a:p>
+                      <a:pPr marL="0" marR="0" indent="0" algn="l" defTabSz="914400" rtl="0" eaLnBrk="1" fontAlgn="auto" latinLnBrk="0" hangingPunct="1">
+                        <a:lnSpc>
+                          <a:spcPct val="100000"/>
+                        </a:lnSpc>
+                        <a:spcBef>
+                          <a:spcPts val="0"/>
+                        </a:spcBef>
+                        <a:spcAft>
+                          <a:spcPts val="0"/>
+                        </a:spcAft>
+                        <a:buClrTx/>
+                        <a:buSzTx/>
+                        <a:buFontTx/>
+                        <a:buNone/>
+                        <a:tabLst/>
+                        <a:defRPr/>
+                      </a:pPr>
+                      <a:r>
+                        <a:rPr lang="en-US" sz="1600" dirty="0" smtClean="0"/>
+                        <a:t>Content</a:t>
+                      </a:r>
+                    </a:p>
+                    <a:p>
+                      <a:endParaRPr lang="en-US" sz="1600" dirty="0">
+                        <a:solidFill>
+                          <a:srgbClr val="3C454F"/>
+                        </a:solidFill>
+                      </a:endParaRPr>
+                    </a:p>
+                  </a:txBody>
+                  <a:tcPr marL="137160" marR="137160" marT="137160" marB="137160">
+                    <a:lnL w="12700" cmpd="sng">
+                      <a:noFill/>
+                    </a:lnL>
+                    <a:lnR w="12700" cmpd="sng">
+                      <a:noFill/>
+                    </a:lnR>
+                    <a:lnT w="12700" cmpd="sng">
+                      <a:noFill/>
+                    </a:lnT>
+                    <a:lnB w="12700" cmpd="sng">
+                      <a:noFill/>
+                    </a:lnB>
+                    <a:lnTlToBr w="12700" cmpd="sng">
+                      <a:noFill/>
+                      <a:prstDash val="solid"/>
+                    </a:lnTlToBr>
+                    <a:lnBlToTr w="12700" cmpd="sng">
+                      <a:noFill/>
+                      <a:prstDash val="solid"/>
+                    </a:lnBlToTr>
+                    <a:solidFill>
+                      <a:schemeClr val="bg1">
+                        <a:lumMod val="95000"/>
+                      </a:schemeClr>
+                    </a:solidFill>
+                  </a:tcPr>
+                </a:tc>
+                <a:tc>
+                  <a:txBody>
+                    <a:bodyPr/>
+                    <a:lstStyle/>
+                    <a:p>
+                      <a:pPr marL="0" marR="0" indent="0" algn="l" defTabSz="914400" rtl="0" eaLnBrk="1" fontAlgn="auto" latinLnBrk="0" hangingPunct="1">
+                        <a:lnSpc>
+                          <a:spcPct val="100000"/>
+                        </a:lnSpc>
+                        <a:spcBef>
+                          <a:spcPts val="0"/>
+                        </a:spcBef>
+                        <a:spcAft>
+                          <a:spcPts val="0"/>
+                        </a:spcAft>
+                        <a:buClrTx/>
+                        <a:buSzTx/>
+                        <a:buFontTx/>
+                        <a:buNone/>
+                        <a:tabLst/>
+                        <a:defRPr/>
+                      </a:pPr>
+                      <a:r>
+                        <a:rPr lang="en-US" sz="1600" dirty="0" smtClean="0"/>
+                        <a:t>Content</a:t>
+                      </a:r>
+                    </a:p>
+                    <a:p>
+                      <a:endParaRPr lang="en-US" sz="1600" dirty="0">
+                        <a:solidFill>
+                          <a:srgbClr val="3C454F"/>
+                        </a:solidFill>
+                      </a:endParaRPr>
+                    </a:p>
+                  </a:txBody>
+                  <a:tcPr marL="137160" marR="137160" marT="137160" marB="137160">
+                    <a:lnL w="12700" cmpd="sng">
+                      <a:noFill/>
+                    </a:lnL>
+                    <a:lnR w="12700" cmpd="sng">
+                      <a:noFill/>
+                    </a:lnR>
+                    <a:lnT w="12700" cmpd="sng">
+                      <a:noFill/>
+                    </a:lnT>
+                    <a:lnB w="12700" cmpd="sng">
+                      <a:noFill/>
+                    </a:lnB>
+                    <a:lnTlToBr w="12700" cmpd="sng">
+                      <a:noFill/>
+                      <a:prstDash val="solid"/>
+                    </a:lnTlToBr>
+                    <a:lnBlToTr w="12700" cmpd="sng">
+                      <a:noFill/>
+                      <a:prstDash val="solid"/>
+                    </a:lnBlToTr>
+                    <a:solidFill>
+                      <a:schemeClr val="bg1">
+                        <a:lumMod val="95000"/>
+                      </a:schemeClr>
+                    </a:solidFill>
+                  </a:tcPr>
+                </a:tc>
+              </a:tr>
+              <a:tr h="1225319">
+                <a:tc>
+                  <a:txBody>
+                    <a:bodyPr/>
+                    <a:lstStyle/>
+                    <a:p>
+                      <a:pPr marL="0" marR="0" indent="0" algn="l" defTabSz="914400" rtl="0" eaLnBrk="1" fontAlgn="auto" latinLnBrk="0" hangingPunct="1">
+                        <a:lnSpc>
+                          <a:spcPct val="100000"/>
+                        </a:lnSpc>
+                        <a:spcBef>
+                          <a:spcPts val="0"/>
+                        </a:spcBef>
+                        <a:spcAft>
+                          <a:spcPts val="0"/>
+                        </a:spcAft>
+                        <a:buClrTx/>
+                        <a:buSzTx/>
+                        <a:buFontTx/>
+                        <a:buNone/>
+                        <a:tabLst/>
+                        <a:defRPr/>
+                      </a:pPr>
+                      <a:r>
+                        <a:rPr lang="en-US" sz="1600" dirty="0" smtClean="0"/>
+                        <a:t>Content</a:t>
+                      </a:r>
+                    </a:p>
+                    <a:p>
+                      <a:endParaRPr lang="en-US" sz="1600" dirty="0">
+                        <a:solidFill>
+                          <a:srgbClr val="3C454F"/>
+                        </a:solidFill>
+                      </a:endParaRPr>
+                    </a:p>
+                  </a:txBody>
+                  <a:tcPr marL="137160" marR="137160" marT="137160" marB="137160">
+                    <a:lnL w="12700" cmpd="sng">
+                      <a:noFill/>
+                    </a:lnL>
+                    <a:lnR w="12700" cmpd="sng">
+                      <a:noFill/>
+                    </a:lnR>
+                    <a:lnT w="12700" cmpd="sng">
+                      <a:noFill/>
+                    </a:lnT>
+                    <a:lnB w="12700" cmpd="sng">
+                      <a:noFill/>
+                    </a:lnB>
+                    <a:lnTlToBr w="12700" cmpd="sng">
+                      <a:noFill/>
+                      <a:prstDash val="solid"/>
+                    </a:lnTlToBr>
+                    <a:lnBlToTr w="12700" cmpd="sng">
+                      <a:noFill/>
+                      <a:prstDash val="solid"/>
+                    </a:lnBlToTr>
+                    <a:solidFill>
+                      <a:schemeClr val="bg1"/>
+                    </a:solidFill>
+                  </a:tcPr>
+                </a:tc>
+                <a:tc>
+                  <a:txBody>
+                    <a:bodyPr/>
+                    <a:lstStyle/>
+                    <a:p>
+                      <a:pPr marL="0" marR="0" indent="0" algn="l" defTabSz="914400" rtl="0" eaLnBrk="1" fontAlgn="auto" latinLnBrk="0" hangingPunct="1">
+                        <a:lnSpc>
+                          <a:spcPct val="100000"/>
+                        </a:lnSpc>
+                        <a:spcBef>
+                          <a:spcPts val="0"/>
+                        </a:spcBef>
+                        <a:spcAft>
+                          <a:spcPts val="0"/>
+                        </a:spcAft>
+                        <a:buClrTx/>
+                        <a:buSzTx/>
+                        <a:buFontTx/>
+                        <a:buNone/>
+                        <a:tabLst/>
+                        <a:defRPr/>
+                      </a:pPr>
+                      <a:r>
+                        <a:rPr lang="en-US" sz="1600" dirty="0" smtClean="0"/>
+                        <a:t>Content</a:t>
+                      </a:r>
+                    </a:p>
+                    <a:p>
+                      <a:endParaRPr lang="en-US" sz="1600" dirty="0">
+                        <a:solidFill>
+                          <a:srgbClr val="3C454F"/>
+                        </a:solidFill>
+                      </a:endParaRPr>
+                    </a:p>
+                  </a:txBody>
+                  <a:tcPr marL="137160" marR="137160" marT="137160" marB="137160">
+                    <a:lnL w="12700" cmpd="sng">
+                      <a:noFill/>
+                    </a:lnL>
+                    <a:lnR w="12700" cmpd="sng">
+                      <a:noFill/>
+                    </a:lnR>
+                    <a:lnT w="12700" cmpd="sng">
+                      <a:noFill/>
+                    </a:lnT>
+                    <a:lnB w="12700" cmpd="sng">
+                      <a:noFill/>
+                    </a:lnB>
+                    <a:lnTlToBr w="12700" cmpd="sng">
+                      <a:noFill/>
+                      <a:prstDash val="solid"/>
+                    </a:lnTlToBr>
+                    <a:lnBlToTr w="12700" cmpd="sng">
+                      <a:noFill/>
+                      <a:prstDash val="solid"/>
+                    </a:lnBlToTr>
+                    <a:solidFill>
+                      <a:schemeClr val="bg1"/>
+                    </a:solidFill>
+                  </a:tcPr>
+                </a:tc>
+                <a:tc>
+                  <a:txBody>
+                    <a:bodyPr/>
+                    <a:lstStyle/>
+                    <a:p>
+                      <a:pPr marL="0" marR="0" indent="0" algn="l" defTabSz="914400" rtl="0" eaLnBrk="1" fontAlgn="auto" latinLnBrk="0" hangingPunct="1">
+                        <a:lnSpc>
+                          <a:spcPct val="100000"/>
+                        </a:lnSpc>
+                        <a:spcBef>
+                          <a:spcPts val="0"/>
+                        </a:spcBef>
+                        <a:spcAft>
+                          <a:spcPts val="0"/>
+                        </a:spcAft>
+                        <a:buClrTx/>
+                        <a:buSzTx/>
+                        <a:buFontTx/>
+                        <a:buNone/>
+                        <a:tabLst/>
+                        <a:defRPr/>
+                      </a:pPr>
+                      <a:r>
+                        <a:rPr lang="en-US" sz="1600" dirty="0" smtClean="0"/>
+                        <a:t>Content</a:t>
+                      </a:r>
+                    </a:p>
+                    <a:p>
+                      <a:endParaRPr lang="en-US" sz="1600" dirty="0">
+                        <a:solidFill>
+                          <a:srgbClr val="3C454F"/>
+                        </a:solidFill>
+                      </a:endParaRPr>
+                    </a:p>
+                  </a:txBody>
+                  <a:tcPr marL="137160" marR="137160" marT="137160" marB="137160">
+                    <a:lnL w="12700" cmpd="sng">
+                      <a:noFill/>
+                    </a:lnL>
+                    <a:lnR w="12700" cmpd="sng">
+                      <a:noFill/>
+                    </a:lnR>
+                    <a:lnT w="12700" cmpd="sng">
+                      <a:noFill/>
+                    </a:lnT>
+                    <a:lnB w="12700" cmpd="sng">
+                      <a:noFill/>
+                    </a:lnB>
+                    <a:lnTlToBr w="12700" cmpd="sng">
+                      <a:noFill/>
+                      <a:prstDash val="solid"/>
+                    </a:lnTlToBr>
+                    <a:lnBlToTr w="12700" cmpd="sng">
+                      <a:noFill/>
+                      <a:prstDash val="solid"/>
+                    </a:lnBlToTr>
+                    <a:solidFill>
+                      <a:schemeClr val="bg1"/>
+                    </a:solidFill>
+                  </a:tcPr>
+                </a:tc>
+                <a:tc>
+                  <a:txBody>
+                    <a:bodyPr/>
+                    <a:lstStyle/>
+                    <a:p>
+                      <a:pPr marL="0" marR="0" indent="0" algn="l" defTabSz="914400" rtl="0" eaLnBrk="1" fontAlgn="auto" latinLnBrk="0" hangingPunct="1">
+                        <a:lnSpc>
+                          <a:spcPct val="100000"/>
+                        </a:lnSpc>
+                        <a:spcBef>
+                          <a:spcPts val="0"/>
+                        </a:spcBef>
+                        <a:spcAft>
+                          <a:spcPts val="0"/>
+                        </a:spcAft>
+                        <a:buClrTx/>
+                        <a:buSzTx/>
+                        <a:buFontTx/>
+                        <a:buNone/>
+                        <a:tabLst/>
+                        <a:defRPr/>
+                      </a:pPr>
+                      <a:r>
+                        <a:rPr lang="en-US" sz="1600" dirty="0" smtClean="0"/>
+                        <a:t>Content</a:t>
+                      </a:r>
+                    </a:p>
+                    <a:p>
+                      <a:endParaRPr lang="en-US" sz="1600" dirty="0">
+                        <a:solidFill>
+                          <a:srgbClr val="3C454F"/>
+                        </a:solidFill>
+                      </a:endParaRPr>
+                    </a:p>
+                  </a:txBody>
+                  <a:tcPr marL="137160" marR="137160" marT="137160" marB="137160">
+                    <a:lnL w="12700" cmpd="sng">
+                      <a:noFill/>
+                    </a:lnL>
+                    <a:lnR w="12700" cmpd="sng">
+                      <a:noFill/>
+                    </a:lnR>
+                    <a:lnT w="12700" cmpd="sng">
+                      <a:noFill/>
+                    </a:lnT>
+                    <a:lnB w="12700" cmpd="sng">
+                      <a:noFill/>
+                    </a:lnB>
+                    <a:lnTlToBr w="12700" cmpd="sng">
+                      <a:noFill/>
+                      <a:prstDash val="solid"/>
+                    </a:lnTlToBr>
+                    <a:lnBlToTr w="12700" cmpd="sng">
+                      <a:noFill/>
+                      <a:prstDash val="solid"/>
+                    </a:lnBlToTr>
+                    <a:solidFill>
+                      <a:schemeClr val="bg1"/>
+                    </a:solidFill>
+                  </a:tcPr>
+                </a:tc>
+              </a:tr>
+            </a:tbl>
+          </a:graphicData>
+        </a:graphic>
+      </p:graphicFrame>
+    </p:spTree>
+    <p:extLst>
+      <p:ext uri="{BB962C8B-B14F-4D97-AF65-F5344CB8AC3E}">
+        <p14:creationId xmlns:p14="http://schemas.microsoft.com/office/powerpoint/2010/main" val="1967823672"/>
+      </p:ext>
+    </p:extLst>
+  </p:cSld>
+  <p:clrMapOvr>
+    <a:masterClrMapping/>
+  </p:clrMapOvr>
+  <p:timing>
+    <p:tnLst>
+      <p:par>
+        <p:cTn id="1" dur="indefinite" restart="never" nodeType="tmRoot"/>
+      </p:par>
+    </p:tnLst>
+  </p:timing>
+</p:sldLayout>
+</file>
+
+<file path=ppt/slideLayouts/slideLayout32.xml><?xml version="1.0" encoding="utf-8"?>
 <p:sldLayout xmlns:a="http://schemas.openxmlformats.org/drawingml/2006/main" xmlns:r="http://schemas.openxmlformats.org/officeDocument/2006/relationships" xmlns:p="http://schemas.openxmlformats.org/presentationml/2006/main" type="blank" preserve="1">
   <p:cSld name="1_Blank">
     <p:bg>
@@ -6702,7 +7639,7 @@
 </p:sldLayout>
 </file>
 
-<file path=ppt/slideLayouts/slideLayout31.xml><?xml version="1.0" encoding="utf-8"?>
+<file path=ppt/slideLayouts/slideLayout33.xml><?xml version="1.0" encoding="utf-8"?>
 <p:sldLayout xmlns:a="http://schemas.openxmlformats.org/drawingml/2006/main" xmlns:r="http://schemas.openxmlformats.org/officeDocument/2006/relationships" xmlns:p="http://schemas.openxmlformats.org/presentationml/2006/main" type="objTx" preserve="1">
   <p:cSld name="Content with Caption">
     <p:bg>
@@ -6943,7 +7880,7 @@
 </p:sldLayout>
 </file>
 
-<file path=ppt/slideLayouts/slideLayout32.xml><?xml version="1.0" encoding="utf-8"?>
+<file path=ppt/slideLayouts/slideLayout34.xml><?xml version="1.0" encoding="utf-8"?>
 <p:sldLayout xmlns:a="http://schemas.openxmlformats.org/drawingml/2006/main" xmlns:r="http://schemas.openxmlformats.org/officeDocument/2006/relationships" xmlns:p="http://schemas.openxmlformats.org/presentationml/2006/main" type="title" preserve="1">
   <p:cSld name="Title Slide">
     <p:bg>
@@ -7087,7 +8024,7 @@
 </p:sldLayout>
 </file>
 
-<file path=ppt/slideLayouts/slideLayout33.xml><?xml version="1.0" encoding="utf-8"?>
+<file path=ppt/slideLayouts/slideLayout35.xml><?xml version="1.0" encoding="utf-8"?>
 <p:sldLayout xmlns:a="http://schemas.openxmlformats.org/drawingml/2006/main" xmlns:r="http://schemas.openxmlformats.org/officeDocument/2006/relationships" xmlns:p="http://schemas.openxmlformats.org/presentationml/2006/main" type="obj" preserve="1">
   <p:cSld name="Title and Content">
     <p:bg>
@@ -7207,7 +8144,7 @@
 </p:sldLayout>
 </file>
 
-<file path=ppt/slideLayouts/slideLayout34.xml><?xml version="1.0" encoding="utf-8"?>
+<file path=ppt/slideLayouts/slideLayout36.xml><?xml version="1.0" encoding="utf-8"?>
 <p:sldLayout xmlns:a="http://schemas.openxmlformats.org/drawingml/2006/main" xmlns:r="http://schemas.openxmlformats.org/officeDocument/2006/relationships" xmlns:p="http://schemas.openxmlformats.org/presentationml/2006/main" preserve="1">
   <p:cSld name="1_Title and Content">
     <p:spTree>
@@ -7364,7 +8301,7 @@
 </p:sldLayout>
 </file>
 
-<file path=ppt/slideLayouts/slideLayout35.xml><?xml version="1.0" encoding="utf-8"?>
+<file path=ppt/slideLayouts/slideLayout37.xml><?xml version="1.0" encoding="utf-8"?>
 <p:sldLayout xmlns:a="http://schemas.openxmlformats.org/drawingml/2006/main" xmlns:r="http://schemas.openxmlformats.org/officeDocument/2006/relationships" xmlns:p="http://schemas.openxmlformats.org/presentationml/2006/main" type="titleOnly" preserve="1">
   <p:cSld name="Title Only">
     <p:bg>
@@ -7432,7 +8369,7 @@
 </p:sldLayout>
 </file>
 
-<file path=ppt/slideLayouts/slideLayout36.xml><?xml version="1.0" encoding="utf-8"?>
+<file path=ppt/slideLayouts/slideLayout38.xml><?xml version="1.0" encoding="utf-8"?>
 <p:sldLayout xmlns:a="http://schemas.openxmlformats.org/drawingml/2006/main" xmlns:r="http://schemas.openxmlformats.org/officeDocument/2006/relationships" xmlns:p="http://schemas.openxmlformats.org/presentationml/2006/main" preserve="1">
   <p:cSld name="1_Title Only">
     <p:spTree>
@@ -8436,7 +9373,7 @@
 </p:sldLayout>
 </file>
 
-<file path=ppt/slideLayouts/slideLayout37.xml><?xml version="1.0" encoding="utf-8"?>
+<file path=ppt/slideLayouts/slideLayout39.xml><?xml version="1.0" encoding="utf-8"?>
 <p:sldLayout xmlns:a="http://schemas.openxmlformats.org/drawingml/2006/main" xmlns:r="http://schemas.openxmlformats.org/officeDocument/2006/relationships" xmlns:p="http://schemas.openxmlformats.org/presentationml/2006/main" type="blank" preserve="1">
   <p:cSld name="1_Blank">
     <p:bg>
@@ -8481,7 +9418,118 @@
 </p:sldLayout>
 </file>
 
-<file path=ppt/slideLayouts/slideLayout38.xml><?xml version="1.0" encoding="utf-8"?>
+<file path=ppt/slideLayouts/slideLayout4.xml><?xml version="1.0" encoding="utf-8"?>
+<p:sldLayout xmlns:a="http://schemas.openxmlformats.org/drawingml/2006/main" xmlns:r="http://schemas.openxmlformats.org/officeDocument/2006/relationships" xmlns:p="http://schemas.openxmlformats.org/presentationml/2006/main" preserve="1">
+  <p:cSld name="3_Custom Layout">
+    <p:bg>
+      <p:bgPr>
+        <a:solidFill>
+          <a:srgbClr val="617081"/>
+        </a:solidFill>
+        <a:effectLst/>
+      </p:bgPr>
+    </p:bg>
+    <p:spTree>
+      <p:nvGrpSpPr>
+        <p:cNvPr id="1" name=""/>
+        <p:cNvGrpSpPr/>
+        <p:nvPr/>
+      </p:nvGrpSpPr>
+      <p:grpSpPr>
+        <a:xfrm>
+          <a:off x="0" y="0"/>
+          <a:ext cx="0" cy="0"/>
+          <a:chOff x="0" y="0"/>
+          <a:chExt cx="0" cy="0"/>
+        </a:xfrm>
+      </p:grpSpPr>
+      <p:sp>
+        <p:nvSpPr>
+          <p:cNvPr id="4" name="Title 3"/>
+          <p:cNvSpPr>
+            <a:spLocks noGrp="1"/>
+          </p:cNvSpPr>
+          <p:nvPr>
+            <p:ph type="title"/>
+          </p:nvPr>
+        </p:nvSpPr>
+        <p:spPr/>
+        <p:txBody>
+          <a:bodyPr anchor="b"/>
+          <a:lstStyle/>
+          <a:p>
+            <a:r>
+              <a:rPr lang="en-US" smtClean="0"/>
+              <a:t>Click to edit Master title style</a:t>
+            </a:r>
+            <a:endParaRPr lang="en-US"/>
+          </a:p>
+        </p:txBody>
+      </p:sp>
+      <p:sp>
+        <p:nvSpPr>
+          <p:cNvPr id="6" name="Text Placeholder 5"/>
+          <p:cNvSpPr>
+            <a:spLocks noGrp="1"/>
+          </p:cNvSpPr>
+          <p:nvPr>
+            <p:ph type="body" sz="quarter" idx="10" hasCustomPrompt="1"/>
+          </p:nvPr>
+        </p:nvSpPr>
+        <p:spPr>
+          <a:xfrm>
+            <a:off x="6638425" y="5517221"/>
+            <a:ext cx="5013325" cy="1026863"/>
+          </a:xfrm>
+        </p:spPr>
+        <p:txBody>
+          <a:bodyPr/>
+          <a:lstStyle>
+            <a:lvl1pPr>
+              <a:defRPr>
+                <a:solidFill>
+                  <a:srgbClr val="BDCD2C"/>
+                </a:solidFill>
+              </a:defRPr>
+            </a:lvl1pPr>
+          </a:lstStyle>
+          <a:p>
+            <a:pPr lvl="0"/>
+            <a:r>
+              <a:rPr lang="en-US" dirty="0" smtClean="0"/>
+              <a:t>Presenter Name</a:t>
+            </a:r>
+          </a:p>
+          <a:p>
+            <a:pPr lvl="0"/>
+            <a:r>
+              <a:rPr lang="en-US" dirty="0" smtClean="0"/>
+              <a:t>Title/role</a:t>
+            </a:r>
+          </a:p>
+        </p:txBody>
+      </p:sp>
+    </p:spTree>
+    <p:extLst>
+      <p:ext uri="{BB962C8B-B14F-4D97-AF65-F5344CB8AC3E}">
+        <p14:creationId xmlns:p14="http://schemas.microsoft.com/office/powerpoint/2010/main" val="23342617"/>
+      </p:ext>
+    </p:extLst>
+  </p:cSld>
+  <p:clrMapOvr>
+    <a:masterClrMapping/>
+  </p:clrMapOvr>
+  <p:timing>
+    <p:tnLst>
+      <p:par>
+        <p:cTn id="1" dur="indefinite" restart="never" nodeType="tmRoot"/>
+      </p:par>
+    </p:tnLst>
+  </p:timing>
+</p:sldLayout>
+</file>
+
+<file path=ppt/slideLayouts/slideLayout40.xml><?xml version="1.0" encoding="utf-8"?>
 <p:sldLayout xmlns:a="http://schemas.openxmlformats.org/drawingml/2006/main" xmlns:r="http://schemas.openxmlformats.org/officeDocument/2006/relationships" xmlns:p="http://schemas.openxmlformats.org/presentationml/2006/main" type="objTx" preserve="1">
   <p:cSld name="Content with Caption">
     <p:bg>
@@ -8722,7 +9770,7 @@
 </p:sldLayout>
 </file>
 
-<file path=ppt/slideLayouts/slideLayout39.xml><?xml version="1.0" encoding="utf-8"?>
+<file path=ppt/slideLayouts/slideLayout41.xml><?xml version="1.0" encoding="utf-8"?>
 <p:sldLayout xmlns:a="http://schemas.openxmlformats.org/drawingml/2006/main" xmlns:r="http://schemas.openxmlformats.org/officeDocument/2006/relationships" xmlns:p="http://schemas.openxmlformats.org/presentationml/2006/main" type="title" preserve="1">
   <p:cSld name="Title Slide">
     <p:bg>
@@ -8866,118 +9914,7 @@
 </p:sldLayout>
 </file>
 
-<file path=ppt/slideLayouts/slideLayout4.xml><?xml version="1.0" encoding="utf-8"?>
-<p:sldLayout xmlns:a="http://schemas.openxmlformats.org/drawingml/2006/main" xmlns:r="http://schemas.openxmlformats.org/officeDocument/2006/relationships" xmlns:p="http://schemas.openxmlformats.org/presentationml/2006/main" preserve="1">
-  <p:cSld name="3_Custom Layout">
-    <p:bg>
-      <p:bgPr>
-        <a:solidFill>
-          <a:srgbClr val="617081"/>
-        </a:solidFill>
-        <a:effectLst/>
-      </p:bgPr>
-    </p:bg>
-    <p:spTree>
-      <p:nvGrpSpPr>
-        <p:cNvPr id="1" name=""/>
-        <p:cNvGrpSpPr/>
-        <p:nvPr/>
-      </p:nvGrpSpPr>
-      <p:grpSpPr>
-        <a:xfrm>
-          <a:off x="0" y="0"/>
-          <a:ext cx="0" cy="0"/>
-          <a:chOff x="0" y="0"/>
-          <a:chExt cx="0" cy="0"/>
-        </a:xfrm>
-      </p:grpSpPr>
-      <p:sp>
-        <p:nvSpPr>
-          <p:cNvPr id="4" name="Title 3"/>
-          <p:cNvSpPr>
-            <a:spLocks noGrp="1"/>
-          </p:cNvSpPr>
-          <p:nvPr>
-            <p:ph type="title"/>
-          </p:nvPr>
-        </p:nvSpPr>
-        <p:spPr/>
-        <p:txBody>
-          <a:bodyPr anchor="b"/>
-          <a:lstStyle/>
-          <a:p>
-            <a:r>
-              <a:rPr lang="en-US" smtClean="0"/>
-              <a:t>Click to edit Master title style</a:t>
-            </a:r>
-            <a:endParaRPr lang="en-US"/>
-          </a:p>
-        </p:txBody>
-      </p:sp>
-      <p:sp>
-        <p:nvSpPr>
-          <p:cNvPr id="6" name="Text Placeholder 5"/>
-          <p:cNvSpPr>
-            <a:spLocks noGrp="1"/>
-          </p:cNvSpPr>
-          <p:nvPr>
-            <p:ph type="body" sz="quarter" idx="10" hasCustomPrompt="1"/>
-          </p:nvPr>
-        </p:nvSpPr>
-        <p:spPr>
-          <a:xfrm>
-            <a:off x="6638425" y="5517221"/>
-            <a:ext cx="5013325" cy="1026863"/>
-          </a:xfrm>
-        </p:spPr>
-        <p:txBody>
-          <a:bodyPr/>
-          <a:lstStyle>
-            <a:lvl1pPr>
-              <a:defRPr>
-                <a:solidFill>
-                  <a:srgbClr val="BDCD2C"/>
-                </a:solidFill>
-              </a:defRPr>
-            </a:lvl1pPr>
-          </a:lstStyle>
-          <a:p>
-            <a:pPr lvl="0"/>
-            <a:r>
-              <a:rPr lang="en-US" dirty="0" smtClean="0"/>
-              <a:t>Presenter Name</a:t>
-            </a:r>
-          </a:p>
-          <a:p>
-            <a:pPr lvl="0"/>
-            <a:r>
-              <a:rPr lang="en-US" dirty="0" smtClean="0"/>
-              <a:t>Title/role</a:t>
-            </a:r>
-          </a:p>
-        </p:txBody>
-      </p:sp>
-    </p:spTree>
-    <p:extLst>
-      <p:ext uri="{BB962C8B-B14F-4D97-AF65-F5344CB8AC3E}">
-        <p14:creationId xmlns:p14="http://schemas.microsoft.com/office/powerpoint/2010/main" val="23342617"/>
-      </p:ext>
-    </p:extLst>
-  </p:cSld>
-  <p:clrMapOvr>
-    <a:masterClrMapping/>
-  </p:clrMapOvr>
-  <p:timing>
-    <p:tnLst>
-      <p:par>
-        <p:cTn id="1" dur="indefinite" restart="never" nodeType="tmRoot"/>
-      </p:par>
-    </p:tnLst>
-  </p:timing>
-</p:sldLayout>
-</file>
-
-<file path=ppt/slideLayouts/slideLayout40.xml><?xml version="1.0" encoding="utf-8"?>
+<file path=ppt/slideLayouts/slideLayout42.xml><?xml version="1.0" encoding="utf-8"?>
 <p:sldLayout xmlns:a="http://schemas.openxmlformats.org/drawingml/2006/main" xmlns:r="http://schemas.openxmlformats.org/officeDocument/2006/relationships" xmlns:p="http://schemas.openxmlformats.org/presentationml/2006/main" type="obj" preserve="1">
   <p:cSld name="Title and Content">
     <p:bg>
@@ -9097,7 +10034,7 @@
 </p:sldLayout>
 </file>
 
-<file path=ppt/slideLayouts/slideLayout41.xml><?xml version="1.0" encoding="utf-8"?>
+<file path=ppt/slideLayouts/slideLayout43.xml><?xml version="1.0" encoding="utf-8"?>
 <p:sldLayout xmlns:a="http://schemas.openxmlformats.org/drawingml/2006/main" xmlns:r="http://schemas.openxmlformats.org/officeDocument/2006/relationships" xmlns:p="http://schemas.openxmlformats.org/presentationml/2006/main" preserve="1">
   <p:cSld name="1_Title and Content">
     <p:spTree>
@@ -9254,7 +10191,7 @@
 </p:sldLayout>
 </file>
 
-<file path=ppt/slideLayouts/slideLayout42.xml><?xml version="1.0" encoding="utf-8"?>
+<file path=ppt/slideLayouts/slideLayout44.xml><?xml version="1.0" encoding="utf-8"?>
 <p:sldLayout xmlns:a="http://schemas.openxmlformats.org/drawingml/2006/main" xmlns:r="http://schemas.openxmlformats.org/officeDocument/2006/relationships" xmlns:p="http://schemas.openxmlformats.org/presentationml/2006/main" type="titleOnly" preserve="1">
   <p:cSld name="Title Only">
     <p:bg>
@@ -9322,7 +10259,7 @@
 </p:sldLayout>
 </file>
 
-<file path=ppt/slideLayouts/slideLayout43.xml><?xml version="1.0" encoding="utf-8"?>
+<file path=ppt/slideLayouts/slideLayout45.xml><?xml version="1.0" encoding="utf-8"?>
 <p:sldLayout xmlns:a="http://schemas.openxmlformats.org/drawingml/2006/main" xmlns:r="http://schemas.openxmlformats.org/officeDocument/2006/relationships" xmlns:p="http://schemas.openxmlformats.org/presentationml/2006/main" preserve="1">
   <p:cSld name="1_Title Only">
     <p:spTree>
@@ -10326,7 +11263,7 @@
 </p:sldLayout>
 </file>
 
-<file path=ppt/slideLayouts/slideLayout44.xml><?xml version="1.0" encoding="utf-8"?>
+<file path=ppt/slideLayouts/slideLayout46.xml><?xml version="1.0" encoding="utf-8"?>
 <p:sldLayout xmlns:a="http://schemas.openxmlformats.org/drawingml/2006/main" xmlns:r="http://schemas.openxmlformats.org/officeDocument/2006/relationships" xmlns:p="http://schemas.openxmlformats.org/presentationml/2006/main" type="blank" preserve="1">
   <p:cSld name="Blank">
     <p:bg>
@@ -10371,7 +11308,7 @@
 </p:sldLayout>
 </file>
 
-<file path=ppt/slideLayouts/slideLayout45.xml><?xml version="1.0" encoding="utf-8"?>
+<file path=ppt/slideLayouts/slideLayout47.xml><?xml version="1.0" encoding="utf-8"?>
 <p:sldLayout xmlns:a="http://schemas.openxmlformats.org/drawingml/2006/main" xmlns:r="http://schemas.openxmlformats.org/officeDocument/2006/relationships" xmlns:p="http://schemas.openxmlformats.org/presentationml/2006/main" type="objTx" preserve="1">
   <p:cSld name="Content with Caption">
     <p:bg>
@@ -10612,7 +11549,7 @@
 </p:sldLayout>
 </file>
 
-<file path=ppt/slideLayouts/slideLayout46.xml><?xml version="1.0" encoding="utf-8"?>
+<file path=ppt/slideLayouts/slideLayout48.xml><?xml version="1.0" encoding="utf-8"?>
 <p:sldLayout xmlns:a="http://schemas.openxmlformats.org/drawingml/2006/main" xmlns:r="http://schemas.openxmlformats.org/officeDocument/2006/relationships" xmlns:p="http://schemas.openxmlformats.org/presentationml/2006/main" type="title" preserve="1">
   <p:cSld name="Title Slide">
     <p:bg>
@@ -10756,7 +11693,7 @@
 </p:sldLayout>
 </file>
 
-<file path=ppt/slideLayouts/slideLayout47.xml><?xml version="1.0" encoding="utf-8"?>
+<file path=ppt/slideLayouts/slideLayout49.xml><?xml version="1.0" encoding="utf-8"?>
 <p:sldLayout xmlns:a="http://schemas.openxmlformats.org/drawingml/2006/main" xmlns:r="http://schemas.openxmlformats.org/officeDocument/2006/relationships" xmlns:p="http://schemas.openxmlformats.org/presentationml/2006/main" type="obj" preserve="1">
   <p:cSld name="Title and Content">
     <p:bg>
@@ -10860,262 +11797,6 @@
     <p:extLst>
       <p:ext uri="{BB962C8B-B14F-4D97-AF65-F5344CB8AC3E}">
         <p14:creationId xmlns:p14="http://schemas.microsoft.com/office/powerpoint/2010/main" val="2480840286"/>
-      </p:ext>
-    </p:extLst>
-  </p:cSld>
-  <p:clrMapOvr>
-    <a:masterClrMapping/>
-  </p:clrMapOvr>
-  <p:timing>
-    <p:tnLst>
-      <p:par>
-        <p:cTn id="1" dur="indefinite" restart="never" nodeType="tmRoot"/>
-      </p:par>
-    </p:tnLst>
-  </p:timing>
-</p:sldLayout>
-</file>
-
-<file path=ppt/slideLayouts/slideLayout48.xml><?xml version="1.0" encoding="utf-8"?>
-<p:sldLayout xmlns:a="http://schemas.openxmlformats.org/drawingml/2006/main" xmlns:r="http://schemas.openxmlformats.org/officeDocument/2006/relationships" xmlns:p="http://schemas.openxmlformats.org/presentationml/2006/main" preserve="1">
-  <p:cSld name="1_Title and Content">
-    <p:spTree>
-      <p:nvGrpSpPr>
-        <p:cNvPr id="1" name=""/>
-        <p:cNvGrpSpPr/>
-        <p:nvPr/>
-      </p:nvGrpSpPr>
-      <p:grpSpPr>
-        <a:xfrm>
-          <a:off x="0" y="0"/>
-          <a:ext cx="0" cy="0"/>
-          <a:chOff x="0" y="0"/>
-          <a:chExt cx="0" cy="0"/>
-        </a:xfrm>
-      </p:grpSpPr>
-      <p:sp>
-        <p:nvSpPr>
-          <p:cNvPr id="2" name="Title 1"/>
-          <p:cNvSpPr>
-            <a:spLocks noGrp="1"/>
-          </p:cNvSpPr>
-          <p:nvPr>
-            <p:ph type="title"/>
-          </p:nvPr>
-        </p:nvSpPr>
-        <p:spPr/>
-        <p:txBody>
-          <a:bodyPr/>
-          <a:lstStyle/>
-          <a:p>
-            <a:r>
-              <a:rPr lang="en-US" smtClean="0"/>
-              <a:t>Click to edit Master title style</a:t>
-            </a:r>
-            <a:endParaRPr lang="en-US"/>
-          </a:p>
-        </p:txBody>
-      </p:sp>
-      <p:sp>
-        <p:nvSpPr>
-          <p:cNvPr id="3" name="Content Placeholder 2"/>
-          <p:cNvSpPr>
-            <a:spLocks noGrp="1"/>
-          </p:cNvSpPr>
-          <p:nvPr>
-            <p:ph idx="1"/>
-          </p:nvPr>
-        </p:nvSpPr>
-        <p:spPr>
-          <a:xfrm>
-            <a:off x="560798" y="2111604"/>
-            <a:ext cx="11079822" cy="3980971"/>
-          </a:xfrm>
-        </p:spPr>
-        <p:txBody>
-          <a:bodyPr/>
-          <a:lstStyle/>
-          <a:p>
-            <a:pPr lvl="0"/>
-            <a:r>
-              <a:rPr lang="en-US" smtClean="0"/>
-              <a:t>Click to edit Master text styles</a:t>
-            </a:r>
-          </a:p>
-          <a:p>
-            <a:pPr lvl="1"/>
-            <a:r>
-              <a:rPr lang="en-US" smtClean="0"/>
-              <a:t>Second level</a:t>
-            </a:r>
-          </a:p>
-          <a:p>
-            <a:pPr lvl="2"/>
-            <a:r>
-              <a:rPr lang="en-US" smtClean="0"/>
-              <a:t>Third level</a:t>
-            </a:r>
-          </a:p>
-          <a:p>
-            <a:pPr lvl="3"/>
-            <a:r>
-              <a:rPr lang="en-US" smtClean="0"/>
-              <a:t>Fourth level</a:t>
-            </a:r>
-          </a:p>
-          <a:p>
-            <a:pPr lvl="4"/>
-            <a:r>
-              <a:rPr lang="en-US" smtClean="0"/>
-              <a:t>Fifth level</a:t>
-            </a:r>
-            <a:endParaRPr lang="en-US"/>
-          </a:p>
-        </p:txBody>
-      </p:sp>
-      <p:sp>
-        <p:nvSpPr>
-          <p:cNvPr id="6" name="Slide Number Placeholder 5"/>
-          <p:cNvSpPr>
-            <a:spLocks noGrp="1"/>
-          </p:cNvSpPr>
-          <p:nvPr>
-            <p:ph type="sldNum" sz="quarter" idx="12"/>
-          </p:nvPr>
-        </p:nvSpPr>
-        <p:spPr>
-          <a:xfrm>
-            <a:off x="8897420" y="6256216"/>
-            <a:ext cx="2743200" cy="365125"/>
-          </a:xfrm>
-          <a:prstGeom prst="rect">
-            <a:avLst/>
-          </a:prstGeom>
-        </p:spPr>
-        <p:txBody>
-          <a:bodyPr/>
-          <a:lstStyle/>
-          <a:p>
-            <a:fld id="{0A164282-434E-41D4-9582-783D542A7B68}" type="slidenum">
-              <a:rPr lang="en-US" smtClean="0"/>
-              <a:t>‹#›</a:t>
-            </a:fld>
-            <a:endParaRPr lang="en-US"/>
-          </a:p>
-        </p:txBody>
-      </p:sp>
-      <p:sp>
-        <p:nvSpPr>
-          <p:cNvPr id="5" name="Text Placeholder 4"/>
-          <p:cNvSpPr>
-            <a:spLocks noGrp="1"/>
-          </p:cNvSpPr>
-          <p:nvPr>
-            <p:ph type="body" sz="quarter" idx="13" hasCustomPrompt="1"/>
-          </p:nvPr>
-        </p:nvSpPr>
-        <p:spPr>
-          <a:xfrm>
-            <a:off x="560388" y="1534096"/>
-            <a:ext cx="11080750" cy="437594"/>
-          </a:xfrm>
-        </p:spPr>
-        <p:txBody>
-          <a:bodyPr>
-            <a:normAutofit/>
-          </a:bodyPr>
-          <a:lstStyle>
-            <a:lvl1pPr marL="0" indent="0">
-              <a:buFontTx/>
-              <a:buNone/>
-              <a:defRPr sz="2000" cap="all" baseline="0"/>
-            </a:lvl1pPr>
-            <a:lvl5pPr>
-              <a:defRPr/>
-            </a:lvl5pPr>
-          </a:lstStyle>
-          <a:p>
-            <a:pPr lvl="0"/>
-            <a:r>
-              <a:rPr lang="en-US" dirty="0" smtClean="0"/>
-              <a:t>Secondary refining headline</a:t>
-            </a:r>
-            <a:endParaRPr lang="en-US" dirty="0"/>
-          </a:p>
-        </p:txBody>
-      </p:sp>
-    </p:spTree>
-    <p:extLst>
-      <p:ext uri="{BB962C8B-B14F-4D97-AF65-F5344CB8AC3E}">
-        <p14:creationId xmlns:p14="http://schemas.microsoft.com/office/powerpoint/2010/main" val="772317609"/>
-      </p:ext>
-    </p:extLst>
-  </p:cSld>
-  <p:clrMapOvr>
-    <a:masterClrMapping/>
-  </p:clrMapOvr>
-  <p:timing>
-    <p:tnLst>
-      <p:par>
-        <p:cTn id="1" dur="indefinite" restart="never" nodeType="tmRoot"/>
-      </p:par>
-    </p:tnLst>
-  </p:timing>
-</p:sldLayout>
-</file>
-
-<file path=ppt/slideLayouts/slideLayout49.xml><?xml version="1.0" encoding="utf-8"?>
-<p:sldLayout xmlns:a="http://schemas.openxmlformats.org/drawingml/2006/main" xmlns:r="http://schemas.openxmlformats.org/officeDocument/2006/relationships" xmlns:p="http://schemas.openxmlformats.org/presentationml/2006/main" type="titleOnly" preserve="1">
-  <p:cSld name="Title Only">
-    <p:bg>
-      <p:bgPr>
-        <a:solidFill>
-          <a:schemeClr val="tx1"/>
-        </a:solidFill>
-        <a:effectLst/>
-      </p:bgPr>
-    </p:bg>
-    <p:spTree>
-      <p:nvGrpSpPr>
-        <p:cNvPr id="1" name=""/>
-        <p:cNvGrpSpPr/>
-        <p:nvPr/>
-      </p:nvGrpSpPr>
-      <p:grpSpPr>
-        <a:xfrm>
-          <a:off x="0" y="0"/>
-          <a:ext cx="0" cy="0"/>
-          <a:chOff x="0" y="0"/>
-          <a:chExt cx="0" cy="0"/>
-        </a:xfrm>
-      </p:grpSpPr>
-      <p:sp>
-        <p:nvSpPr>
-          <p:cNvPr id="2" name="Title 1"/>
-          <p:cNvSpPr>
-            <a:spLocks noGrp="1"/>
-          </p:cNvSpPr>
-          <p:nvPr>
-            <p:ph type="title"/>
-          </p:nvPr>
-        </p:nvSpPr>
-        <p:spPr/>
-        <p:txBody>
-          <a:bodyPr/>
-          <a:lstStyle/>
-          <a:p>
-            <a:r>
-              <a:rPr lang="en-US" smtClean="0"/>
-              <a:t>Click to edit Master title style</a:t>
-            </a:r>
-            <a:endParaRPr lang="en-US"/>
-          </a:p>
-        </p:txBody>
-      </p:sp>
-    </p:spTree>
-    <p:extLst>
-      <p:ext uri="{BB962C8B-B14F-4D97-AF65-F5344CB8AC3E}">
-        <p14:creationId xmlns:p14="http://schemas.microsoft.com/office/powerpoint/2010/main" val="999673011"/>
       </p:ext>
     </p:extLst>
   </p:cSld>
@@ -11252,6 +11933,262 @@
 </file>
 
 <file path=ppt/slideLayouts/slideLayout50.xml><?xml version="1.0" encoding="utf-8"?>
+<p:sldLayout xmlns:a="http://schemas.openxmlformats.org/drawingml/2006/main" xmlns:r="http://schemas.openxmlformats.org/officeDocument/2006/relationships" xmlns:p="http://schemas.openxmlformats.org/presentationml/2006/main" preserve="1">
+  <p:cSld name="1_Title and Content">
+    <p:spTree>
+      <p:nvGrpSpPr>
+        <p:cNvPr id="1" name=""/>
+        <p:cNvGrpSpPr/>
+        <p:nvPr/>
+      </p:nvGrpSpPr>
+      <p:grpSpPr>
+        <a:xfrm>
+          <a:off x="0" y="0"/>
+          <a:ext cx="0" cy="0"/>
+          <a:chOff x="0" y="0"/>
+          <a:chExt cx="0" cy="0"/>
+        </a:xfrm>
+      </p:grpSpPr>
+      <p:sp>
+        <p:nvSpPr>
+          <p:cNvPr id="2" name="Title 1"/>
+          <p:cNvSpPr>
+            <a:spLocks noGrp="1"/>
+          </p:cNvSpPr>
+          <p:nvPr>
+            <p:ph type="title"/>
+          </p:nvPr>
+        </p:nvSpPr>
+        <p:spPr/>
+        <p:txBody>
+          <a:bodyPr/>
+          <a:lstStyle/>
+          <a:p>
+            <a:r>
+              <a:rPr lang="en-US" smtClean="0"/>
+              <a:t>Click to edit Master title style</a:t>
+            </a:r>
+            <a:endParaRPr lang="en-US"/>
+          </a:p>
+        </p:txBody>
+      </p:sp>
+      <p:sp>
+        <p:nvSpPr>
+          <p:cNvPr id="3" name="Content Placeholder 2"/>
+          <p:cNvSpPr>
+            <a:spLocks noGrp="1"/>
+          </p:cNvSpPr>
+          <p:nvPr>
+            <p:ph idx="1"/>
+          </p:nvPr>
+        </p:nvSpPr>
+        <p:spPr>
+          <a:xfrm>
+            <a:off x="560798" y="2111604"/>
+            <a:ext cx="11079822" cy="3980971"/>
+          </a:xfrm>
+        </p:spPr>
+        <p:txBody>
+          <a:bodyPr/>
+          <a:lstStyle/>
+          <a:p>
+            <a:pPr lvl="0"/>
+            <a:r>
+              <a:rPr lang="en-US" smtClean="0"/>
+              <a:t>Click to edit Master text styles</a:t>
+            </a:r>
+          </a:p>
+          <a:p>
+            <a:pPr lvl="1"/>
+            <a:r>
+              <a:rPr lang="en-US" smtClean="0"/>
+              <a:t>Second level</a:t>
+            </a:r>
+          </a:p>
+          <a:p>
+            <a:pPr lvl="2"/>
+            <a:r>
+              <a:rPr lang="en-US" smtClean="0"/>
+              <a:t>Third level</a:t>
+            </a:r>
+          </a:p>
+          <a:p>
+            <a:pPr lvl="3"/>
+            <a:r>
+              <a:rPr lang="en-US" smtClean="0"/>
+              <a:t>Fourth level</a:t>
+            </a:r>
+          </a:p>
+          <a:p>
+            <a:pPr lvl="4"/>
+            <a:r>
+              <a:rPr lang="en-US" smtClean="0"/>
+              <a:t>Fifth level</a:t>
+            </a:r>
+            <a:endParaRPr lang="en-US"/>
+          </a:p>
+        </p:txBody>
+      </p:sp>
+      <p:sp>
+        <p:nvSpPr>
+          <p:cNvPr id="6" name="Slide Number Placeholder 5"/>
+          <p:cNvSpPr>
+            <a:spLocks noGrp="1"/>
+          </p:cNvSpPr>
+          <p:nvPr>
+            <p:ph type="sldNum" sz="quarter" idx="12"/>
+          </p:nvPr>
+        </p:nvSpPr>
+        <p:spPr>
+          <a:xfrm>
+            <a:off x="8897420" y="6256216"/>
+            <a:ext cx="2743200" cy="365125"/>
+          </a:xfrm>
+          <a:prstGeom prst="rect">
+            <a:avLst/>
+          </a:prstGeom>
+        </p:spPr>
+        <p:txBody>
+          <a:bodyPr/>
+          <a:lstStyle/>
+          <a:p>
+            <a:fld id="{0A164282-434E-41D4-9582-783D542A7B68}" type="slidenum">
+              <a:rPr lang="en-US" smtClean="0"/>
+              <a:t>‹#›</a:t>
+            </a:fld>
+            <a:endParaRPr lang="en-US"/>
+          </a:p>
+        </p:txBody>
+      </p:sp>
+      <p:sp>
+        <p:nvSpPr>
+          <p:cNvPr id="5" name="Text Placeholder 4"/>
+          <p:cNvSpPr>
+            <a:spLocks noGrp="1"/>
+          </p:cNvSpPr>
+          <p:nvPr>
+            <p:ph type="body" sz="quarter" idx="13" hasCustomPrompt="1"/>
+          </p:nvPr>
+        </p:nvSpPr>
+        <p:spPr>
+          <a:xfrm>
+            <a:off x="560388" y="1534096"/>
+            <a:ext cx="11080750" cy="437594"/>
+          </a:xfrm>
+        </p:spPr>
+        <p:txBody>
+          <a:bodyPr>
+            <a:normAutofit/>
+          </a:bodyPr>
+          <a:lstStyle>
+            <a:lvl1pPr marL="0" indent="0">
+              <a:buFontTx/>
+              <a:buNone/>
+              <a:defRPr sz="2000" cap="all" baseline="0"/>
+            </a:lvl1pPr>
+            <a:lvl5pPr>
+              <a:defRPr/>
+            </a:lvl5pPr>
+          </a:lstStyle>
+          <a:p>
+            <a:pPr lvl="0"/>
+            <a:r>
+              <a:rPr lang="en-US" dirty="0" smtClean="0"/>
+              <a:t>Secondary refining headline</a:t>
+            </a:r>
+            <a:endParaRPr lang="en-US" dirty="0"/>
+          </a:p>
+        </p:txBody>
+      </p:sp>
+    </p:spTree>
+    <p:extLst>
+      <p:ext uri="{BB962C8B-B14F-4D97-AF65-F5344CB8AC3E}">
+        <p14:creationId xmlns:p14="http://schemas.microsoft.com/office/powerpoint/2010/main" val="772317609"/>
+      </p:ext>
+    </p:extLst>
+  </p:cSld>
+  <p:clrMapOvr>
+    <a:masterClrMapping/>
+  </p:clrMapOvr>
+  <p:timing>
+    <p:tnLst>
+      <p:par>
+        <p:cTn id="1" dur="indefinite" restart="never" nodeType="tmRoot"/>
+      </p:par>
+    </p:tnLst>
+  </p:timing>
+</p:sldLayout>
+</file>
+
+<file path=ppt/slideLayouts/slideLayout51.xml><?xml version="1.0" encoding="utf-8"?>
+<p:sldLayout xmlns:a="http://schemas.openxmlformats.org/drawingml/2006/main" xmlns:r="http://schemas.openxmlformats.org/officeDocument/2006/relationships" xmlns:p="http://schemas.openxmlformats.org/presentationml/2006/main" type="titleOnly" preserve="1">
+  <p:cSld name="Title Only">
+    <p:bg>
+      <p:bgPr>
+        <a:solidFill>
+          <a:schemeClr val="tx1"/>
+        </a:solidFill>
+        <a:effectLst/>
+      </p:bgPr>
+    </p:bg>
+    <p:spTree>
+      <p:nvGrpSpPr>
+        <p:cNvPr id="1" name=""/>
+        <p:cNvGrpSpPr/>
+        <p:nvPr/>
+      </p:nvGrpSpPr>
+      <p:grpSpPr>
+        <a:xfrm>
+          <a:off x="0" y="0"/>
+          <a:ext cx="0" cy="0"/>
+          <a:chOff x="0" y="0"/>
+          <a:chExt cx="0" cy="0"/>
+        </a:xfrm>
+      </p:grpSpPr>
+      <p:sp>
+        <p:nvSpPr>
+          <p:cNvPr id="2" name="Title 1"/>
+          <p:cNvSpPr>
+            <a:spLocks noGrp="1"/>
+          </p:cNvSpPr>
+          <p:nvPr>
+            <p:ph type="title"/>
+          </p:nvPr>
+        </p:nvSpPr>
+        <p:spPr/>
+        <p:txBody>
+          <a:bodyPr/>
+          <a:lstStyle/>
+          <a:p>
+            <a:r>
+              <a:rPr lang="en-US" smtClean="0"/>
+              <a:t>Click to edit Master title style</a:t>
+            </a:r>
+            <a:endParaRPr lang="en-US"/>
+          </a:p>
+        </p:txBody>
+      </p:sp>
+    </p:spTree>
+    <p:extLst>
+      <p:ext uri="{BB962C8B-B14F-4D97-AF65-F5344CB8AC3E}">
+        <p14:creationId xmlns:p14="http://schemas.microsoft.com/office/powerpoint/2010/main" val="999673011"/>
+      </p:ext>
+    </p:extLst>
+  </p:cSld>
+  <p:clrMapOvr>
+    <a:masterClrMapping/>
+  </p:clrMapOvr>
+  <p:timing>
+    <p:tnLst>
+      <p:par>
+        <p:cTn id="1" dur="indefinite" restart="never" nodeType="tmRoot"/>
+      </p:par>
+    </p:tnLst>
+  </p:timing>
+</p:sldLayout>
+</file>
+
+<file path=ppt/slideLayouts/slideLayout52.xml><?xml version="1.0" encoding="utf-8"?>
 <p:sldLayout xmlns:a="http://schemas.openxmlformats.org/drawingml/2006/main" xmlns:r="http://schemas.openxmlformats.org/officeDocument/2006/relationships" xmlns:p="http://schemas.openxmlformats.org/presentationml/2006/main" type="blank" preserve="1">
   <p:cSld name="Blank">
     <p:bg>
@@ -11296,7 +12233,7 @@
 </p:sldLayout>
 </file>
 
-<file path=ppt/slideLayouts/slideLayout51.xml><?xml version="1.0" encoding="utf-8"?>
+<file path=ppt/slideLayouts/slideLayout53.xml><?xml version="1.0" encoding="utf-8"?>
 <p:sldLayout xmlns:a="http://schemas.openxmlformats.org/drawingml/2006/main" xmlns:r="http://schemas.openxmlformats.org/officeDocument/2006/relationships" xmlns:p="http://schemas.openxmlformats.org/presentationml/2006/main" type="blank" preserve="1">
   <p:cSld name="1_Blank">
     <p:bg>
@@ -11341,7 +12278,7 @@
 </p:sldLayout>
 </file>
 
-<file path=ppt/slideLayouts/slideLayout52.xml><?xml version="1.0" encoding="utf-8"?>
+<file path=ppt/slideLayouts/slideLayout54.xml><?xml version="1.0" encoding="utf-8"?>
 <p:sldLayout xmlns:a="http://schemas.openxmlformats.org/drawingml/2006/main" xmlns:r="http://schemas.openxmlformats.org/officeDocument/2006/relationships" xmlns:p="http://schemas.openxmlformats.org/presentationml/2006/main" type="objTx" preserve="1">
   <p:cSld name="Content with Caption">
     <p:bg>
@@ -12580,7 +13517,7 @@
           <p:nvPr/>
         </p:nvPicPr>
         <p:blipFill>
-          <a:blip r:embed="rId14"/>
+          <a:blip r:embed="rId16"/>
           <a:stretch>
             <a:fillRect/>
           </a:stretch>
@@ -12938,6 +13875,8 @@
     <p:sldLayoutId id="2147483692" r:id="rId10"/>
     <p:sldLayoutId id="2147483693" r:id="rId11"/>
     <p:sldLayoutId id="2147483694" r:id="rId12"/>
+    <p:sldLayoutId id="2147483735" r:id="rId13"/>
+    <p:sldLayoutId id="2147483736" r:id="rId14"/>
   </p:sldLayoutIdLst>
   <p:timing>
     <p:tnLst>
@@ -17236,13 +18175,253 @@
   <p:clrMapOvr>
     <a:masterClrMapping/>
   </p:clrMapOvr>
-  <mc:AlternateContent xmlns:mc="http://schemas.openxmlformats.org/markup-compatibility/2006" xmlns:p14="http://schemas.microsoft.com/office/powerpoint/2010/main">
-    <mc:Choice Requires="p14">
+  <mc:AlternateContent xmlns:mc="http://schemas.openxmlformats.org/markup-compatibility/2006">
+    <mc:Choice xmlns:p14="http://schemas.microsoft.com/office/powerpoint/2010/main" Requires="p14">
       <p:transition spd="med" p14:dur="700">
         <p:fade/>
       </p:transition>
     </mc:Choice>
-    <mc:Fallback xmlns="">
+    <mc:Fallback>
+      <p:transition spd="med">
+        <p:fade/>
+      </p:transition>
+    </mc:Fallback>
+  </mc:AlternateContent>
+  <p:timing>
+    <p:tnLst>
+      <p:par>
+        <p:cTn id="1" dur="indefinite" restart="never" nodeType="tmRoot"/>
+      </p:par>
+    </p:tnLst>
+  </p:timing>
+</p:sld>
+</file>
+
+<file path=ppt/slides/slide10.xml><?xml version="1.0" encoding="utf-8"?>
+<p:sld xmlns:a="http://schemas.openxmlformats.org/drawingml/2006/main" xmlns:r="http://schemas.openxmlformats.org/officeDocument/2006/relationships" xmlns:p="http://schemas.openxmlformats.org/presentationml/2006/main">
+  <p:cSld>
+    <p:spTree>
+      <p:nvGrpSpPr>
+        <p:cNvPr id="1" name=""/>
+        <p:cNvGrpSpPr/>
+        <p:nvPr/>
+      </p:nvGrpSpPr>
+      <p:grpSpPr>
+        <a:xfrm>
+          <a:off x="0" y="0"/>
+          <a:ext cx="0" cy="0"/>
+          <a:chOff x="0" y="0"/>
+          <a:chExt cx="0" cy="0"/>
+        </a:xfrm>
+      </p:grpSpPr>
+      <p:sp>
+        <p:nvSpPr>
+          <p:cNvPr id="2" name="Title 1"/>
+          <p:cNvSpPr>
+            <a:spLocks noGrp="1"/>
+          </p:cNvSpPr>
+          <p:nvPr>
+            <p:ph type="title"/>
+          </p:nvPr>
+        </p:nvSpPr>
+        <p:spPr/>
+        <p:txBody>
+          <a:bodyPr/>
+          <a:lstStyle/>
+          <a:p>
+            <a:r>
+              <a:rPr lang="en-US" dirty="0" smtClean="0"/>
+              <a:t>Socket I.O Messages</a:t>
+            </a:r>
+            <a:endParaRPr lang="en-US" dirty="0"/>
+          </a:p>
+        </p:txBody>
+      </p:sp>
+      <p:sp>
+        <p:nvSpPr>
+          <p:cNvPr id="3" name="Content Placeholder 2"/>
+          <p:cNvSpPr>
+            <a:spLocks noGrp="1"/>
+          </p:cNvSpPr>
+          <p:nvPr>
+            <p:ph idx="1"/>
+          </p:nvPr>
+        </p:nvSpPr>
+        <p:spPr/>
+        <p:txBody>
+          <a:bodyPr/>
+          <a:lstStyle/>
+          <a:p>
+            <a:r>
+              <a:rPr lang="en-US" dirty="0" smtClean="0"/>
+              <a:t>Clients subscribe to channels/namespaces</a:t>
+            </a:r>
+            <a:endParaRPr lang="en-US" dirty="0"/>
+          </a:p>
+          <a:p>
+            <a:r>
+              <a:rPr lang="en-US" dirty="0" smtClean="0"/>
+              <a:t>Can send a variety of data types to multiple clients</a:t>
+            </a:r>
+          </a:p>
+          <a:p>
+            <a:r>
+              <a:rPr lang="en-US" dirty="0" err="1" smtClean="0"/>
+              <a:t>Realtime</a:t>
+            </a:r>
+            <a:endParaRPr lang="en-US" dirty="0" smtClean="0"/>
+          </a:p>
+          <a:p>
+            <a:r>
+              <a:rPr lang="en-US" dirty="0" smtClean="0"/>
+              <a:t>Binary Streaming – think video, images </a:t>
+            </a:r>
+          </a:p>
+          <a:p>
+            <a:pPr marL="0" indent="0">
+              <a:buNone/>
+            </a:pPr>
+            <a:endParaRPr lang="en-US" dirty="0"/>
+          </a:p>
+        </p:txBody>
+      </p:sp>
+    </p:spTree>
+    <p:extLst>
+      <p:ext uri="{BB962C8B-B14F-4D97-AF65-F5344CB8AC3E}">
+        <p14:creationId xmlns:p14="http://schemas.microsoft.com/office/powerpoint/2010/main" val="3719471793"/>
+      </p:ext>
+    </p:extLst>
+  </p:cSld>
+  <p:clrMapOvr>
+    <a:masterClrMapping/>
+  </p:clrMapOvr>
+  <mc:AlternateContent xmlns:mc="http://schemas.openxmlformats.org/markup-compatibility/2006">
+    <mc:Choice xmlns:p14="http://schemas.microsoft.com/office/powerpoint/2010/main" Requires="p14">
+      <p:transition spd="med" p14:dur="700">
+        <p:fade/>
+      </p:transition>
+    </mc:Choice>
+    <mc:Fallback>
+      <p:transition spd="med">
+        <p:fade/>
+      </p:transition>
+    </mc:Fallback>
+  </mc:AlternateContent>
+  <p:timing>
+    <p:tnLst>
+      <p:par>
+        <p:cTn id="1" dur="indefinite" restart="never" nodeType="tmRoot"/>
+      </p:par>
+    </p:tnLst>
+  </p:timing>
+</p:sld>
+</file>
+
+<file path=ppt/slides/slide11.xml><?xml version="1.0" encoding="utf-8"?>
+<p:sld xmlns:a="http://schemas.openxmlformats.org/drawingml/2006/main" xmlns:r="http://schemas.openxmlformats.org/officeDocument/2006/relationships" xmlns:p="http://schemas.openxmlformats.org/presentationml/2006/main">
+  <p:cSld>
+    <p:spTree>
+      <p:nvGrpSpPr>
+        <p:cNvPr id="1" name=""/>
+        <p:cNvGrpSpPr/>
+        <p:nvPr/>
+      </p:nvGrpSpPr>
+      <p:grpSpPr>
+        <a:xfrm>
+          <a:off x="0" y="0"/>
+          <a:ext cx="0" cy="0"/>
+          <a:chOff x="0" y="0"/>
+          <a:chExt cx="0" cy="0"/>
+        </a:xfrm>
+      </p:grpSpPr>
+      <p:sp>
+        <p:nvSpPr>
+          <p:cNvPr id="4" name="Subtitle 3"/>
+          <p:cNvSpPr>
+            <a:spLocks noGrp="1"/>
+          </p:cNvSpPr>
+          <p:nvPr>
+            <p:ph type="subTitle" idx="1"/>
+          </p:nvPr>
+        </p:nvSpPr>
+        <p:spPr/>
+        <p:txBody>
+          <a:bodyPr/>
+          <a:lstStyle/>
+          <a:p>
+            <a:r>
+              <a:rPr lang="en-US" dirty="0"/>
+              <a:t>Listening and handling messages</a:t>
+            </a:r>
+          </a:p>
+        </p:txBody>
+      </p:sp>
+    </p:spTree>
+    <p:extLst>
+      <p:ext uri="{BB962C8B-B14F-4D97-AF65-F5344CB8AC3E}">
+        <p14:creationId xmlns:p14="http://schemas.microsoft.com/office/powerpoint/2010/main" val="4286740134"/>
+      </p:ext>
+    </p:extLst>
+  </p:cSld>
+  <p:clrMapOvr>
+    <a:masterClrMapping/>
+  </p:clrMapOvr>
+  <mc:AlternateContent xmlns:mc="http://schemas.openxmlformats.org/markup-compatibility/2006">
+    <mc:Choice xmlns:p14="http://schemas.microsoft.com/office/powerpoint/2010/main" Requires="p14">
+      <p:transition spd="med" p14:dur="700">
+        <p:fade/>
+      </p:transition>
+    </mc:Choice>
+    <mc:Fallback>
+      <p:transition spd="med">
+        <p:fade/>
+      </p:transition>
+    </mc:Fallback>
+  </mc:AlternateContent>
+  <p:timing>
+    <p:tnLst>
+      <p:par>
+        <p:cTn id="1" dur="indefinite" restart="never" nodeType="tmRoot"/>
+      </p:par>
+    </p:tnLst>
+  </p:timing>
+</p:sld>
+</file>
+
+<file path=ppt/slides/slide12.xml><?xml version="1.0" encoding="utf-8"?>
+<p:sld xmlns:a="http://schemas.openxmlformats.org/drawingml/2006/main" xmlns:r="http://schemas.openxmlformats.org/officeDocument/2006/relationships" xmlns:p="http://schemas.openxmlformats.org/presentationml/2006/main">
+  <p:cSld>
+    <p:spTree>
+      <p:nvGrpSpPr>
+        <p:cNvPr id="1" name=""/>
+        <p:cNvGrpSpPr/>
+        <p:nvPr/>
+      </p:nvGrpSpPr>
+      <p:grpSpPr>
+        <a:xfrm>
+          <a:off x="0" y="0"/>
+          <a:ext cx="0" cy="0"/>
+          <a:chOff x="0" y="0"/>
+          <a:chExt cx="0" cy="0"/>
+        </a:xfrm>
+      </p:grpSpPr>
+    </p:spTree>
+    <p:extLst>
+      <p:ext uri="{BB962C8B-B14F-4D97-AF65-F5344CB8AC3E}">
+        <p14:creationId xmlns:p14="http://schemas.microsoft.com/office/powerpoint/2010/main" val="2277682649"/>
+      </p:ext>
+    </p:extLst>
+  </p:cSld>
+  <p:clrMapOvr>
+    <a:masterClrMapping/>
+  </p:clrMapOvr>
+  <mc:AlternateContent xmlns:mc="http://schemas.openxmlformats.org/markup-compatibility/2006">
+    <mc:Choice xmlns:p14="http://schemas.microsoft.com/office/powerpoint/2010/main" Requires="p14">
+      <p:transition spd="med" p14:dur="700">
+        <p:fade/>
+      </p:transition>
+    </mc:Choice>
+    <mc:Fallback>
       <p:transition spd="med">
         <p:fade/>
       </p:transition>
@@ -17362,13 +18541,13 @@
   <p:clrMapOvr>
     <a:masterClrMapping/>
   </p:clrMapOvr>
-  <mc:AlternateContent xmlns:mc="http://schemas.openxmlformats.org/markup-compatibility/2006" xmlns:p14="http://schemas.microsoft.com/office/powerpoint/2010/main">
-    <mc:Choice Requires="p14">
+  <mc:AlternateContent xmlns:mc="http://schemas.openxmlformats.org/markup-compatibility/2006">
+    <mc:Choice xmlns:p14="http://schemas.microsoft.com/office/powerpoint/2010/main" Requires="p14">
       <p:transition spd="med" p14:dur="700">
         <p:fade/>
       </p:transition>
     </mc:Choice>
-    <mc:Fallback xmlns="">
+    <mc:Fallback>
       <p:transition spd="med">
         <p:fade/>
       </p:transition>
@@ -17438,18 +18617,25 @@
   <p:clrMapOvr>
     <a:masterClrMapping/>
   </p:clrMapOvr>
-  <mc:AlternateContent xmlns:mc="http://schemas.openxmlformats.org/markup-compatibility/2006" xmlns:p14="http://schemas.microsoft.com/office/powerpoint/2010/main">
-    <mc:Choice Requires="p14">
+  <mc:AlternateContent xmlns:mc="http://schemas.openxmlformats.org/markup-compatibility/2006">
+    <mc:Choice xmlns:p14="http://schemas.microsoft.com/office/powerpoint/2010/main" Requires="p14">
       <p:transition spd="med" p14:dur="700">
         <p:fade/>
       </p:transition>
     </mc:Choice>
-    <mc:Fallback xmlns="">
+    <mc:Fallback>
       <p:transition spd="med">
         <p:fade/>
       </p:transition>
     </mc:Fallback>
   </mc:AlternateContent>
+  <p:timing>
+    <p:tnLst>
+      <p:par>
+        <p:cTn id="1" dur="indefinite" restart="never" nodeType="tmRoot"/>
+      </p:par>
+    </p:tnLst>
+  </p:timing>
 </p:sld>
 </file>
 
@@ -17502,13 +18688,13 @@
   <p:clrMapOvr>
     <a:masterClrMapping/>
   </p:clrMapOvr>
-  <mc:AlternateContent xmlns:mc="http://schemas.openxmlformats.org/markup-compatibility/2006" xmlns:p14="http://schemas.microsoft.com/office/powerpoint/2010/main">
-    <mc:Choice Requires="p14">
+  <mc:AlternateContent xmlns:mc="http://schemas.openxmlformats.org/markup-compatibility/2006">
+    <mc:Choice xmlns:p14="http://schemas.microsoft.com/office/powerpoint/2010/main" Requires="p14">
       <p:transition spd="med" p14:dur="700">
         <p:fade/>
       </p:transition>
     </mc:Choice>
-    <mc:Fallback xmlns="">
+    <mc:Fallback>
       <p:transition spd="med">
         <p:fade/>
       </p:transition>
@@ -17543,7 +18729,859 @@
       </p:grpSpPr>
       <p:sp>
         <p:nvSpPr>
-          <p:cNvPr id="2" name="Title 1"/>
+          <p:cNvPr id="4" name="Rectangle 3"/>
+          <p:cNvSpPr/>
+          <p:nvPr/>
+        </p:nvSpPr>
+        <p:spPr bwMode="auto">
+          <a:xfrm>
+            <a:off x="403241" y="2922909"/>
+            <a:ext cx="1811709" cy="1811709"/>
+          </a:xfrm>
+          <a:prstGeom prst="rect">
+            <a:avLst/>
+          </a:prstGeom>
+          <a:solidFill>
+            <a:schemeClr val="accent2"/>
+          </a:solidFill>
+          <a:ln>
+            <a:noFill/>
+            <a:headEnd type="none" w="med" len="med"/>
+            <a:tailEnd type="none" w="med" len="med"/>
+          </a:ln>
+          <a:effectLst/>
+        </p:spPr>
+        <p:style>
+          <a:lnRef idx="1">
+            <a:schemeClr val="accent2"/>
+          </a:lnRef>
+          <a:fillRef idx="3">
+            <a:schemeClr val="accent2"/>
+          </a:fillRef>
+          <a:effectRef idx="2">
+            <a:schemeClr val="accent2"/>
+          </a:effectRef>
+          <a:fontRef idx="minor">
+            <a:schemeClr val="lt1"/>
+          </a:fontRef>
+        </p:style>
+        <p:txBody>
+          <a:bodyPr vert="horz" wrap="square" lIns="91436" tIns="45718" rIns="91436" bIns="45718" numCol="1" rtlCol="0" anchor="ctr" anchorCtr="0" compatLnSpc="1">
+            <a:prstTxWarp prst="textNoShape">
+              <a:avLst/>
+            </a:prstTxWarp>
+          </a:bodyPr>
+          <a:lstStyle/>
+          <a:p>
+            <a:pPr algn="ctr" defTabSz="914099" fontAlgn="base">
+              <a:spcBef>
+                <a:spcPct val="0"/>
+              </a:spcBef>
+              <a:spcAft>
+                <a:spcPct val="0"/>
+              </a:spcAft>
+            </a:pPr>
+            <a:r>
+              <a:rPr lang="en-US" sz="2200" dirty="0">
+                <a:gradFill>
+                  <a:gsLst>
+                    <a:gs pos="0">
+                      <a:srgbClr val="FFFFFF"/>
+                    </a:gs>
+                    <a:gs pos="100000">
+                      <a:srgbClr val="FFFFFF"/>
+                    </a:gs>
+                  </a:gsLst>
+                  <a:lin ang="5400000" scaled="0"/>
+                </a:gradFill>
+              </a:rPr>
+              <a:t>Client Browser</a:t>
+            </a:r>
+          </a:p>
+        </p:txBody>
+      </p:sp>
+      <p:sp>
+        <p:nvSpPr>
+          <p:cNvPr id="5" name="Rectangle 4"/>
+          <p:cNvSpPr/>
+          <p:nvPr/>
+        </p:nvSpPr>
+        <p:spPr bwMode="auto">
+          <a:xfrm>
+            <a:off x="9956015" y="2922909"/>
+            <a:ext cx="1811709" cy="1811709"/>
+          </a:xfrm>
+          <a:prstGeom prst="rect">
+            <a:avLst/>
+          </a:prstGeom>
+          <a:solidFill>
+            <a:schemeClr val="accent2"/>
+          </a:solidFill>
+          <a:ln>
+            <a:noFill/>
+            <a:headEnd type="none" w="med" len="med"/>
+            <a:tailEnd type="none" w="med" len="med"/>
+          </a:ln>
+          <a:effectLst/>
+        </p:spPr>
+        <p:style>
+          <a:lnRef idx="1">
+            <a:schemeClr val="accent2"/>
+          </a:lnRef>
+          <a:fillRef idx="3">
+            <a:schemeClr val="accent2"/>
+          </a:fillRef>
+          <a:effectRef idx="2">
+            <a:schemeClr val="accent2"/>
+          </a:effectRef>
+          <a:fontRef idx="minor">
+            <a:schemeClr val="lt1"/>
+          </a:fontRef>
+        </p:style>
+        <p:txBody>
+          <a:bodyPr vert="horz" wrap="square" lIns="91436" tIns="45718" rIns="91436" bIns="45718" numCol="1" rtlCol="0" anchor="ctr" anchorCtr="0" compatLnSpc="1">
+            <a:prstTxWarp prst="textNoShape">
+              <a:avLst/>
+            </a:prstTxWarp>
+          </a:bodyPr>
+          <a:lstStyle/>
+          <a:p>
+            <a:pPr algn="ctr" defTabSz="914099" fontAlgn="base">
+              <a:spcBef>
+                <a:spcPct val="0"/>
+              </a:spcBef>
+              <a:spcAft>
+                <a:spcPct val="0"/>
+              </a:spcAft>
+            </a:pPr>
+            <a:r>
+              <a:rPr lang="en-US" sz="2200" dirty="0">
+                <a:gradFill>
+                  <a:gsLst>
+                    <a:gs pos="0">
+                      <a:srgbClr val="FFFFFF"/>
+                    </a:gs>
+                    <a:gs pos="100000">
+                      <a:srgbClr val="FFFFFF"/>
+                    </a:gs>
+                  </a:gsLst>
+                  <a:lin ang="5400000" scaled="0"/>
+                </a:gradFill>
+              </a:rPr>
+              <a:t>Web</a:t>
+            </a:r>
+            <a:br>
+              <a:rPr lang="en-US" sz="2200" dirty="0">
+                <a:gradFill>
+                  <a:gsLst>
+                    <a:gs pos="0">
+                      <a:srgbClr val="FFFFFF"/>
+                    </a:gs>
+                    <a:gs pos="100000">
+                      <a:srgbClr val="FFFFFF"/>
+                    </a:gs>
+                  </a:gsLst>
+                  <a:lin ang="5400000" scaled="0"/>
+                </a:gradFill>
+              </a:rPr>
+            </a:br>
+            <a:r>
+              <a:rPr lang="en-US" sz="2200" dirty="0">
+                <a:gradFill>
+                  <a:gsLst>
+                    <a:gs pos="0">
+                      <a:srgbClr val="FFFFFF"/>
+                    </a:gs>
+                    <a:gs pos="100000">
+                      <a:srgbClr val="FFFFFF"/>
+                    </a:gs>
+                  </a:gsLst>
+                  <a:lin ang="5400000" scaled="0"/>
+                </a:gradFill>
+              </a:rPr>
+              <a:t>Server</a:t>
+            </a:r>
+          </a:p>
+        </p:txBody>
+      </p:sp>
+      <p:sp>
+        <p:nvSpPr>
+          <p:cNvPr id="6" name="Right Arrow 5"/>
+          <p:cNvSpPr/>
+          <p:nvPr/>
+        </p:nvSpPr>
+        <p:spPr bwMode="auto">
+          <a:xfrm>
+            <a:off x="3330012" y="1525192"/>
+            <a:ext cx="5905144" cy="670282"/>
+          </a:xfrm>
+          <a:prstGeom prst="rightArrow">
+            <a:avLst/>
+          </a:prstGeom>
+          <a:solidFill>
+            <a:schemeClr val="accent4"/>
+          </a:solidFill>
+          <a:ln>
+            <a:solidFill>
+              <a:schemeClr val="tx1"/>
+            </a:solidFill>
+            <a:headEnd type="none" w="med" len="med"/>
+            <a:tailEnd type="none" w="med" len="med"/>
+          </a:ln>
+          <a:effectLst/>
+        </p:spPr>
+        <p:style>
+          <a:lnRef idx="1">
+            <a:schemeClr val="accent2"/>
+          </a:lnRef>
+          <a:fillRef idx="3">
+            <a:schemeClr val="accent2"/>
+          </a:fillRef>
+          <a:effectRef idx="2">
+            <a:schemeClr val="accent2"/>
+          </a:effectRef>
+          <a:fontRef idx="minor">
+            <a:schemeClr val="lt1"/>
+          </a:fontRef>
+        </p:style>
+        <p:txBody>
+          <a:bodyPr vert="horz" wrap="square" lIns="91436" tIns="45718" rIns="91436" bIns="45718" numCol="1" rtlCol="0" anchor="ctr" anchorCtr="0" compatLnSpc="1">
+            <a:prstTxWarp prst="textNoShape">
+              <a:avLst/>
+            </a:prstTxWarp>
+          </a:bodyPr>
+          <a:lstStyle/>
+          <a:p>
+            <a:pPr algn="ctr" defTabSz="914099" fontAlgn="base">
+              <a:spcBef>
+                <a:spcPct val="0"/>
+              </a:spcBef>
+              <a:spcAft>
+                <a:spcPct val="0"/>
+              </a:spcAft>
+            </a:pPr>
+            <a:r>
+              <a:rPr lang="en-US" sz="2200" dirty="0">
+                <a:gradFill>
+                  <a:gsLst>
+                    <a:gs pos="0">
+                      <a:srgbClr val="FFFFFF"/>
+                    </a:gs>
+                    <a:gs pos="100000">
+                      <a:srgbClr val="FFFFFF"/>
+                    </a:gs>
+                  </a:gsLst>
+                  <a:lin ang="5400000" scaled="0"/>
+                </a:gradFill>
+              </a:rPr>
+              <a:t>Got Data?</a:t>
+            </a:r>
+          </a:p>
+        </p:txBody>
+      </p:sp>
+      <p:sp>
+        <p:nvSpPr>
+          <p:cNvPr id="7" name="Right Arrow 6"/>
+          <p:cNvSpPr/>
+          <p:nvPr/>
+        </p:nvSpPr>
+        <p:spPr bwMode="auto">
+          <a:xfrm>
+            <a:off x="3330012" y="1942252"/>
+            <a:ext cx="5905144" cy="670282"/>
+          </a:xfrm>
+          <a:prstGeom prst="rightArrow">
+            <a:avLst/>
+          </a:prstGeom>
+          <a:solidFill>
+            <a:schemeClr val="accent4"/>
+          </a:solidFill>
+          <a:ln>
+            <a:solidFill>
+              <a:schemeClr val="tx1"/>
+            </a:solidFill>
+            <a:headEnd type="none" w="med" len="med"/>
+            <a:tailEnd type="none" w="med" len="med"/>
+          </a:ln>
+          <a:effectLst/>
+        </p:spPr>
+        <p:style>
+          <a:lnRef idx="1">
+            <a:schemeClr val="accent2"/>
+          </a:lnRef>
+          <a:fillRef idx="3">
+            <a:schemeClr val="accent2"/>
+          </a:fillRef>
+          <a:effectRef idx="2">
+            <a:schemeClr val="accent2"/>
+          </a:effectRef>
+          <a:fontRef idx="minor">
+            <a:schemeClr val="lt1"/>
+          </a:fontRef>
+        </p:style>
+        <p:txBody>
+          <a:bodyPr vert="horz" wrap="square" lIns="91436" tIns="45718" rIns="91436" bIns="45718" numCol="1" rtlCol="0" anchor="ctr" anchorCtr="0" compatLnSpc="1">
+            <a:prstTxWarp prst="textNoShape">
+              <a:avLst/>
+            </a:prstTxWarp>
+          </a:bodyPr>
+          <a:lstStyle/>
+          <a:p>
+            <a:pPr algn="ctr" defTabSz="914099" fontAlgn="base">
+              <a:spcBef>
+                <a:spcPct val="0"/>
+              </a:spcBef>
+              <a:spcAft>
+                <a:spcPct val="0"/>
+              </a:spcAft>
+            </a:pPr>
+            <a:r>
+              <a:rPr lang="en-US" sz="2200" dirty="0">
+                <a:gradFill>
+                  <a:gsLst>
+                    <a:gs pos="0">
+                      <a:srgbClr val="FFFFFF"/>
+                    </a:gs>
+                    <a:gs pos="100000">
+                      <a:srgbClr val="FFFFFF"/>
+                    </a:gs>
+                  </a:gsLst>
+                  <a:lin ang="5400000" scaled="0"/>
+                </a:gradFill>
+              </a:rPr>
+              <a:t>Got Data?</a:t>
+            </a:r>
+          </a:p>
+        </p:txBody>
+      </p:sp>
+      <p:sp>
+        <p:nvSpPr>
+          <p:cNvPr id="21" name="Right Arrow 20"/>
+          <p:cNvSpPr/>
+          <p:nvPr/>
+        </p:nvSpPr>
+        <p:spPr bwMode="auto">
+          <a:xfrm>
+            <a:off x="3330012" y="2366904"/>
+            <a:ext cx="5905144" cy="670282"/>
+          </a:xfrm>
+          <a:prstGeom prst="rightArrow">
+            <a:avLst/>
+          </a:prstGeom>
+          <a:solidFill>
+            <a:schemeClr val="accent4"/>
+          </a:solidFill>
+          <a:ln>
+            <a:solidFill>
+              <a:schemeClr val="tx1"/>
+            </a:solidFill>
+            <a:headEnd type="none" w="med" len="med"/>
+            <a:tailEnd type="none" w="med" len="med"/>
+          </a:ln>
+          <a:effectLst/>
+        </p:spPr>
+        <p:style>
+          <a:lnRef idx="1">
+            <a:schemeClr val="accent2"/>
+          </a:lnRef>
+          <a:fillRef idx="3">
+            <a:schemeClr val="accent2"/>
+          </a:fillRef>
+          <a:effectRef idx="2">
+            <a:schemeClr val="accent2"/>
+          </a:effectRef>
+          <a:fontRef idx="minor">
+            <a:schemeClr val="lt1"/>
+          </a:fontRef>
+        </p:style>
+        <p:txBody>
+          <a:bodyPr vert="horz" wrap="square" lIns="91436" tIns="45718" rIns="91436" bIns="45718" numCol="1" rtlCol="0" anchor="ctr" anchorCtr="0" compatLnSpc="1">
+            <a:prstTxWarp prst="textNoShape">
+              <a:avLst/>
+            </a:prstTxWarp>
+          </a:bodyPr>
+          <a:lstStyle/>
+          <a:p>
+            <a:pPr algn="ctr" defTabSz="914099" fontAlgn="base">
+              <a:spcBef>
+                <a:spcPct val="0"/>
+              </a:spcBef>
+              <a:spcAft>
+                <a:spcPct val="0"/>
+              </a:spcAft>
+            </a:pPr>
+            <a:r>
+              <a:rPr lang="en-US" sz="2200" dirty="0">
+                <a:gradFill>
+                  <a:gsLst>
+                    <a:gs pos="0">
+                      <a:srgbClr val="FFFFFF"/>
+                    </a:gs>
+                    <a:gs pos="100000">
+                      <a:srgbClr val="FFFFFF"/>
+                    </a:gs>
+                  </a:gsLst>
+                  <a:lin ang="5400000" scaled="0"/>
+                </a:gradFill>
+              </a:rPr>
+              <a:t>Got Data?</a:t>
+            </a:r>
+          </a:p>
+        </p:txBody>
+      </p:sp>
+      <p:sp>
+        <p:nvSpPr>
+          <p:cNvPr id="22" name="Right Arrow 21"/>
+          <p:cNvSpPr/>
+          <p:nvPr/>
+        </p:nvSpPr>
+        <p:spPr bwMode="auto">
+          <a:xfrm>
+            <a:off x="3330012" y="2776372"/>
+            <a:ext cx="5905144" cy="670282"/>
+          </a:xfrm>
+          <a:prstGeom prst="rightArrow">
+            <a:avLst/>
+          </a:prstGeom>
+          <a:solidFill>
+            <a:schemeClr val="accent4"/>
+          </a:solidFill>
+          <a:ln>
+            <a:solidFill>
+              <a:schemeClr val="tx1"/>
+            </a:solidFill>
+            <a:headEnd type="none" w="med" len="med"/>
+            <a:tailEnd type="none" w="med" len="med"/>
+          </a:ln>
+          <a:effectLst/>
+        </p:spPr>
+        <p:style>
+          <a:lnRef idx="1">
+            <a:schemeClr val="accent2"/>
+          </a:lnRef>
+          <a:fillRef idx="3">
+            <a:schemeClr val="accent2"/>
+          </a:fillRef>
+          <a:effectRef idx="2">
+            <a:schemeClr val="accent2"/>
+          </a:effectRef>
+          <a:fontRef idx="minor">
+            <a:schemeClr val="lt1"/>
+          </a:fontRef>
+        </p:style>
+        <p:txBody>
+          <a:bodyPr vert="horz" wrap="square" lIns="91436" tIns="45718" rIns="91436" bIns="45718" numCol="1" rtlCol="0" anchor="ctr" anchorCtr="0" compatLnSpc="1">
+            <a:prstTxWarp prst="textNoShape">
+              <a:avLst/>
+            </a:prstTxWarp>
+          </a:bodyPr>
+          <a:lstStyle/>
+          <a:p>
+            <a:pPr algn="ctr" defTabSz="914099" fontAlgn="base">
+              <a:spcBef>
+                <a:spcPct val="0"/>
+              </a:spcBef>
+              <a:spcAft>
+                <a:spcPct val="0"/>
+              </a:spcAft>
+            </a:pPr>
+            <a:r>
+              <a:rPr lang="en-US" sz="2200" dirty="0">
+                <a:gradFill>
+                  <a:gsLst>
+                    <a:gs pos="0">
+                      <a:srgbClr val="FFFFFF"/>
+                    </a:gs>
+                    <a:gs pos="100000">
+                      <a:srgbClr val="FFFFFF"/>
+                    </a:gs>
+                  </a:gsLst>
+                  <a:lin ang="5400000" scaled="0"/>
+                </a:gradFill>
+              </a:rPr>
+              <a:t>Got Data?</a:t>
+            </a:r>
+          </a:p>
+        </p:txBody>
+      </p:sp>
+      <p:sp>
+        <p:nvSpPr>
+          <p:cNvPr id="27" name="Right Arrow 26"/>
+          <p:cNvSpPr/>
+          <p:nvPr/>
+        </p:nvSpPr>
+        <p:spPr bwMode="auto">
+          <a:xfrm flipH="1">
+            <a:off x="3132909" y="3216208"/>
+            <a:ext cx="5905144" cy="670282"/>
+          </a:xfrm>
+          <a:prstGeom prst="rightArrow">
+            <a:avLst/>
+          </a:prstGeom>
+          <a:solidFill>
+            <a:schemeClr val="accent1"/>
+          </a:solidFill>
+          <a:ln>
+            <a:solidFill>
+              <a:schemeClr val="tx1"/>
+            </a:solidFill>
+            <a:headEnd type="none" w="med" len="med"/>
+            <a:tailEnd type="none" w="med" len="med"/>
+          </a:ln>
+          <a:effectLst/>
+        </p:spPr>
+        <p:style>
+          <a:lnRef idx="1">
+            <a:schemeClr val="accent2"/>
+          </a:lnRef>
+          <a:fillRef idx="3">
+            <a:schemeClr val="accent2"/>
+          </a:fillRef>
+          <a:effectRef idx="2">
+            <a:schemeClr val="accent2"/>
+          </a:effectRef>
+          <a:fontRef idx="minor">
+            <a:schemeClr val="lt1"/>
+          </a:fontRef>
+        </p:style>
+        <p:txBody>
+          <a:bodyPr vert="horz" wrap="square" lIns="91436" tIns="45718" rIns="91436" bIns="45718" numCol="1" rtlCol="0" anchor="ctr" anchorCtr="0" compatLnSpc="1">
+            <a:prstTxWarp prst="textNoShape">
+              <a:avLst/>
+            </a:prstTxWarp>
+          </a:bodyPr>
+          <a:lstStyle/>
+          <a:p>
+            <a:pPr algn="ctr" defTabSz="914099" fontAlgn="base">
+              <a:spcBef>
+                <a:spcPct val="0"/>
+              </a:spcBef>
+              <a:spcAft>
+                <a:spcPct val="0"/>
+              </a:spcAft>
+            </a:pPr>
+            <a:r>
+              <a:rPr lang="en-US" sz="2200" dirty="0">
+                <a:gradFill>
+                  <a:gsLst>
+                    <a:gs pos="0">
+                      <a:srgbClr val="FFFFFF"/>
+                    </a:gs>
+                    <a:gs pos="100000">
+                      <a:srgbClr val="FFFFFF"/>
+                    </a:gs>
+                  </a:gsLst>
+                  <a:lin ang="5400000" scaled="0"/>
+                </a:gradFill>
+              </a:rPr>
+              <a:t>Here’s some data!</a:t>
+            </a:r>
+          </a:p>
+        </p:txBody>
+      </p:sp>
+      <p:sp>
+        <p:nvSpPr>
+          <p:cNvPr id="28" name="Right Arrow 27"/>
+          <p:cNvSpPr/>
+          <p:nvPr/>
+        </p:nvSpPr>
+        <p:spPr bwMode="auto">
+          <a:xfrm>
+            <a:off x="3330012" y="3646135"/>
+            <a:ext cx="5905144" cy="670282"/>
+          </a:xfrm>
+          <a:prstGeom prst="rightArrow">
+            <a:avLst/>
+          </a:prstGeom>
+          <a:solidFill>
+            <a:schemeClr val="accent4"/>
+          </a:solidFill>
+          <a:ln>
+            <a:solidFill>
+              <a:schemeClr val="tx1"/>
+            </a:solidFill>
+            <a:headEnd type="none" w="med" len="med"/>
+            <a:tailEnd type="none" w="med" len="med"/>
+          </a:ln>
+          <a:effectLst/>
+        </p:spPr>
+        <p:style>
+          <a:lnRef idx="1">
+            <a:schemeClr val="accent2"/>
+          </a:lnRef>
+          <a:fillRef idx="3">
+            <a:schemeClr val="accent2"/>
+          </a:fillRef>
+          <a:effectRef idx="2">
+            <a:schemeClr val="accent2"/>
+          </a:effectRef>
+          <a:fontRef idx="minor">
+            <a:schemeClr val="lt1"/>
+          </a:fontRef>
+        </p:style>
+        <p:txBody>
+          <a:bodyPr vert="horz" wrap="square" lIns="91436" tIns="45718" rIns="91436" bIns="45718" numCol="1" rtlCol="0" anchor="ctr" anchorCtr="0" compatLnSpc="1">
+            <a:prstTxWarp prst="textNoShape">
+              <a:avLst/>
+            </a:prstTxWarp>
+          </a:bodyPr>
+          <a:lstStyle/>
+          <a:p>
+            <a:pPr algn="ctr" defTabSz="914099" fontAlgn="base">
+              <a:spcBef>
+                <a:spcPct val="0"/>
+              </a:spcBef>
+              <a:spcAft>
+                <a:spcPct val="0"/>
+              </a:spcAft>
+            </a:pPr>
+            <a:r>
+              <a:rPr lang="en-US" sz="2200" dirty="0">
+                <a:gradFill>
+                  <a:gsLst>
+                    <a:gs pos="0">
+                      <a:srgbClr val="FFFFFF"/>
+                    </a:gs>
+                    <a:gs pos="100000">
+                      <a:srgbClr val="FFFFFF"/>
+                    </a:gs>
+                  </a:gsLst>
+                  <a:lin ang="5400000" scaled="0"/>
+                </a:gradFill>
+              </a:rPr>
+              <a:t>Got Data?</a:t>
+            </a:r>
+          </a:p>
+        </p:txBody>
+      </p:sp>
+      <p:sp>
+        <p:nvSpPr>
+          <p:cNvPr id="29" name="Right Arrow 28"/>
+          <p:cNvSpPr/>
+          <p:nvPr/>
+        </p:nvSpPr>
+        <p:spPr bwMode="auto">
+          <a:xfrm>
+            <a:off x="3330012" y="4065512"/>
+            <a:ext cx="5905144" cy="670282"/>
+          </a:xfrm>
+          <a:prstGeom prst="rightArrow">
+            <a:avLst/>
+          </a:prstGeom>
+          <a:solidFill>
+            <a:schemeClr val="accent4"/>
+          </a:solidFill>
+          <a:ln>
+            <a:solidFill>
+              <a:schemeClr val="tx1"/>
+            </a:solidFill>
+            <a:headEnd type="none" w="med" len="med"/>
+            <a:tailEnd type="none" w="med" len="med"/>
+          </a:ln>
+          <a:effectLst/>
+        </p:spPr>
+        <p:style>
+          <a:lnRef idx="1">
+            <a:schemeClr val="accent2"/>
+          </a:lnRef>
+          <a:fillRef idx="3">
+            <a:schemeClr val="accent2"/>
+          </a:fillRef>
+          <a:effectRef idx="2">
+            <a:schemeClr val="accent2"/>
+          </a:effectRef>
+          <a:fontRef idx="minor">
+            <a:schemeClr val="lt1"/>
+          </a:fontRef>
+        </p:style>
+        <p:txBody>
+          <a:bodyPr vert="horz" wrap="square" lIns="91436" tIns="45718" rIns="91436" bIns="45718" numCol="1" rtlCol="0" anchor="ctr" anchorCtr="0" compatLnSpc="1">
+            <a:prstTxWarp prst="textNoShape">
+              <a:avLst/>
+            </a:prstTxWarp>
+          </a:bodyPr>
+          <a:lstStyle/>
+          <a:p>
+            <a:pPr algn="ctr" defTabSz="914099" fontAlgn="base">
+              <a:spcBef>
+                <a:spcPct val="0"/>
+              </a:spcBef>
+              <a:spcAft>
+                <a:spcPct val="0"/>
+              </a:spcAft>
+            </a:pPr>
+            <a:r>
+              <a:rPr lang="en-US" sz="2200" dirty="0">
+                <a:gradFill>
+                  <a:gsLst>
+                    <a:gs pos="0">
+                      <a:srgbClr val="FFFFFF"/>
+                    </a:gs>
+                    <a:gs pos="100000">
+                      <a:srgbClr val="FFFFFF"/>
+                    </a:gs>
+                  </a:gsLst>
+                  <a:lin ang="5400000" scaled="0"/>
+                </a:gradFill>
+              </a:rPr>
+              <a:t>Got Data?</a:t>
+            </a:r>
+          </a:p>
+        </p:txBody>
+      </p:sp>
+      <p:sp>
+        <p:nvSpPr>
+          <p:cNvPr id="30" name="Right Arrow 29"/>
+          <p:cNvSpPr/>
+          <p:nvPr/>
+        </p:nvSpPr>
+        <p:spPr bwMode="auto">
+          <a:xfrm>
+            <a:off x="3330012" y="4484889"/>
+            <a:ext cx="5905144" cy="670282"/>
+          </a:xfrm>
+          <a:prstGeom prst="rightArrow">
+            <a:avLst/>
+          </a:prstGeom>
+          <a:solidFill>
+            <a:schemeClr val="accent4"/>
+          </a:solidFill>
+          <a:ln>
+            <a:solidFill>
+              <a:schemeClr val="tx1"/>
+            </a:solidFill>
+            <a:headEnd type="none" w="med" len="med"/>
+            <a:tailEnd type="none" w="med" len="med"/>
+          </a:ln>
+          <a:effectLst/>
+        </p:spPr>
+        <p:style>
+          <a:lnRef idx="1">
+            <a:schemeClr val="accent2"/>
+          </a:lnRef>
+          <a:fillRef idx="3">
+            <a:schemeClr val="accent2"/>
+          </a:fillRef>
+          <a:effectRef idx="2">
+            <a:schemeClr val="accent2"/>
+          </a:effectRef>
+          <a:fontRef idx="minor">
+            <a:schemeClr val="lt1"/>
+          </a:fontRef>
+        </p:style>
+        <p:txBody>
+          <a:bodyPr vert="horz" wrap="square" lIns="91436" tIns="45718" rIns="91436" bIns="45718" numCol="1" rtlCol="0" anchor="ctr" anchorCtr="0" compatLnSpc="1">
+            <a:prstTxWarp prst="textNoShape">
+              <a:avLst/>
+            </a:prstTxWarp>
+          </a:bodyPr>
+          <a:lstStyle/>
+          <a:p>
+            <a:pPr algn="ctr" defTabSz="914099" fontAlgn="base">
+              <a:spcBef>
+                <a:spcPct val="0"/>
+              </a:spcBef>
+              <a:spcAft>
+                <a:spcPct val="0"/>
+              </a:spcAft>
+            </a:pPr>
+            <a:r>
+              <a:rPr lang="en-US" sz="2200" dirty="0">
+                <a:gradFill>
+                  <a:gsLst>
+                    <a:gs pos="0">
+                      <a:srgbClr val="FFFFFF"/>
+                    </a:gs>
+                    <a:gs pos="100000">
+                      <a:srgbClr val="FFFFFF"/>
+                    </a:gs>
+                  </a:gsLst>
+                  <a:lin ang="5400000" scaled="0"/>
+                </a:gradFill>
+              </a:rPr>
+              <a:t>Got Data?</a:t>
+            </a:r>
+          </a:p>
+        </p:txBody>
+      </p:sp>
+      <p:sp>
+        <p:nvSpPr>
+          <p:cNvPr id="31" name="Right Arrow 30"/>
+          <p:cNvSpPr/>
+          <p:nvPr/>
+        </p:nvSpPr>
+        <p:spPr bwMode="auto">
+          <a:xfrm>
+            <a:off x="3330012" y="4914816"/>
+            <a:ext cx="5905144" cy="670282"/>
+          </a:xfrm>
+          <a:prstGeom prst="rightArrow">
+            <a:avLst/>
+          </a:prstGeom>
+          <a:solidFill>
+            <a:schemeClr val="accent4"/>
+          </a:solidFill>
+          <a:ln>
+            <a:solidFill>
+              <a:schemeClr val="tx1"/>
+            </a:solidFill>
+            <a:headEnd type="none" w="med" len="med"/>
+            <a:tailEnd type="none" w="med" len="med"/>
+          </a:ln>
+          <a:effectLst/>
+        </p:spPr>
+        <p:style>
+          <a:lnRef idx="1">
+            <a:schemeClr val="accent2"/>
+          </a:lnRef>
+          <a:fillRef idx="3">
+            <a:schemeClr val="accent2"/>
+          </a:fillRef>
+          <a:effectRef idx="2">
+            <a:schemeClr val="accent2"/>
+          </a:effectRef>
+          <a:fontRef idx="minor">
+            <a:schemeClr val="lt1"/>
+          </a:fontRef>
+        </p:style>
+        <p:txBody>
+          <a:bodyPr vert="horz" wrap="square" lIns="91436" tIns="45718" rIns="91436" bIns="45718" numCol="1" rtlCol="0" anchor="ctr" anchorCtr="0" compatLnSpc="1">
+            <a:prstTxWarp prst="textNoShape">
+              <a:avLst/>
+            </a:prstTxWarp>
+          </a:bodyPr>
+          <a:lstStyle/>
+          <a:p>
+            <a:pPr algn="ctr" defTabSz="914099" fontAlgn="base">
+              <a:spcBef>
+                <a:spcPct val="0"/>
+              </a:spcBef>
+              <a:spcAft>
+                <a:spcPct val="0"/>
+              </a:spcAft>
+            </a:pPr>
+            <a:r>
+              <a:rPr lang="en-US" sz="2200" dirty="0">
+                <a:gradFill>
+                  <a:gsLst>
+                    <a:gs pos="0">
+                      <a:srgbClr val="FFFFFF"/>
+                    </a:gs>
+                    <a:gs pos="100000">
+                      <a:srgbClr val="FFFFFF"/>
+                    </a:gs>
+                  </a:gsLst>
+                  <a:lin ang="5400000" scaled="0"/>
+                </a:gradFill>
+              </a:rPr>
+              <a:t>Got Data?</a:t>
+            </a:r>
+          </a:p>
+        </p:txBody>
+      </p:sp>
+      <p:sp>
+        <p:nvSpPr>
+          <p:cNvPr id="13" name="Title 3"/>
           <p:cNvSpPr>
             <a:spLocks noGrp="1"/>
           </p:cNvSpPr>
@@ -17553,87 +19591,855 @@
         </p:nvSpPr>
         <p:spPr/>
         <p:txBody>
-          <a:bodyPr/>
+          <a:bodyPr>
+            <a:normAutofit/>
+          </a:bodyPr>
           <a:lstStyle/>
           <a:p>
             <a:r>
-              <a:rPr lang="en-US" dirty="0" smtClean="0"/>
-              <a:t>Socket I.O Messages</a:t>
-            </a:r>
-            <a:endParaRPr lang="en-US" dirty="0"/>
-          </a:p>
-        </p:txBody>
-      </p:sp>
-      <p:sp>
-        <p:nvSpPr>
-          <p:cNvPr id="3" name="Content Placeholder 2"/>
-          <p:cNvSpPr>
-            <a:spLocks noGrp="1"/>
-          </p:cNvSpPr>
-          <p:nvPr>
-            <p:ph idx="1"/>
-          </p:nvPr>
-        </p:nvSpPr>
-        <p:spPr/>
-        <p:txBody>
-          <a:bodyPr/>
-          <a:lstStyle/>
-          <a:p>
-            <a:r>
-              <a:rPr lang="en-US" dirty="0" smtClean="0"/>
-              <a:t>Clients subscribe to channels/namespaces</a:t>
-            </a:r>
-            <a:endParaRPr lang="en-US" dirty="0"/>
-          </a:p>
-          <a:p>
-            <a:r>
-              <a:rPr lang="en-US" dirty="0" smtClean="0"/>
-              <a:t>Can send a variety of data types to multiple clients</a:t>
-            </a:r>
-          </a:p>
-          <a:p>
-            <a:r>
-              <a:rPr lang="en-US" dirty="0" err="1" smtClean="0"/>
-              <a:t>Realtime</a:t>
-            </a:r>
-            <a:endParaRPr lang="en-US" dirty="0" smtClean="0"/>
-          </a:p>
-          <a:p>
-            <a:r>
-              <a:rPr lang="en-US" dirty="0" smtClean="0"/>
-              <a:t>Binary Streaming – think video, images </a:t>
-            </a:r>
-          </a:p>
-          <a:p>
-            <a:pPr marL="0" indent="0">
-              <a:buNone/>
-            </a:pPr>
-            <a:endParaRPr lang="en-US" dirty="0"/>
+              <a:rPr lang="en-US" dirty="0" smtClean="0">
+                <a:solidFill>
+                  <a:schemeClr val="tx1"/>
+                </a:solidFill>
+              </a:rPr>
+              <a:t>Without real-time</a:t>
+            </a:r>
+            <a:endParaRPr lang="en-US" dirty="0">
+              <a:solidFill>
+                <a:schemeClr val="tx1"/>
+              </a:solidFill>
+            </a:endParaRPr>
           </a:p>
         </p:txBody>
       </p:sp>
     </p:spTree>
     <p:extLst>
       <p:ext uri="{BB962C8B-B14F-4D97-AF65-F5344CB8AC3E}">
-        <p14:creationId xmlns:p14="http://schemas.microsoft.com/office/powerpoint/2010/main" val="3719471793"/>
+        <p14:creationId xmlns:p14="http://schemas.microsoft.com/office/powerpoint/2010/main" val="4229915776"/>
       </p:ext>
     </p:extLst>
   </p:cSld>
   <p:clrMapOvr>
     <a:masterClrMapping/>
   </p:clrMapOvr>
-  <mc:AlternateContent xmlns:mc="http://schemas.openxmlformats.org/markup-compatibility/2006" xmlns:p14="http://schemas.microsoft.com/office/powerpoint/2010/main">
-    <mc:Choice Requires="p14">
+  <mc:AlternateContent xmlns:mc="http://schemas.openxmlformats.org/markup-compatibility/2006">
+    <mc:Choice xmlns:p14="http://schemas.microsoft.com/office/powerpoint/2010/main" Requires="p14">
       <p:transition spd="med" p14:dur="700">
         <p:fade/>
       </p:transition>
     </mc:Choice>
-    <mc:Fallback xmlns="">
+    <mc:Fallback>
       <p:transition spd="med">
         <p:fade/>
       </p:transition>
     </mc:Fallback>
   </mc:AlternateContent>
+  <p:timing>
+    <p:tnLst>
+      <p:par>
+        <p:cTn id="1" dur="indefinite" restart="never" nodeType="tmRoot">
+          <p:childTnLst>
+            <p:seq concurrent="1" nextAc="seek">
+              <p:cTn id="2" dur="indefinite" nodeType="mainSeq">
+                <p:childTnLst>
+                  <p:par>
+                    <p:cTn id="3" fill="hold">
+                      <p:stCondLst>
+                        <p:cond delay="indefinite"/>
+                      </p:stCondLst>
+                      <p:childTnLst>
+                        <p:par>
+                          <p:cTn id="4" fill="hold">
+                            <p:stCondLst>
+                              <p:cond delay="0"/>
+                            </p:stCondLst>
+                            <p:childTnLst>
+                              <p:par>
+                                <p:cTn id="5" presetID="2" presetClass="entr" presetSubtype="8" fill="hold" grpId="0" nodeType="clickEffect">
+                                  <p:stCondLst>
+                                    <p:cond delay="0"/>
+                                  </p:stCondLst>
+                                  <p:childTnLst>
+                                    <p:set>
+                                      <p:cBhvr>
+                                        <p:cTn id="6" dur="1" fill="hold">
+                                          <p:stCondLst>
+                                            <p:cond delay="0"/>
+                                          </p:stCondLst>
+                                        </p:cTn>
+                                        <p:tgtEl>
+                                          <p:spTgt spid="6"/>
+                                        </p:tgtEl>
+                                        <p:attrNameLst>
+                                          <p:attrName>style.visibility</p:attrName>
+                                        </p:attrNameLst>
+                                      </p:cBhvr>
+                                      <p:to>
+                                        <p:strVal val="visible"/>
+                                      </p:to>
+                                    </p:set>
+                                    <p:anim calcmode="lin" valueType="num">
+                                      <p:cBhvr additive="base">
+                                        <p:cTn id="7" dur="400" fill="hold"/>
+                                        <p:tgtEl>
+                                          <p:spTgt spid="6"/>
+                                        </p:tgtEl>
+                                        <p:attrNameLst>
+                                          <p:attrName>ppt_x</p:attrName>
+                                        </p:attrNameLst>
+                                      </p:cBhvr>
+                                      <p:tavLst>
+                                        <p:tav tm="0">
+                                          <p:val>
+                                            <p:strVal val="0-#ppt_w/2"/>
+                                          </p:val>
+                                        </p:tav>
+                                        <p:tav tm="100000">
+                                          <p:val>
+                                            <p:strVal val="#ppt_x"/>
+                                          </p:val>
+                                        </p:tav>
+                                      </p:tavLst>
+                                    </p:anim>
+                                    <p:anim calcmode="lin" valueType="num">
+                                      <p:cBhvr additive="base">
+                                        <p:cTn id="8" dur="400" fill="hold"/>
+                                        <p:tgtEl>
+                                          <p:spTgt spid="6"/>
+                                        </p:tgtEl>
+                                        <p:attrNameLst>
+                                          <p:attrName>ppt_y</p:attrName>
+                                        </p:attrNameLst>
+                                      </p:cBhvr>
+                                      <p:tavLst>
+                                        <p:tav tm="0">
+                                          <p:val>
+                                            <p:strVal val="#ppt_y"/>
+                                          </p:val>
+                                        </p:tav>
+                                        <p:tav tm="100000">
+                                          <p:val>
+                                            <p:strVal val="#ppt_y"/>
+                                          </p:val>
+                                        </p:tav>
+                                      </p:tavLst>
+                                    </p:anim>
+                                  </p:childTnLst>
+                                </p:cTn>
+                              </p:par>
+                            </p:childTnLst>
+                          </p:cTn>
+                        </p:par>
+                        <p:par>
+                          <p:cTn id="9" fill="hold">
+                            <p:stCondLst>
+                              <p:cond delay="400"/>
+                            </p:stCondLst>
+                            <p:childTnLst>
+                              <p:par>
+                                <p:cTn id="10" presetID="2" presetClass="entr" presetSubtype="8" fill="hold" grpId="0" nodeType="afterEffect">
+                                  <p:stCondLst>
+                                    <p:cond delay="0"/>
+                                  </p:stCondLst>
+                                  <p:childTnLst>
+                                    <p:set>
+                                      <p:cBhvr>
+                                        <p:cTn id="11" dur="1" fill="hold">
+                                          <p:stCondLst>
+                                            <p:cond delay="0"/>
+                                          </p:stCondLst>
+                                        </p:cTn>
+                                        <p:tgtEl>
+                                          <p:spTgt spid="7"/>
+                                        </p:tgtEl>
+                                        <p:attrNameLst>
+                                          <p:attrName>style.visibility</p:attrName>
+                                        </p:attrNameLst>
+                                      </p:cBhvr>
+                                      <p:to>
+                                        <p:strVal val="visible"/>
+                                      </p:to>
+                                    </p:set>
+                                    <p:anim calcmode="lin" valueType="num">
+                                      <p:cBhvr additive="base">
+                                        <p:cTn id="12" dur="400" fill="hold"/>
+                                        <p:tgtEl>
+                                          <p:spTgt spid="7"/>
+                                        </p:tgtEl>
+                                        <p:attrNameLst>
+                                          <p:attrName>ppt_x</p:attrName>
+                                        </p:attrNameLst>
+                                      </p:cBhvr>
+                                      <p:tavLst>
+                                        <p:tav tm="0">
+                                          <p:val>
+                                            <p:strVal val="0-#ppt_w/2"/>
+                                          </p:val>
+                                        </p:tav>
+                                        <p:tav tm="100000">
+                                          <p:val>
+                                            <p:strVal val="#ppt_x"/>
+                                          </p:val>
+                                        </p:tav>
+                                      </p:tavLst>
+                                    </p:anim>
+                                    <p:anim calcmode="lin" valueType="num">
+                                      <p:cBhvr additive="base">
+                                        <p:cTn id="13" dur="400" fill="hold"/>
+                                        <p:tgtEl>
+                                          <p:spTgt spid="7"/>
+                                        </p:tgtEl>
+                                        <p:attrNameLst>
+                                          <p:attrName>ppt_y</p:attrName>
+                                        </p:attrNameLst>
+                                      </p:cBhvr>
+                                      <p:tavLst>
+                                        <p:tav tm="0">
+                                          <p:val>
+                                            <p:strVal val="#ppt_y"/>
+                                          </p:val>
+                                        </p:tav>
+                                        <p:tav tm="100000">
+                                          <p:val>
+                                            <p:strVal val="#ppt_y"/>
+                                          </p:val>
+                                        </p:tav>
+                                      </p:tavLst>
+                                    </p:anim>
+                                  </p:childTnLst>
+                                </p:cTn>
+                              </p:par>
+                            </p:childTnLst>
+                          </p:cTn>
+                        </p:par>
+                        <p:par>
+                          <p:cTn id="14" fill="hold">
+                            <p:stCondLst>
+                              <p:cond delay="800"/>
+                            </p:stCondLst>
+                            <p:childTnLst>
+                              <p:par>
+                                <p:cTn id="15" presetID="2" presetClass="entr" presetSubtype="8" fill="hold" grpId="0" nodeType="afterEffect">
+                                  <p:stCondLst>
+                                    <p:cond delay="0"/>
+                                  </p:stCondLst>
+                                  <p:childTnLst>
+                                    <p:set>
+                                      <p:cBhvr>
+                                        <p:cTn id="16" dur="1" fill="hold">
+                                          <p:stCondLst>
+                                            <p:cond delay="0"/>
+                                          </p:stCondLst>
+                                        </p:cTn>
+                                        <p:tgtEl>
+                                          <p:spTgt spid="21"/>
+                                        </p:tgtEl>
+                                        <p:attrNameLst>
+                                          <p:attrName>style.visibility</p:attrName>
+                                        </p:attrNameLst>
+                                      </p:cBhvr>
+                                      <p:to>
+                                        <p:strVal val="visible"/>
+                                      </p:to>
+                                    </p:set>
+                                    <p:anim calcmode="lin" valueType="num">
+                                      <p:cBhvr additive="base">
+                                        <p:cTn id="17" dur="400" fill="hold"/>
+                                        <p:tgtEl>
+                                          <p:spTgt spid="21"/>
+                                        </p:tgtEl>
+                                        <p:attrNameLst>
+                                          <p:attrName>ppt_x</p:attrName>
+                                        </p:attrNameLst>
+                                      </p:cBhvr>
+                                      <p:tavLst>
+                                        <p:tav tm="0">
+                                          <p:val>
+                                            <p:strVal val="0-#ppt_w/2"/>
+                                          </p:val>
+                                        </p:tav>
+                                        <p:tav tm="100000">
+                                          <p:val>
+                                            <p:strVal val="#ppt_x"/>
+                                          </p:val>
+                                        </p:tav>
+                                      </p:tavLst>
+                                    </p:anim>
+                                    <p:anim calcmode="lin" valueType="num">
+                                      <p:cBhvr additive="base">
+                                        <p:cTn id="18" dur="400" fill="hold"/>
+                                        <p:tgtEl>
+                                          <p:spTgt spid="21"/>
+                                        </p:tgtEl>
+                                        <p:attrNameLst>
+                                          <p:attrName>ppt_y</p:attrName>
+                                        </p:attrNameLst>
+                                      </p:cBhvr>
+                                      <p:tavLst>
+                                        <p:tav tm="0">
+                                          <p:val>
+                                            <p:strVal val="#ppt_y"/>
+                                          </p:val>
+                                        </p:tav>
+                                        <p:tav tm="100000">
+                                          <p:val>
+                                            <p:strVal val="#ppt_y"/>
+                                          </p:val>
+                                        </p:tav>
+                                      </p:tavLst>
+                                    </p:anim>
+                                  </p:childTnLst>
+                                </p:cTn>
+                              </p:par>
+                            </p:childTnLst>
+                          </p:cTn>
+                        </p:par>
+                        <p:par>
+                          <p:cTn id="19" fill="hold">
+                            <p:stCondLst>
+                              <p:cond delay="1200"/>
+                            </p:stCondLst>
+                            <p:childTnLst>
+                              <p:par>
+                                <p:cTn id="20" presetID="2" presetClass="entr" presetSubtype="8" fill="hold" grpId="0" nodeType="afterEffect">
+                                  <p:stCondLst>
+                                    <p:cond delay="0"/>
+                                  </p:stCondLst>
+                                  <p:childTnLst>
+                                    <p:set>
+                                      <p:cBhvr>
+                                        <p:cTn id="21" dur="1" fill="hold">
+                                          <p:stCondLst>
+                                            <p:cond delay="0"/>
+                                          </p:stCondLst>
+                                        </p:cTn>
+                                        <p:tgtEl>
+                                          <p:spTgt spid="22"/>
+                                        </p:tgtEl>
+                                        <p:attrNameLst>
+                                          <p:attrName>style.visibility</p:attrName>
+                                        </p:attrNameLst>
+                                      </p:cBhvr>
+                                      <p:to>
+                                        <p:strVal val="visible"/>
+                                      </p:to>
+                                    </p:set>
+                                    <p:anim calcmode="lin" valueType="num">
+                                      <p:cBhvr additive="base">
+                                        <p:cTn id="22" dur="400" fill="hold"/>
+                                        <p:tgtEl>
+                                          <p:spTgt spid="22"/>
+                                        </p:tgtEl>
+                                        <p:attrNameLst>
+                                          <p:attrName>ppt_x</p:attrName>
+                                        </p:attrNameLst>
+                                      </p:cBhvr>
+                                      <p:tavLst>
+                                        <p:tav tm="0">
+                                          <p:val>
+                                            <p:strVal val="0-#ppt_w/2"/>
+                                          </p:val>
+                                        </p:tav>
+                                        <p:tav tm="100000">
+                                          <p:val>
+                                            <p:strVal val="#ppt_x"/>
+                                          </p:val>
+                                        </p:tav>
+                                      </p:tavLst>
+                                    </p:anim>
+                                    <p:anim calcmode="lin" valueType="num">
+                                      <p:cBhvr additive="base">
+                                        <p:cTn id="23" dur="400" fill="hold"/>
+                                        <p:tgtEl>
+                                          <p:spTgt spid="22"/>
+                                        </p:tgtEl>
+                                        <p:attrNameLst>
+                                          <p:attrName>ppt_y</p:attrName>
+                                        </p:attrNameLst>
+                                      </p:cBhvr>
+                                      <p:tavLst>
+                                        <p:tav tm="0">
+                                          <p:val>
+                                            <p:strVal val="#ppt_y"/>
+                                          </p:val>
+                                        </p:tav>
+                                        <p:tav tm="100000">
+                                          <p:val>
+                                            <p:strVal val="#ppt_y"/>
+                                          </p:val>
+                                        </p:tav>
+                                      </p:tavLst>
+                                    </p:anim>
+                                  </p:childTnLst>
+                                </p:cTn>
+                              </p:par>
+                            </p:childTnLst>
+                          </p:cTn>
+                        </p:par>
+                      </p:childTnLst>
+                    </p:cTn>
+                  </p:par>
+                  <p:par>
+                    <p:cTn id="24" fill="hold">
+                      <p:stCondLst>
+                        <p:cond delay="indefinite"/>
+                      </p:stCondLst>
+                      <p:childTnLst>
+                        <p:par>
+                          <p:cTn id="25" fill="hold">
+                            <p:stCondLst>
+                              <p:cond delay="0"/>
+                            </p:stCondLst>
+                            <p:childTnLst>
+                              <p:par>
+                                <p:cTn id="26" presetID="2" presetClass="entr" presetSubtype="2" fill="hold" grpId="0" nodeType="clickEffect">
+                                  <p:stCondLst>
+                                    <p:cond delay="0"/>
+                                  </p:stCondLst>
+                                  <p:childTnLst>
+                                    <p:set>
+                                      <p:cBhvr>
+                                        <p:cTn id="27" dur="1" fill="hold">
+                                          <p:stCondLst>
+                                            <p:cond delay="0"/>
+                                          </p:stCondLst>
+                                        </p:cTn>
+                                        <p:tgtEl>
+                                          <p:spTgt spid="27"/>
+                                        </p:tgtEl>
+                                        <p:attrNameLst>
+                                          <p:attrName>style.visibility</p:attrName>
+                                        </p:attrNameLst>
+                                      </p:cBhvr>
+                                      <p:to>
+                                        <p:strVal val="visible"/>
+                                      </p:to>
+                                    </p:set>
+                                    <p:anim calcmode="lin" valueType="num">
+                                      <p:cBhvr additive="base">
+                                        <p:cTn id="28" dur="400" fill="hold"/>
+                                        <p:tgtEl>
+                                          <p:spTgt spid="27"/>
+                                        </p:tgtEl>
+                                        <p:attrNameLst>
+                                          <p:attrName>ppt_x</p:attrName>
+                                        </p:attrNameLst>
+                                      </p:cBhvr>
+                                      <p:tavLst>
+                                        <p:tav tm="0">
+                                          <p:val>
+                                            <p:strVal val="1+#ppt_w/2"/>
+                                          </p:val>
+                                        </p:tav>
+                                        <p:tav tm="100000">
+                                          <p:val>
+                                            <p:strVal val="#ppt_x"/>
+                                          </p:val>
+                                        </p:tav>
+                                      </p:tavLst>
+                                    </p:anim>
+                                    <p:anim calcmode="lin" valueType="num">
+                                      <p:cBhvr additive="base">
+                                        <p:cTn id="29" dur="400" fill="hold"/>
+                                        <p:tgtEl>
+                                          <p:spTgt spid="27"/>
+                                        </p:tgtEl>
+                                        <p:attrNameLst>
+                                          <p:attrName>ppt_y</p:attrName>
+                                        </p:attrNameLst>
+                                      </p:cBhvr>
+                                      <p:tavLst>
+                                        <p:tav tm="0">
+                                          <p:val>
+                                            <p:strVal val="#ppt_y"/>
+                                          </p:val>
+                                        </p:tav>
+                                        <p:tav tm="100000">
+                                          <p:val>
+                                            <p:strVal val="#ppt_y"/>
+                                          </p:val>
+                                        </p:tav>
+                                      </p:tavLst>
+                                    </p:anim>
+                                  </p:childTnLst>
+                                </p:cTn>
+                              </p:par>
+                            </p:childTnLst>
+                          </p:cTn>
+                        </p:par>
+                      </p:childTnLst>
+                    </p:cTn>
+                  </p:par>
+                  <p:par>
+                    <p:cTn id="30" fill="hold">
+                      <p:stCondLst>
+                        <p:cond delay="indefinite"/>
+                      </p:stCondLst>
+                      <p:childTnLst>
+                        <p:par>
+                          <p:cTn id="31" fill="hold">
+                            <p:stCondLst>
+                              <p:cond delay="0"/>
+                            </p:stCondLst>
+                            <p:childTnLst>
+                              <p:par>
+                                <p:cTn id="32" presetID="2" presetClass="entr" presetSubtype="8" fill="hold" grpId="0" nodeType="clickEffect">
+                                  <p:stCondLst>
+                                    <p:cond delay="0"/>
+                                  </p:stCondLst>
+                                  <p:childTnLst>
+                                    <p:set>
+                                      <p:cBhvr>
+                                        <p:cTn id="33" dur="1" fill="hold">
+                                          <p:stCondLst>
+                                            <p:cond delay="0"/>
+                                          </p:stCondLst>
+                                        </p:cTn>
+                                        <p:tgtEl>
+                                          <p:spTgt spid="28"/>
+                                        </p:tgtEl>
+                                        <p:attrNameLst>
+                                          <p:attrName>style.visibility</p:attrName>
+                                        </p:attrNameLst>
+                                      </p:cBhvr>
+                                      <p:to>
+                                        <p:strVal val="visible"/>
+                                      </p:to>
+                                    </p:set>
+                                    <p:anim calcmode="lin" valueType="num">
+                                      <p:cBhvr additive="base">
+                                        <p:cTn id="34" dur="400" fill="hold"/>
+                                        <p:tgtEl>
+                                          <p:spTgt spid="28"/>
+                                        </p:tgtEl>
+                                        <p:attrNameLst>
+                                          <p:attrName>ppt_x</p:attrName>
+                                        </p:attrNameLst>
+                                      </p:cBhvr>
+                                      <p:tavLst>
+                                        <p:tav tm="0">
+                                          <p:val>
+                                            <p:strVal val="0-#ppt_w/2"/>
+                                          </p:val>
+                                        </p:tav>
+                                        <p:tav tm="100000">
+                                          <p:val>
+                                            <p:strVal val="#ppt_x"/>
+                                          </p:val>
+                                        </p:tav>
+                                      </p:tavLst>
+                                    </p:anim>
+                                    <p:anim calcmode="lin" valueType="num">
+                                      <p:cBhvr additive="base">
+                                        <p:cTn id="35" dur="400" fill="hold"/>
+                                        <p:tgtEl>
+                                          <p:spTgt spid="28"/>
+                                        </p:tgtEl>
+                                        <p:attrNameLst>
+                                          <p:attrName>ppt_y</p:attrName>
+                                        </p:attrNameLst>
+                                      </p:cBhvr>
+                                      <p:tavLst>
+                                        <p:tav tm="0">
+                                          <p:val>
+                                            <p:strVal val="#ppt_y"/>
+                                          </p:val>
+                                        </p:tav>
+                                        <p:tav tm="100000">
+                                          <p:val>
+                                            <p:strVal val="#ppt_y"/>
+                                          </p:val>
+                                        </p:tav>
+                                      </p:tavLst>
+                                    </p:anim>
+                                  </p:childTnLst>
+                                </p:cTn>
+                              </p:par>
+                            </p:childTnLst>
+                          </p:cTn>
+                        </p:par>
+                        <p:par>
+                          <p:cTn id="36" fill="hold">
+                            <p:stCondLst>
+                              <p:cond delay="400"/>
+                            </p:stCondLst>
+                            <p:childTnLst>
+                              <p:par>
+                                <p:cTn id="37" presetID="2" presetClass="entr" presetSubtype="8" fill="hold" grpId="0" nodeType="afterEffect">
+                                  <p:stCondLst>
+                                    <p:cond delay="0"/>
+                                  </p:stCondLst>
+                                  <p:childTnLst>
+                                    <p:set>
+                                      <p:cBhvr>
+                                        <p:cTn id="38" dur="1" fill="hold">
+                                          <p:stCondLst>
+                                            <p:cond delay="0"/>
+                                          </p:stCondLst>
+                                        </p:cTn>
+                                        <p:tgtEl>
+                                          <p:spTgt spid="29"/>
+                                        </p:tgtEl>
+                                        <p:attrNameLst>
+                                          <p:attrName>style.visibility</p:attrName>
+                                        </p:attrNameLst>
+                                      </p:cBhvr>
+                                      <p:to>
+                                        <p:strVal val="visible"/>
+                                      </p:to>
+                                    </p:set>
+                                    <p:anim calcmode="lin" valueType="num">
+                                      <p:cBhvr additive="base">
+                                        <p:cTn id="39" dur="400" fill="hold"/>
+                                        <p:tgtEl>
+                                          <p:spTgt spid="29"/>
+                                        </p:tgtEl>
+                                        <p:attrNameLst>
+                                          <p:attrName>ppt_x</p:attrName>
+                                        </p:attrNameLst>
+                                      </p:cBhvr>
+                                      <p:tavLst>
+                                        <p:tav tm="0">
+                                          <p:val>
+                                            <p:strVal val="0-#ppt_w/2"/>
+                                          </p:val>
+                                        </p:tav>
+                                        <p:tav tm="100000">
+                                          <p:val>
+                                            <p:strVal val="#ppt_x"/>
+                                          </p:val>
+                                        </p:tav>
+                                      </p:tavLst>
+                                    </p:anim>
+                                    <p:anim calcmode="lin" valueType="num">
+                                      <p:cBhvr additive="base">
+                                        <p:cTn id="40" dur="400" fill="hold"/>
+                                        <p:tgtEl>
+                                          <p:spTgt spid="29"/>
+                                        </p:tgtEl>
+                                        <p:attrNameLst>
+                                          <p:attrName>ppt_y</p:attrName>
+                                        </p:attrNameLst>
+                                      </p:cBhvr>
+                                      <p:tavLst>
+                                        <p:tav tm="0">
+                                          <p:val>
+                                            <p:strVal val="#ppt_y"/>
+                                          </p:val>
+                                        </p:tav>
+                                        <p:tav tm="100000">
+                                          <p:val>
+                                            <p:strVal val="#ppt_y"/>
+                                          </p:val>
+                                        </p:tav>
+                                      </p:tavLst>
+                                    </p:anim>
+                                  </p:childTnLst>
+                                </p:cTn>
+                              </p:par>
+                            </p:childTnLst>
+                          </p:cTn>
+                        </p:par>
+                        <p:par>
+                          <p:cTn id="41" fill="hold">
+                            <p:stCondLst>
+                              <p:cond delay="800"/>
+                            </p:stCondLst>
+                            <p:childTnLst>
+                              <p:par>
+                                <p:cTn id="42" presetID="2" presetClass="entr" presetSubtype="8" fill="hold" grpId="0" nodeType="afterEffect">
+                                  <p:stCondLst>
+                                    <p:cond delay="0"/>
+                                  </p:stCondLst>
+                                  <p:childTnLst>
+                                    <p:set>
+                                      <p:cBhvr>
+                                        <p:cTn id="43" dur="1" fill="hold">
+                                          <p:stCondLst>
+                                            <p:cond delay="0"/>
+                                          </p:stCondLst>
+                                        </p:cTn>
+                                        <p:tgtEl>
+                                          <p:spTgt spid="30"/>
+                                        </p:tgtEl>
+                                        <p:attrNameLst>
+                                          <p:attrName>style.visibility</p:attrName>
+                                        </p:attrNameLst>
+                                      </p:cBhvr>
+                                      <p:to>
+                                        <p:strVal val="visible"/>
+                                      </p:to>
+                                    </p:set>
+                                    <p:anim calcmode="lin" valueType="num">
+                                      <p:cBhvr additive="base">
+                                        <p:cTn id="44" dur="400" fill="hold"/>
+                                        <p:tgtEl>
+                                          <p:spTgt spid="30"/>
+                                        </p:tgtEl>
+                                        <p:attrNameLst>
+                                          <p:attrName>ppt_x</p:attrName>
+                                        </p:attrNameLst>
+                                      </p:cBhvr>
+                                      <p:tavLst>
+                                        <p:tav tm="0">
+                                          <p:val>
+                                            <p:strVal val="0-#ppt_w/2"/>
+                                          </p:val>
+                                        </p:tav>
+                                        <p:tav tm="100000">
+                                          <p:val>
+                                            <p:strVal val="#ppt_x"/>
+                                          </p:val>
+                                        </p:tav>
+                                      </p:tavLst>
+                                    </p:anim>
+                                    <p:anim calcmode="lin" valueType="num">
+                                      <p:cBhvr additive="base">
+                                        <p:cTn id="45" dur="400" fill="hold"/>
+                                        <p:tgtEl>
+                                          <p:spTgt spid="30"/>
+                                        </p:tgtEl>
+                                        <p:attrNameLst>
+                                          <p:attrName>ppt_y</p:attrName>
+                                        </p:attrNameLst>
+                                      </p:cBhvr>
+                                      <p:tavLst>
+                                        <p:tav tm="0">
+                                          <p:val>
+                                            <p:strVal val="#ppt_y"/>
+                                          </p:val>
+                                        </p:tav>
+                                        <p:tav tm="100000">
+                                          <p:val>
+                                            <p:strVal val="#ppt_y"/>
+                                          </p:val>
+                                        </p:tav>
+                                      </p:tavLst>
+                                    </p:anim>
+                                  </p:childTnLst>
+                                </p:cTn>
+                              </p:par>
+                            </p:childTnLst>
+                          </p:cTn>
+                        </p:par>
+                        <p:par>
+                          <p:cTn id="46" fill="hold">
+                            <p:stCondLst>
+                              <p:cond delay="1200"/>
+                            </p:stCondLst>
+                            <p:childTnLst>
+                              <p:par>
+                                <p:cTn id="47" presetID="2" presetClass="entr" presetSubtype="8" fill="hold" grpId="0" nodeType="afterEffect">
+                                  <p:stCondLst>
+                                    <p:cond delay="0"/>
+                                  </p:stCondLst>
+                                  <p:childTnLst>
+                                    <p:set>
+                                      <p:cBhvr>
+                                        <p:cTn id="48" dur="1" fill="hold">
+                                          <p:stCondLst>
+                                            <p:cond delay="0"/>
+                                          </p:stCondLst>
+                                        </p:cTn>
+                                        <p:tgtEl>
+                                          <p:spTgt spid="31"/>
+                                        </p:tgtEl>
+                                        <p:attrNameLst>
+                                          <p:attrName>style.visibility</p:attrName>
+                                        </p:attrNameLst>
+                                      </p:cBhvr>
+                                      <p:to>
+                                        <p:strVal val="visible"/>
+                                      </p:to>
+                                    </p:set>
+                                    <p:anim calcmode="lin" valueType="num">
+                                      <p:cBhvr additive="base">
+                                        <p:cTn id="49" dur="400" fill="hold"/>
+                                        <p:tgtEl>
+                                          <p:spTgt spid="31"/>
+                                        </p:tgtEl>
+                                        <p:attrNameLst>
+                                          <p:attrName>ppt_x</p:attrName>
+                                        </p:attrNameLst>
+                                      </p:cBhvr>
+                                      <p:tavLst>
+                                        <p:tav tm="0">
+                                          <p:val>
+                                            <p:strVal val="0-#ppt_w/2"/>
+                                          </p:val>
+                                        </p:tav>
+                                        <p:tav tm="100000">
+                                          <p:val>
+                                            <p:strVal val="#ppt_x"/>
+                                          </p:val>
+                                        </p:tav>
+                                      </p:tavLst>
+                                    </p:anim>
+                                    <p:anim calcmode="lin" valueType="num">
+                                      <p:cBhvr additive="base">
+                                        <p:cTn id="50" dur="400" fill="hold"/>
+                                        <p:tgtEl>
+                                          <p:spTgt spid="31"/>
+                                        </p:tgtEl>
+                                        <p:attrNameLst>
+                                          <p:attrName>ppt_y</p:attrName>
+                                        </p:attrNameLst>
+                                      </p:cBhvr>
+                                      <p:tavLst>
+                                        <p:tav tm="0">
+                                          <p:val>
+                                            <p:strVal val="#ppt_y"/>
+                                          </p:val>
+                                        </p:tav>
+                                        <p:tav tm="100000">
+                                          <p:val>
+                                            <p:strVal val="#ppt_y"/>
+                                          </p:val>
+                                        </p:tav>
+                                      </p:tavLst>
+                                    </p:anim>
+                                  </p:childTnLst>
+                                </p:cTn>
+                              </p:par>
+                            </p:childTnLst>
+                          </p:cTn>
+                        </p:par>
+                      </p:childTnLst>
+                    </p:cTn>
+                  </p:par>
+                </p:childTnLst>
+              </p:cTn>
+              <p:prevCondLst>
+                <p:cond evt="onPrev" delay="0">
+                  <p:tgtEl>
+                    <p:sldTgt/>
+                  </p:tgtEl>
+                </p:cond>
+              </p:prevCondLst>
+              <p:nextCondLst>
+                <p:cond evt="onNext" delay="0">
+                  <p:tgtEl>
+                    <p:sldTgt/>
+                  </p:tgtEl>
+                </p:cond>
+              </p:nextCondLst>
+            </p:seq>
+          </p:childTnLst>
+        </p:cTn>
+      </p:par>
+    </p:tnLst>
+    <p:bldLst>
+      <p:bldP spid="6" grpId="0" animBg="1"/>
+      <p:bldP spid="7" grpId="0" animBg="1"/>
+      <p:bldP spid="21" grpId="0" animBg="1"/>
+      <p:bldP spid="22" grpId="0" animBg="1"/>
+      <p:bldP spid="27" grpId="0" animBg="1"/>
+      <p:bldP spid="28" grpId="0" animBg="1"/>
+      <p:bldP spid="29" grpId="0" animBg="1"/>
+      <p:bldP spid="30" grpId="0" animBg="1"/>
+      <p:bldP spid="31" grpId="0" animBg="1"/>
+    </p:bldLst>
+  </p:timing>
 </p:sld>
 </file>
 
@@ -17656,22 +20462,433 @@
       </p:grpSpPr>
       <p:sp>
         <p:nvSpPr>
-          <p:cNvPr id="4" name="Subtitle 3"/>
+          <p:cNvPr id="4" name="Rectangle 3"/>
+          <p:cNvSpPr/>
+          <p:nvPr/>
+        </p:nvSpPr>
+        <p:spPr bwMode="auto">
+          <a:xfrm>
+            <a:off x="403241" y="2454823"/>
+            <a:ext cx="1811709" cy="1811709"/>
+          </a:xfrm>
+          <a:prstGeom prst="rect">
+            <a:avLst/>
+          </a:prstGeom>
+          <a:solidFill>
+            <a:schemeClr val="accent2"/>
+          </a:solidFill>
+          <a:ln>
+            <a:noFill/>
+            <a:headEnd type="none" w="med" len="med"/>
+            <a:tailEnd type="none" w="med" len="med"/>
+          </a:ln>
+          <a:effectLst/>
+        </p:spPr>
+        <p:style>
+          <a:lnRef idx="1">
+            <a:schemeClr val="accent2"/>
+          </a:lnRef>
+          <a:fillRef idx="3">
+            <a:schemeClr val="accent2"/>
+          </a:fillRef>
+          <a:effectRef idx="2">
+            <a:schemeClr val="accent2"/>
+          </a:effectRef>
+          <a:fontRef idx="minor">
+            <a:schemeClr val="lt1"/>
+          </a:fontRef>
+        </p:style>
+        <p:txBody>
+          <a:bodyPr vert="horz" wrap="square" lIns="91436" tIns="45718" rIns="91436" bIns="45718" numCol="1" rtlCol="0" anchor="ctr" anchorCtr="0" compatLnSpc="1">
+            <a:prstTxWarp prst="textNoShape">
+              <a:avLst/>
+            </a:prstTxWarp>
+          </a:bodyPr>
+          <a:lstStyle/>
+          <a:p>
+            <a:pPr algn="ctr" defTabSz="914099" fontAlgn="base">
+              <a:spcBef>
+                <a:spcPct val="0"/>
+              </a:spcBef>
+              <a:spcAft>
+                <a:spcPct val="0"/>
+              </a:spcAft>
+            </a:pPr>
+            <a:r>
+              <a:rPr lang="en-US" sz="2200" dirty="0">
+                <a:gradFill>
+                  <a:gsLst>
+                    <a:gs pos="0">
+                      <a:srgbClr val="FFFFFF"/>
+                    </a:gs>
+                    <a:gs pos="100000">
+                      <a:srgbClr val="FFFFFF"/>
+                    </a:gs>
+                  </a:gsLst>
+                  <a:lin ang="5400000" scaled="0"/>
+                </a:gradFill>
+              </a:rPr>
+              <a:t>Client Browser</a:t>
+            </a:r>
+          </a:p>
+        </p:txBody>
+      </p:sp>
+      <p:sp>
+        <p:nvSpPr>
+          <p:cNvPr id="5" name="Rectangle 4"/>
+          <p:cNvSpPr/>
+          <p:nvPr/>
+        </p:nvSpPr>
+        <p:spPr bwMode="auto">
+          <a:xfrm>
+            <a:off x="9956015" y="2454823"/>
+            <a:ext cx="1811709" cy="1811709"/>
+          </a:xfrm>
+          <a:prstGeom prst="rect">
+            <a:avLst/>
+          </a:prstGeom>
+          <a:solidFill>
+            <a:schemeClr val="accent2"/>
+          </a:solidFill>
+          <a:ln>
+            <a:noFill/>
+            <a:headEnd type="none" w="med" len="med"/>
+            <a:tailEnd type="none" w="med" len="med"/>
+          </a:ln>
+          <a:effectLst/>
+        </p:spPr>
+        <p:style>
+          <a:lnRef idx="1">
+            <a:schemeClr val="accent2"/>
+          </a:lnRef>
+          <a:fillRef idx="3">
+            <a:schemeClr val="accent2"/>
+          </a:fillRef>
+          <a:effectRef idx="2">
+            <a:schemeClr val="accent2"/>
+          </a:effectRef>
+          <a:fontRef idx="minor">
+            <a:schemeClr val="lt1"/>
+          </a:fontRef>
+        </p:style>
+        <p:txBody>
+          <a:bodyPr vert="horz" wrap="square" lIns="91436" tIns="45718" rIns="91436" bIns="45718" numCol="1" rtlCol="0" anchor="ctr" anchorCtr="0" compatLnSpc="1">
+            <a:prstTxWarp prst="textNoShape">
+              <a:avLst/>
+            </a:prstTxWarp>
+          </a:bodyPr>
+          <a:lstStyle/>
+          <a:p>
+            <a:pPr algn="ctr" defTabSz="914099" fontAlgn="base">
+              <a:spcBef>
+                <a:spcPct val="0"/>
+              </a:spcBef>
+              <a:spcAft>
+                <a:spcPct val="0"/>
+              </a:spcAft>
+            </a:pPr>
+            <a:r>
+              <a:rPr lang="en-US" sz="2200" dirty="0">
+                <a:gradFill>
+                  <a:gsLst>
+                    <a:gs pos="0">
+                      <a:srgbClr val="FFFFFF"/>
+                    </a:gs>
+                    <a:gs pos="100000">
+                      <a:srgbClr val="FFFFFF"/>
+                    </a:gs>
+                  </a:gsLst>
+                  <a:lin ang="5400000" scaled="0"/>
+                </a:gradFill>
+              </a:rPr>
+              <a:t>Web</a:t>
+            </a:r>
+            <a:br>
+              <a:rPr lang="en-US" sz="2200" dirty="0">
+                <a:gradFill>
+                  <a:gsLst>
+                    <a:gs pos="0">
+                      <a:srgbClr val="FFFFFF"/>
+                    </a:gs>
+                    <a:gs pos="100000">
+                      <a:srgbClr val="FFFFFF"/>
+                    </a:gs>
+                  </a:gsLst>
+                  <a:lin ang="5400000" scaled="0"/>
+                </a:gradFill>
+              </a:rPr>
+            </a:br>
+            <a:r>
+              <a:rPr lang="en-US" sz="2200" dirty="0">
+                <a:gradFill>
+                  <a:gsLst>
+                    <a:gs pos="0">
+                      <a:srgbClr val="FFFFFF"/>
+                    </a:gs>
+                    <a:gs pos="100000">
+                      <a:srgbClr val="FFFFFF"/>
+                    </a:gs>
+                  </a:gsLst>
+                  <a:lin ang="5400000" scaled="0"/>
+                </a:gradFill>
+              </a:rPr>
+              <a:t>Server</a:t>
+            </a:r>
+          </a:p>
+        </p:txBody>
+      </p:sp>
+      <p:sp>
+        <p:nvSpPr>
+          <p:cNvPr id="6" name="Right Arrow 5"/>
+          <p:cNvSpPr/>
+          <p:nvPr/>
+        </p:nvSpPr>
+        <p:spPr bwMode="auto">
+          <a:xfrm>
+            <a:off x="3351783" y="2194200"/>
+            <a:ext cx="5905144" cy="871147"/>
+          </a:xfrm>
+          <a:prstGeom prst="rightArrow">
+            <a:avLst/>
+          </a:prstGeom>
+          <a:solidFill>
+            <a:schemeClr val="accent4"/>
+          </a:solidFill>
+          <a:ln>
+            <a:solidFill>
+              <a:schemeClr val="tx1"/>
+            </a:solidFill>
+            <a:headEnd type="none" w="med" len="med"/>
+            <a:tailEnd type="none" w="med" len="med"/>
+          </a:ln>
+          <a:effectLst/>
+        </p:spPr>
+        <p:style>
+          <a:lnRef idx="1">
+            <a:schemeClr val="accent2"/>
+          </a:lnRef>
+          <a:fillRef idx="3">
+            <a:schemeClr val="accent2"/>
+          </a:fillRef>
+          <a:effectRef idx="2">
+            <a:schemeClr val="accent2"/>
+          </a:effectRef>
+          <a:fontRef idx="minor">
+            <a:schemeClr val="lt1"/>
+          </a:fontRef>
+        </p:style>
+        <p:txBody>
+          <a:bodyPr vert="horz" wrap="square" lIns="91436" tIns="45718" rIns="91436" bIns="45718" numCol="1" rtlCol="0" anchor="ctr" anchorCtr="0" compatLnSpc="1">
+            <a:prstTxWarp prst="textNoShape">
+              <a:avLst/>
+            </a:prstTxWarp>
+          </a:bodyPr>
+          <a:lstStyle/>
+          <a:p>
+            <a:pPr algn="ctr" defTabSz="914099" fontAlgn="base">
+              <a:spcBef>
+                <a:spcPct val="0"/>
+              </a:spcBef>
+              <a:spcAft>
+                <a:spcPct val="0"/>
+              </a:spcAft>
+            </a:pPr>
+            <a:r>
+              <a:rPr lang="en-US" sz="2200" dirty="0">
+                <a:gradFill>
+                  <a:gsLst>
+                    <a:gs pos="0">
+                      <a:srgbClr val="FFFFFF"/>
+                    </a:gs>
+                    <a:gs pos="100000">
+                      <a:srgbClr val="FFFFFF"/>
+                    </a:gs>
+                  </a:gsLst>
+                  <a:lin ang="5400000" scaled="0"/>
+                </a:gradFill>
+              </a:rPr>
+              <a:t>I do real time, do you?</a:t>
+            </a:r>
+          </a:p>
+        </p:txBody>
+      </p:sp>
+      <p:sp>
+        <p:nvSpPr>
+          <p:cNvPr id="27" name="Right Arrow 26"/>
+          <p:cNvSpPr/>
+          <p:nvPr/>
+        </p:nvSpPr>
+        <p:spPr bwMode="auto">
+          <a:xfrm flipH="1">
+            <a:off x="3132909" y="2786744"/>
+            <a:ext cx="5905144" cy="871147"/>
+          </a:xfrm>
+          <a:prstGeom prst="rightArrow">
+            <a:avLst/>
+          </a:prstGeom>
+          <a:solidFill>
+            <a:schemeClr val="accent1"/>
+          </a:solidFill>
+          <a:ln>
+            <a:solidFill>
+              <a:schemeClr val="tx1"/>
+            </a:solidFill>
+            <a:headEnd type="none" w="med" len="med"/>
+            <a:tailEnd type="none" w="med" len="med"/>
+          </a:ln>
+          <a:effectLst/>
+        </p:spPr>
+        <p:style>
+          <a:lnRef idx="1">
+            <a:schemeClr val="accent2"/>
+          </a:lnRef>
+          <a:fillRef idx="3">
+            <a:schemeClr val="accent2"/>
+          </a:fillRef>
+          <a:effectRef idx="2">
+            <a:schemeClr val="accent2"/>
+          </a:effectRef>
+          <a:fontRef idx="minor">
+            <a:schemeClr val="lt1"/>
+          </a:fontRef>
+        </p:style>
+        <p:txBody>
+          <a:bodyPr vert="horz" wrap="square" lIns="91436" tIns="45718" rIns="91436" bIns="45718" numCol="1" rtlCol="0" anchor="ctr" anchorCtr="0" compatLnSpc="1">
+            <a:prstTxWarp prst="textNoShape">
+              <a:avLst/>
+            </a:prstTxWarp>
+          </a:bodyPr>
+          <a:lstStyle/>
+          <a:p>
+            <a:pPr algn="ctr" defTabSz="914099" fontAlgn="base">
+              <a:spcBef>
+                <a:spcPct val="0"/>
+              </a:spcBef>
+              <a:spcAft>
+                <a:spcPct val="0"/>
+              </a:spcAft>
+            </a:pPr>
+            <a:r>
+              <a:rPr lang="en-US" sz="2200" dirty="0">
+                <a:gradFill>
+                  <a:gsLst>
+                    <a:gs pos="0">
+                      <a:srgbClr val="FFFFFF"/>
+                    </a:gs>
+                    <a:gs pos="100000">
+                      <a:srgbClr val="FFFFFF"/>
+                    </a:gs>
+                  </a:gsLst>
+                  <a:lin ang="5400000" scaled="0"/>
+                </a:gradFill>
+              </a:rPr>
+              <a:t>Absolutely!</a:t>
+            </a:r>
+          </a:p>
+        </p:txBody>
+      </p:sp>
+      <p:sp>
+        <p:nvSpPr>
+          <p:cNvPr id="13" name="Title 3"/>
           <p:cNvSpPr>
             <a:spLocks noGrp="1"/>
           </p:cNvSpPr>
           <p:nvPr>
-            <p:ph type="subTitle" idx="1"/>
+            <p:ph type="title"/>
           </p:nvPr>
         </p:nvSpPr>
         <p:spPr/>
         <p:txBody>
-          <a:bodyPr/>
+          <a:bodyPr>
+            <a:normAutofit/>
+          </a:bodyPr>
           <a:lstStyle/>
           <a:p>
             <a:r>
-              <a:rPr lang="en-US" dirty="0"/>
-              <a:t>Listening and handling messages</a:t>
+              <a:rPr lang="en-US" dirty="0" smtClean="0">
+                <a:solidFill>
+                  <a:schemeClr val="tx1"/>
+                </a:solidFill>
+              </a:rPr>
+              <a:t>With real-time</a:t>
+            </a:r>
+            <a:endParaRPr lang="en-US" dirty="0">
+              <a:solidFill>
+                <a:schemeClr val="tx1"/>
+              </a:solidFill>
+            </a:endParaRPr>
+          </a:p>
+        </p:txBody>
+      </p:sp>
+      <p:sp>
+        <p:nvSpPr>
+          <p:cNvPr id="2" name="Left-Right Arrow 1"/>
+          <p:cNvSpPr/>
+          <p:nvPr/>
+        </p:nvSpPr>
+        <p:spPr bwMode="auto">
+          <a:xfrm>
+            <a:off x="3172251" y="3390375"/>
+            <a:ext cx="6084677" cy="876156"/>
+          </a:xfrm>
+          <a:prstGeom prst="leftRightArrow">
+            <a:avLst/>
+          </a:prstGeom>
+          <a:solidFill>
+            <a:schemeClr val="accent6"/>
+          </a:solidFill>
+          <a:ln>
+            <a:noFill/>
+            <a:headEnd type="none" w="med" len="med"/>
+            <a:tailEnd type="none" w="med" len="med"/>
+          </a:ln>
+          <a:effectLst/>
+        </p:spPr>
+        <p:style>
+          <a:lnRef idx="1">
+            <a:schemeClr val="accent2"/>
+          </a:lnRef>
+          <a:fillRef idx="3">
+            <a:schemeClr val="accent2"/>
+          </a:fillRef>
+          <a:effectRef idx="2">
+            <a:schemeClr val="accent2"/>
+          </a:effectRef>
+          <a:fontRef idx="minor">
+            <a:schemeClr val="lt1"/>
+          </a:fontRef>
+        </p:style>
+        <p:txBody>
+          <a:bodyPr vert="horz" wrap="square" lIns="91436" tIns="45718" rIns="91436" bIns="45718" numCol="1" rtlCol="0" anchor="ctr" anchorCtr="0" compatLnSpc="1">
+            <a:prstTxWarp prst="textNoShape">
+              <a:avLst/>
+            </a:prstTxWarp>
+          </a:bodyPr>
+          <a:lstStyle/>
+          <a:p>
+            <a:pPr algn="ctr" defTabSz="914099" fontAlgn="base">
+              <a:spcBef>
+                <a:spcPct val="0"/>
+              </a:spcBef>
+              <a:spcAft>
+                <a:spcPct val="0"/>
+              </a:spcAft>
+            </a:pPr>
+            <a:r>
+              <a:rPr lang="en-US" sz="2200" dirty="0">
+                <a:gradFill>
+                  <a:gsLst>
+                    <a:gs pos="0">
+                      <a:srgbClr val="FFFFFF"/>
+                    </a:gs>
+                    <a:gs pos="100000">
+                      <a:srgbClr val="FFFFFF"/>
+                    </a:gs>
+                  </a:gsLst>
+                  <a:lin ang="5400000" scaled="0"/>
+                </a:gradFill>
+              </a:rPr>
+              <a:t>Let’s Party in Real-time!</a:t>
             </a:r>
           </a:p>
         </p:txBody>
@@ -17679,25 +20896,342 @@
     </p:spTree>
     <p:extLst>
       <p:ext uri="{BB962C8B-B14F-4D97-AF65-F5344CB8AC3E}">
-        <p14:creationId xmlns:p14="http://schemas.microsoft.com/office/powerpoint/2010/main" val="4286740134"/>
+        <p14:creationId xmlns:p14="http://schemas.microsoft.com/office/powerpoint/2010/main" val="3476788474"/>
       </p:ext>
     </p:extLst>
   </p:cSld>
   <p:clrMapOvr>
     <a:masterClrMapping/>
   </p:clrMapOvr>
-  <mc:AlternateContent xmlns:mc="http://schemas.openxmlformats.org/markup-compatibility/2006" xmlns:p14="http://schemas.microsoft.com/office/powerpoint/2010/main">
-    <mc:Choice Requires="p14">
+  <mc:AlternateContent xmlns:mc="http://schemas.openxmlformats.org/markup-compatibility/2006">
+    <mc:Choice xmlns:p14="http://schemas.microsoft.com/office/powerpoint/2010/main" Requires="p14">
       <p:transition spd="med" p14:dur="700">
         <p:fade/>
       </p:transition>
     </mc:Choice>
-    <mc:Fallback xmlns="">
+    <mc:Fallback>
       <p:transition spd="med">
         <p:fade/>
       </p:transition>
     </mc:Fallback>
   </mc:AlternateContent>
+  <p:timing>
+    <p:tnLst>
+      <p:par>
+        <p:cTn id="1" dur="indefinite" restart="never" nodeType="tmRoot">
+          <p:childTnLst>
+            <p:seq concurrent="1" nextAc="seek">
+              <p:cTn id="2" dur="indefinite" nodeType="mainSeq">
+                <p:childTnLst>
+                  <p:par>
+                    <p:cTn id="3" fill="hold">
+                      <p:stCondLst>
+                        <p:cond delay="indefinite"/>
+                      </p:stCondLst>
+                      <p:childTnLst>
+                        <p:par>
+                          <p:cTn id="4" fill="hold">
+                            <p:stCondLst>
+                              <p:cond delay="0"/>
+                            </p:stCondLst>
+                            <p:childTnLst>
+                              <p:par>
+                                <p:cTn id="5" presetID="2" presetClass="entr" presetSubtype="8" fill="hold" grpId="0" nodeType="clickEffect">
+                                  <p:stCondLst>
+                                    <p:cond delay="0"/>
+                                  </p:stCondLst>
+                                  <p:childTnLst>
+                                    <p:set>
+                                      <p:cBhvr>
+                                        <p:cTn id="6" dur="1" fill="hold">
+                                          <p:stCondLst>
+                                            <p:cond delay="0"/>
+                                          </p:stCondLst>
+                                        </p:cTn>
+                                        <p:tgtEl>
+                                          <p:spTgt spid="6"/>
+                                        </p:tgtEl>
+                                        <p:attrNameLst>
+                                          <p:attrName>style.visibility</p:attrName>
+                                        </p:attrNameLst>
+                                      </p:cBhvr>
+                                      <p:to>
+                                        <p:strVal val="visible"/>
+                                      </p:to>
+                                    </p:set>
+                                    <p:anim calcmode="lin" valueType="num">
+                                      <p:cBhvr additive="base">
+                                        <p:cTn id="7" dur="400" fill="hold"/>
+                                        <p:tgtEl>
+                                          <p:spTgt spid="6"/>
+                                        </p:tgtEl>
+                                        <p:attrNameLst>
+                                          <p:attrName>ppt_x</p:attrName>
+                                        </p:attrNameLst>
+                                      </p:cBhvr>
+                                      <p:tavLst>
+                                        <p:tav tm="0">
+                                          <p:val>
+                                            <p:strVal val="0-#ppt_w/2"/>
+                                          </p:val>
+                                        </p:tav>
+                                        <p:tav tm="100000">
+                                          <p:val>
+                                            <p:strVal val="#ppt_x"/>
+                                          </p:val>
+                                        </p:tav>
+                                      </p:tavLst>
+                                    </p:anim>
+                                    <p:anim calcmode="lin" valueType="num">
+                                      <p:cBhvr additive="base">
+                                        <p:cTn id="8" dur="400" fill="hold"/>
+                                        <p:tgtEl>
+                                          <p:spTgt spid="6"/>
+                                        </p:tgtEl>
+                                        <p:attrNameLst>
+                                          <p:attrName>ppt_y</p:attrName>
+                                        </p:attrNameLst>
+                                      </p:cBhvr>
+                                      <p:tavLst>
+                                        <p:tav tm="0">
+                                          <p:val>
+                                            <p:strVal val="#ppt_y"/>
+                                          </p:val>
+                                        </p:tav>
+                                        <p:tav tm="100000">
+                                          <p:val>
+                                            <p:strVal val="#ppt_y"/>
+                                          </p:val>
+                                        </p:tav>
+                                      </p:tavLst>
+                                    </p:anim>
+                                  </p:childTnLst>
+                                </p:cTn>
+                              </p:par>
+                            </p:childTnLst>
+                          </p:cTn>
+                        </p:par>
+                      </p:childTnLst>
+                    </p:cTn>
+                  </p:par>
+                  <p:par>
+                    <p:cTn id="9" fill="hold">
+                      <p:stCondLst>
+                        <p:cond delay="indefinite"/>
+                      </p:stCondLst>
+                      <p:childTnLst>
+                        <p:par>
+                          <p:cTn id="10" fill="hold">
+                            <p:stCondLst>
+                              <p:cond delay="0"/>
+                            </p:stCondLst>
+                            <p:childTnLst>
+                              <p:par>
+                                <p:cTn id="11" presetID="2" presetClass="entr" presetSubtype="2" fill="hold" grpId="0" nodeType="clickEffect">
+                                  <p:stCondLst>
+                                    <p:cond delay="0"/>
+                                  </p:stCondLst>
+                                  <p:childTnLst>
+                                    <p:set>
+                                      <p:cBhvr>
+                                        <p:cTn id="12" dur="1" fill="hold">
+                                          <p:stCondLst>
+                                            <p:cond delay="0"/>
+                                          </p:stCondLst>
+                                        </p:cTn>
+                                        <p:tgtEl>
+                                          <p:spTgt spid="27"/>
+                                        </p:tgtEl>
+                                        <p:attrNameLst>
+                                          <p:attrName>style.visibility</p:attrName>
+                                        </p:attrNameLst>
+                                      </p:cBhvr>
+                                      <p:to>
+                                        <p:strVal val="visible"/>
+                                      </p:to>
+                                    </p:set>
+                                    <p:anim calcmode="lin" valueType="num">
+                                      <p:cBhvr additive="base">
+                                        <p:cTn id="13" dur="400" fill="hold"/>
+                                        <p:tgtEl>
+                                          <p:spTgt spid="27"/>
+                                        </p:tgtEl>
+                                        <p:attrNameLst>
+                                          <p:attrName>ppt_x</p:attrName>
+                                        </p:attrNameLst>
+                                      </p:cBhvr>
+                                      <p:tavLst>
+                                        <p:tav tm="0">
+                                          <p:val>
+                                            <p:strVal val="1+#ppt_w/2"/>
+                                          </p:val>
+                                        </p:tav>
+                                        <p:tav tm="100000">
+                                          <p:val>
+                                            <p:strVal val="#ppt_x"/>
+                                          </p:val>
+                                        </p:tav>
+                                      </p:tavLst>
+                                    </p:anim>
+                                    <p:anim calcmode="lin" valueType="num">
+                                      <p:cBhvr additive="base">
+                                        <p:cTn id="14" dur="400" fill="hold"/>
+                                        <p:tgtEl>
+                                          <p:spTgt spid="27"/>
+                                        </p:tgtEl>
+                                        <p:attrNameLst>
+                                          <p:attrName>ppt_y</p:attrName>
+                                        </p:attrNameLst>
+                                      </p:cBhvr>
+                                      <p:tavLst>
+                                        <p:tav tm="0">
+                                          <p:val>
+                                            <p:strVal val="#ppt_y"/>
+                                          </p:val>
+                                        </p:tav>
+                                        <p:tav tm="100000">
+                                          <p:val>
+                                            <p:strVal val="#ppt_y"/>
+                                          </p:val>
+                                        </p:tav>
+                                      </p:tavLst>
+                                    </p:anim>
+                                  </p:childTnLst>
+                                </p:cTn>
+                              </p:par>
+                            </p:childTnLst>
+                          </p:cTn>
+                        </p:par>
+                      </p:childTnLst>
+                    </p:cTn>
+                  </p:par>
+                  <p:par>
+                    <p:cTn id="15" fill="hold">
+                      <p:stCondLst>
+                        <p:cond delay="indefinite"/>
+                      </p:stCondLst>
+                      <p:childTnLst>
+                        <p:par>
+                          <p:cTn id="16" fill="hold">
+                            <p:stCondLst>
+                              <p:cond delay="0"/>
+                            </p:stCondLst>
+                            <p:childTnLst>
+                              <p:par>
+                                <p:cTn id="17" presetID="13" presetClass="entr" presetSubtype="32" fill="hold" grpId="0" nodeType="clickEffect">
+                                  <p:stCondLst>
+                                    <p:cond delay="0"/>
+                                  </p:stCondLst>
+                                  <p:childTnLst>
+                                    <p:set>
+                                      <p:cBhvr>
+                                        <p:cTn id="18" dur="1" fill="hold">
+                                          <p:stCondLst>
+                                            <p:cond delay="0"/>
+                                          </p:stCondLst>
+                                        </p:cTn>
+                                        <p:tgtEl>
+                                          <p:spTgt spid="2">
+                                            <p:bg/>
+                                          </p:spTgt>
+                                        </p:tgtEl>
+                                        <p:attrNameLst>
+                                          <p:attrName>style.visibility</p:attrName>
+                                        </p:attrNameLst>
+                                      </p:cBhvr>
+                                      <p:to>
+                                        <p:strVal val="visible"/>
+                                      </p:to>
+                                    </p:set>
+                                    <p:animEffect transition="in" filter="plus(out)">
+                                      <p:cBhvr>
+                                        <p:cTn id="19" dur="500"/>
+                                        <p:tgtEl>
+                                          <p:spTgt spid="2">
+                                            <p:bg/>
+                                          </p:spTgt>
+                                        </p:tgtEl>
+                                      </p:cBhvr>
+                                    </p:animEffect>
+                                  </p:childTnLst>
+                                </p:cTn>
+                              </p:par>
+                              <p:par>
+                                <p:cTn id="20" presetID="13" presetClass="entr" presetSubtype="32" fill="hold" grpId="0" nodeType="withEffect">
+                                  <p:stCondLst>
+                                    <p:cond delay="0"/>
+                                  </p:stCondLst>
+                                  <p:childTnLst>
+                                    <p:set>
+                                      <p:cBhvr>
+                                        <p:cTn id="21" dur="1" fill="hold">
+                                          <p:stCondLst>
+                                            <p:cond delay="0"/>
+                                          </p:stCondLst>
+                                        </p:cTn>
+                                        <p:tgtEl>
+                                          <p:spTgt spid="2">
+                                            <p:txEl>
+                                              <p:pRg st="0" end="0"/>
+                                            </p:txEl>
+                                          </p:spTgt>
+                                        </p:tgtEl>
+                                        <p:attrNameLst>
+                                          <p:attrName>style.visibility</p:attrName>
+                                        </p:attrNameLst>
+                                      </p:cBhvr>
+                                      <p:to>
+                                        <p:strVal val="visible"/>
+                                      </p:to>
+                                    </p:set>
+                                    <p:animEffect transition="in" filter="plus(out)">
+                                      <p:cBhvr>
+                                        <p:cTn id="22" dur="500"/>
+                                        <p:tgtEl>
+                                          <p:spTgt spid="2">
+                                            <p:txEl>
+                                              <p:pRg st="0" end="0"/>
+                                            </p:txEl>
+                                          </p:spTgt>
+                                        </p:tgtEl>
+                                      </p:cBhvr>
+                                    </p:animEffect>
+                                  </p:childTnLst>
+                                </p:cTn>
+                              </p:par>
+                            </p:childTnLst>
+                          </p:cTn>
+                        </p:par>
+                      </p:childTnLst>
+                    </p:cTn>
+                  </p:par>
+                </p:childTnLst>
+              </p:cTn>
+              <p:prevCondLst>
+                <p:cond evt="onPrev" delay="0">
+                  <p:tgtEl>
+                    <p:sldTgt/>
+                  </p:tgtEl>
+                </p:cond>
+              </p:prevCondLst>
+              <p:nextCondLst>
+                <p:cond evt="onNext" delay="0">
+                  <p:tgtEl>
+                    <p:sldTgt/>
+                  </p:tgtEl>
+                </p:cond>
+              </p:nextCondLst>
+            </p:seq>
+          </p:childTnLst>
+        </p:cTn>
+      </p:par>
+    </p:tnLst>
+    <p:bldLst>
+      <p:bldP spid="6" grpId="0" animBg="1"/>
+      <p:bldP spid="27" grpId="0" animBg="1"/>
+      <p:bldP spid="2" grpId="0" build="allAtOnce" animBg="1"/>
+    </p:bldLst>
+  </p:timing>
 </p:sld>
 </file>
 
@@ -17718,23 +21252,740 @@
           <a:chExt cx="0" cy="0"/>
         </a:xfrm>
       </p:grpSpPr>
+      <p:sp>
+        <p:nvSpPr>
+          <p:cNvPr id="4" name="Rectangle 3"/>
+          <p:cNvSpPr/>
+          <p:nvPr/>
+        </p:nvSpPr>
+        <p:spPr bwMode="auto">
+          <a:xfrm>
+            <a:off x="403241" y="2454823"/>
+            <a:ext cx="1811709" cy="1811709"/>
+          </a:xfrm>
+          <a:prstGeom prst="rect">
+            <a:avLst/>
+          </a:prstGeom>
+          <a:solidFill>
+            <a:schemeClr val="accent2"/>
+          </a:solidFill>
+          <a:ln>
+            <a:noFill/>
+            <a:headEnd type="none" w="med" len="med"/>
+            <a:tailEnd type="none" w="med" len="med"/>
+          </a:ln>
+          <a:effectLst/>
+        </p:spPr>
+        <p:style>
+          <a:lnRef idx="1">
+            <a:schemeClr val="accent2"/>
+          </a:lnRef>
+          <a:fillRef idx="3">
+            <a:schemeClr val="accent2"/>
+          </a:fillRef>
+          <a:effectRef idx="2">
+            <a:schemeClr val="accent2"/>
+          </a:effectRef>
+          <a:fontRef idx="minor">
+            <a:schemeClr val="lt1"/>
+          </a:fontRef>
+        </p:style>
+        <p:txBody>
+          <a:bodyPr vert="horz" wrap="square" lIns="91436" tIns="45718" rIns="91436" bIns="45718" numCol="1" rtlCol="0" anchor="ctr" anchorCtr="0" compatLnSpc="1">
+            <a:prstTxWarp prst="textNoShape">
+              <a:avLst/>
+            </a:prstTxWarp>
+          </a:bodyPr>
+          <a:lstStyle/>
+          <a:p>
+            <a:pPr algn="ctr" defTabSz="914099" fontAlgn="base">
+              <a:spcBef>
+                <a:spcPct val="0"/>
+              </a:spcBef>
+              <a:spcAft>
+                <a:spcPct val="0"/>
+              </a:spcAft>
+            </a:pPr>
+            <a:r>
+              <a:rPr lang="en-US" sz="2200" dirty="0">
+                <a:gradFill>
+                  <a:gsLst>
+                    <a:gs pos="0">
+                      <a:srgbClr val="FFFFFF"/>
+                    </a:gs>
+                    <a:gs pos="100000">
+                      <a:srgbClr val="FFFFFF"/>
+                    </a:gs>
+                  </a:gsLst>
+                  <a:lin ang="5400000" scaled="0"/>
+                </a:gradFill>
+              </a:rPr>
+              <a:t>Client Browser</a:t>
+            </a:r>
+          </a:p>
+        </p:txBody>
+      </p:sp>
+      <p:sp>
+        <p:nvSpPr>
+          <p:cNvPr id="5" name="Rectangle 4"/>
+          <p:cNvSpPr/>
+          <p:nvPr/>
+        </p:nvSpPr>
+        <p:spPr bwMode="auto">
+          <a:xfrm>
+            <a:off x="9956015" y="2454823"/>
+            <a:ext cx="1811709" cy="1811709"/>
+          </a:xfrm>
+          <a:prstGeom prst="rect">
+            <a:avLst/>
+          </a:prstGeom>
+          <a:solidFill>
+            <a:schemeClr val="accent2"/>
+          </a:solidFill>
+          <a:ln>
+            <a:noFill/>
+            <a:headEnd type="none" w="med" len="med"/>
+            <a:tailEnd type="none" w="med" len="med"/>
+          </a:ln>
+          <a:effectLst/>
+        </p:spPr>
+        <p:style>
+          <a:lnRef idx="1">
+            <a:schemeClr val="accent2"/>
+          </a:lnRef>
+          <a:fillRef idx="3">
+            <a:schemeClr val="accent2"/>
+          </a:fillRef>
+          <a:effectRef idx="2">
+            <a:schemeClr val="accent2"/>
+          </a:effectRef>
+          <a:fontRef idx="minor">
+            <a:schemeClr val="lt1"/>
+          </a:fontRef>
+        </p:style>
+        <p:txBody>
+          <a:bodyPr vert="horz" wrap="square" lIns="91436" tIns="45718" rIns="91436" bIns="45718" numCol="1" rtlCol="0" anchor="ctr" anchorCtr="0" compatLnSpc="1">
+            <a:prstTxWarp prst="textNoShape">
+              <a:avLst/>
+            </a:prstTxWarp>
+          </a:bodyPr>
+          <a:lstStyle/>
+          <a:p>
+            <a:pPr algn="ctr" defTabSz="914099" fontAlgn="base">
+              <a:spcBef>
+                <a:spcPct val="0"/>
+              </a:spcBef>
+              <a:spcAft>
+                <a:spcPct val="0"/>
+              </a:spcAft>
+            </a:pPr>
+            <a:r>
+              <a:rPr lang="en-US" sz="2200" dirty="0">
+                <a:gradFill>
+                  <a:gsLst>
+                    <a:gs pos="0">
+                      <a:srgbClr val="FFFFFF"/>
+                    </a:gs>
+                    <a:gs pos="100000">
+                      <a:srgbClr val="FFFFFF"/>
+                    </a:gs>
+                  </a:gsLst>
+                  <a:lin ang="5400000" scaled="0"/>
+                </a:gradFill>
+              </a:rPr>
+              <a:t>Web</a:t>
+            </a:r>
+            <a:br>
+              <a:rPr lang="en-US" sz="2200" dirty="0">
+                <a:gradFill>
+                  <a:gsLst>
+                    <a:gs pos="0">
+                      <a:srgbClr val="FFFFFF"/>
+                    </a:gs>
+                    <a:gs pos="100000">
+                      <a:srgbClr val="FFFFFF"/>
+                    </a:gs>
+                  </a:gsLst>
+                  <a:lin ang="5400000" scaled="0"/>
+                </a:gradFill>
+              </a:rPr>
+            </a:br>
+            <a:r>
+              <a:rPr lang="en-US" sz="2200" dirty="0">
+                <a:gradFill>
+                  <a:gsLst>
+                    <a:gs pos="0">
+                      <a:srgbClr val="FFFFFF"/>
+                    </a:gs>
+                    <a:gs pos="100000">
+                      <a:srgbClr val="FFFFFF"/>
+                    </a:gs>
+                  </a:gsLst>
+                  <a:lin ang="5400000" scaled="0"/>
+                </a:gradFill>
+              </a:rPr>
+              <a:t>Server</a:t>
+            </a:r>
+          </a:p>
+        </p:txBody>
+      </p:sp>
+      <p:sp>
+        <p:nvSpPr>
+          <p:cNvPr id="13" name="Title 3"/>
+          <p:cNvSpPr>
+            <a:spLocks noGrp="1"/>
+          </p:cNvSpPr>
+          <p:nvPr>
+            <p:ph type="title"/>
+          </p:nvPr>
+        </p:nvSpPr>
+        <p:spPr/>
+        <p:txBody>
+          <a:bodyPr>
+            <a:normAutofit/>
+          </a:bodyPr>
+          <a:lstStyle/>
+          <a:p>
+            <a:r>
+              <a:rPr lang="en-US" dirty="0" smtClean="0">
+                <a:solidFill>
+                  <a:schemeClr val="tx1"/>
+                </a:solidFill>
+              </a:rPr>
+              <a:t>Basically…</a:t>
+            </a:r>
+            <a:endParaRPr lang="en-US" dirty="0">
+              <a:solidFill>
+                <a:schemeClr val="tx1"/>
+              </a:solidFill>
+            </a:endParaRPr>
+          </a:p>
+        </p:txBody>
+      </p:sp>
+      <p:sp>
+        <p:nvSpPr>
+          <p:cNvPr id="2" name="Left-Right Arrow 1"/>
+          <p:cNvSpPr/>
+          <p:nvPr/>
+        </p:nvSpPr>
+        <p:spPr bwMode="auto">
+          <a:xfrm>
+            <a:off x="3172251" y="2454823"/>
+            <a:ext cx="6084677" cy="1811709"/>
+          </a:xfrm>
+          <a:prstGeom prst="leftRightArrow">
+            <a:avLst/>
+          </a:prstGeom>
+          <a:solidFill>
+            <a:schemeClr val="accent6"/>
+          </a:solidFill>
+          <a:ln>
+            <a:noFill/>
+            <a:headEnd type="none" w="med" len="med"/>
+            <a:tailEnd type="none" w="med" len="med"/>
+          </a:ln>
+          <a:effectLst/>
+        </p:spPr>
+        <p:style>
+          <a:lnRef idx="1">
+            <a:schemeClr val="accent2"/>
+          </a:lnRef>
+          <a:fillRef idx="3">
+            <a:schemeClr val="accent2"/>
+          </a:fillRef>
+          <a:effectRef idx="2">
+            <a:schemeClr val="accent2"/>
+          </a:effectRef>
+          <a:fontRef idx="minor">
+            <a:schemeClr val="lt1"/>
+          </a:fontRef>
+        </p:style>
+        <p:txBody>
+          <a:bodyPr vert="horz" wrap="square" lIns="91436" tIns="45718" rIns="91436" bIns="45718" numCol="1" rtlCol="0" anchor="ctr" anchorCtr="0" compatLnSpc="1">
+            <a:prstTxWarp prst="textNoShape">
+              <a:avLst/>
+            </a:prstTxWarp>
+          </a:bodyPr>
+          <a:lstStyle/>
+          <a:p>
+            <a:pPr algn="ctr" defTabSz="914099" fontAlgn="base">
+              <a:spcBef>
+                <a:spcPct val="0"/>
+              </a:spcBef>
+              <a:spcAft>
+                <a:spcPct val="0"/>
+              </a:spcAft>
+            </a:pPr>
+            <a:r>
+              <a:rPr lang="en-US" sz="4400" dirty="0" smtClean="0">
+                <a:gradFill>
+                  <a:gsLst>
+                    <a:gs pos="0">
+                      <a:srgbClr val="FFFFFF"/>
+                    </a:gs>
+                    <a:gs pos="100000">
+                      <a:srgbClr val="FFFFFF"/>
+                    </a:gs>
+                  </a:gsLst>
+                  <a:lin ang="5400000" scaled="0"/>
+                </a:gradFill>
+              </a:rPr>
+              <a:t>Socket.io!!!</a:t>
+            </a:r>
+            <a:endParaRPr lang="en-US" sz="4400" dirty="0">
+              <a:gradFill>
+                <a:gsLst>
+                  <a:gs pos="0">
+                    <a:srgbClr val="FFFFFF"/>
+                  </a:gs>
+                  <a:gs pos="100000">
+                    <a:srgbClr val="FFFFFF"/>
+                  </a:gs>
+                </a:gsLst>
+                <a:lin ang="5400000" scaled="0"/>
+              </a:gradFill>
+            </a:endParaRPr>
+          </a:p>
+        </p:txBody>
+      </p:sp>
     </p:spTree>
     <p:extLst>
       <p:ext uri="{BB962C8B-B14F-4D97-AF65-F5344CB8AC3E}">
-        <p14:creationId xmlns:p14="http://schemas.microsoft.com/office/powerpoint/2010/main" val="2277682649"/>
+        <p14:creationId xmlns:p14="http://schemas.microsoft.com/office/powerpoint/2010/main" val="3934788525"/>
       </p:ext>
     </p:extLst>
   </p:cSld>
   <p:clrMapOvr>
     <a:masterClrMapping/>
   </p:clrMapOvr>
-  <mc:AlternateContent xmlns:mc="http://schemas.openxmlformats.org/markup-compatibility/2006" xmlns:p14="http://schemas.microsoft.com/office/powerpoint/2010/main">
-    <mc:Choice Requires="p14">
+  <mc:AlternateContent xmlns:mc="http://schemas.openxmlformats.org/markup-compatibility/2006">
+    <mc:Choice xmlns:p14="http://schemas.microsoft.com/office/powerpoint/2010/main" Requires="p14">
       <p:transition spd="med" p14:dur="700">
         <p:fade/>
       </p:transition>
     </mc:Choice>
-    <mc:Fallback xmlns="">
+    <mc:Fallback>
+      <p:transition spd="med">
+        <p:fade/>
+      </p:transition>
+    </mc:Fallback>
+  </mc:AlternateContent>
+  <p:timing>
+    <p:tnLst>
+      <p:par>
+        <p:cTn id="1" dur="indefinite" restart="never" nodeType="tmRoot">
+          <p:childTnLst>
+            <p:seq concurrent="1" nextAc="seek">
+              <p:cTn id="2" dur="indefinite" nodeType="mainSeq">
+                <p:childTnLst>
+                  <p:par>
+                    <p:cTn id="3" fill="hold">
+                      <p:stCondLst>
+                        <p:cond delay="indefinite"/>
+                      </p:stCondLst>
+                      <p:childTnLst>
+                        <p:par>
+                          <p:cTn id="4" fill="hold">
+                            <p:stCondLst>
+                              <p:cond delay="0"/>
+                            </p:stCondLst>
+                            <p:childTnLst>
+                              <p:par>
+                                <p:cTn id="5" presetID="13" presetClass="entr" presetSubtype="32" fill="hold" grpId="0" nodeType="clickEffect">
+                                  <p:stCondLst>
+                                    <p:cond delay="0"/>
+                                  </p:stCondLst>
+                                  <p:childTnLst>
+                                    <p:set>
+                                      <p:cBhvr>
+                                        <p:cTn id="6" dur="1" fill="hold">
+                                          <p:stCondLst>
+                                            <p:cond delay="0"/>
+                                          </p:stCondLst>
+                                        </p:cTn>
+                                        <p:tgtEl>
+                                          <p:spTgt spid="2">
+                                            <p:bg/>
+                                          </p:spTgt>
+                                        </p:tgtEl>
+                                        <p:attrNameLst>
+                                          <p:attrName>style.visibility</p:attrName>
+                                        </p:attrNameLst>
+                                      </p:cBhvr>
+                                      <p:to>
+                                        <p:strVal val="visible"/>
+                                      </p:to>
+                                    </p:set>
+                                    <p:animEffect transition="in" filter="plus(out)">
+                                      <p:cBhvr>
+                                        <p:cTn id="7" dur="500"/>
+                                        <p:tgtEl>
+                                          <p:spTgt spid="2">
+                                            <p:bg/>
+                                          </p:spTgt>
+                                        </p:tgtEl>
+                                      </p:cBhvr>
+                                    </p:animEffect>
+                                  </p:childTnLst>
+                                </p:cTn>
+                              </p:par>
+                              <p:par>
+                                <p:cTn id="8" presetID="13" presetClass="entr" presetSubtype="32" fill="hold" grpId="0" nodeType="withEffect">
+                                  <p:stCondLst>
+                                    <p:cond delay="0"/>
+                                  </p:stCondLst>
+                                  <p:childTnLst>
+                                    <p:set>
+                                      <p:cBhvr>
+                                        <p:cTn id="9" dur="1" fill="hold">
+                                          <p:stCondLst>
+                                            <p:cond delay="0"/>
+                                          </p:stCondLst>
+                                        </p:cTn>
+                                        <p:tgtEl>
+                                          <p:spTgt spid="2">
+                                            <p:txEl>
+                                              <p:pRg st="0" end="0"/>
+                                            </p:txEl>
+                                          </p:spTgt>
+                                        </p:tgtEl>
+                                        <p:attrNameLst>
+                                          <p:attrName>style.visibility</p:attrName>
+                                        </p:attrNameLst>
+                                      </p:cBhvr>
+                                      <p:to>
+                                        <p:strVal val="visible"/>
+                                      </p:to>
+                                    </p:set>
+                                    <p:animEffect transition="in" filter="plus(out)">
+                                      <p:cBhvr>
+                                        <p:cTn id="10" dur="500"/>
+                                        <p:tgtEl>
+                                          <p:spTgt spid="2">
+                                            <p:txEl>
+                                              <p:pRg st="0" end="0"/>
+                                            </p:txEl>
+                                          </p:spTgt>
+                                        </p:tgtEl>
+                                      </p:cBhvr>
+                                    </p:animEffect>
+                                  </p:childTnLst>
+                                </p:cTn>
+                              </p:par>
+                            </p:childTnLst>
+                          </p:cTn>
+                        </p:par>
+                      </p:childTnLst>
+                    </p:cTn>
+                  </p:par>
+                </p:childTnLst>
+              </p:cTn>
+              <p:prevCondLst>
+                <p:cond evt="onPrev" delay="0">
+                  <p:tgtEl>
+                    <p:sldTgt/>
+                  </p:tgtEl>
+                </p:cond>
+              </p:prevCondLst>
+              <p:nextCondLst>
+                <p:cond evt="onNext" delay="0">
+                  <p:tgtEl>
+                    <p:sldTgt/>
+                  </p:tgtEl>
+                </p:cond>
+              </p:nextCondLst>
+            </p:seq>
+          </p:childTnLst>
+        </p:cTn>
+      </p:par>
+    </p:tnLst>
+    <p:bldLst>
+      <p:bldP spid="2" grpId="0" build="allAtOnce" animBg="1"/>
+    </p:bldLst>
+  </p:timing>
+</p:sld>
+</file>
+
+<file path=ppt/slides/slide8.xml><?xml version="1.0" encoding="utf-8"?>
+<p:sld xmlns:a="http://schemas.openxmlformats.org/drawingml/2006/main" xmlns:r="http://schemas.openxmlformats.org/officeDocument/2006/relationships" xmlns:p="http://schemas.openxmlformats.org/presentationml/2006/main">
+  <p:cSld>
+    <p:spTree>
+      <p:nvGrpSpPr>
+        <p:cNvPr id="1" name=""/>
+        <p:cNvGrpSpPr/>
+        <p:nvPr/>
+      </p:nvGrpSpPr>
+      <p:grpSpPr>
+        <a:xfrm>
+          <a:off x="0" y="0"/>
+          <a:ext cx="0" cy="0"/>
+          <a:chOff x="0" y="0"/>
+          <a:chExt cx="0" cy="0"/>
+        </a:xfrm>
+      </p:grpSpPr>
+      <p:sp>
+        <p:nvSpPr>
+          <p:cNvPr id="2" name="Title 1"/>
+          <p:cNvSpPr>
+            <a:spLocks noGrp="1"/>
+          </p:cNvSpPr>
+          <p:nvPr>
+            <p:ph type="title"/>
+          </p:nvPr>
+        </p:nvSpPr>
+        <p:spPr/>
+        <p:txBody>
+          <a:bodyPr>
+            <a:normAutofit/>
+          </a:bodyPr>
+          <a:lstStyle/>
+          <a:p>
+            <a:r>
+              <a:rPr lang="en-US" dirty="0" smtClean="0"/>
+              <a:t>Introducing </a:t>
+            </a:r>
+            <a:r>
+              <a:rPr lang="en-US" dirty="0" smtClean="0"/>
+              <a:t>Socket.io</a:t>
+            </a:r>
+            <a:endParaRPr lang="ru-RU" dirty="0"/>
+          </a:p>
+        </p:txBody>
+      </p:sp>
+      <p:sp>
+        <p:nvSpPr>
+          <p:cNvPr id="3" name="Content Placeholder 2"/>
+          <p:cNvSpPr>
+            <a:spLocks noGrp="1"/>
+          </p:cNvSpPr>
+          <p:nvPr>
+            <p:ph idx="1"/>
+          </p:nvPr>
+        </p:nvSpPr>
+        <p:spPr>
+          <a:prstGeom prst="rect">
+            <a:avLst/>
+          </a:prstGeom>
+        </p:spPr>
+        <p:txBody>
+          <a:bodyPr/>
+          <a:lstStyle/>
+          <a:p>
+            <a:pPr marL="609448" indent="-609448">
+              <a:buFont typeface="Arial" pitchFamily="34" charset="0"/>
+              <a:buChar char="•"/>
+            </a:pPr>
+            <a:r>
+              <a:rPr lang="en-US" dirty="0"/>
+              <a:t>Abstraction over transports</a:t>
+            </a:r>
+          </a:p>
+          <a:p>
+            <a:pPr marL="609448" indent="-609448">
+              <a:buFont typeface="Arial" pitchFamily="34" charset="0"/>
+              <a:buChar char="•"/>
+            </a:pPr>
+            <a:r>
+              <a:rPr lang="en-US" dirty="0" smtClean="0"/>
+              <a:t>Event-based communication</a:t>
+            </a:r>
+            <a:endParaRPr lang="en-US" dirty="0"/>
+          </a:p>
+          <a:p>
+            <a:pPr marL="609448" indent="-609448">
+              <a:buFont typeface="Arial" pitchFamily="34" charset="0"/>
+              <a:buChar char="•"/>
+            </a:pPr>
+            <a:r>
+              <a:rPr lang="en-US" dirty="0" smtClean="0"/>
+              <a:t>Broadcast </a:t>
+            </a:r>
+            <a:r>
+              <a:rPr lang="en-US" dirty="0"/>
+              <a:t>or target specific client</a:t>
+            </a:r>
+          </a:p>
+        </p:txBody>
+      </p:sp>
+    </p:spTree>
+    <p:extLst>
+      <p:ext uri="{BB962C8B-B14F-4D97-AF65-F5344CB8AC3E}">
+        <p14:creationId xmlns:p14="http://schemas.microsoft.com/office/powerpoint/2010/main" val="1992623745"/>
+      </p:ext>
+    </p:extLst>
+  </p:cSld>
+  <p:clrMapOvr>
+    <a:masterClrMapping/>
+  </p:clrMapOvr>
+  <mc:AlternateContent xmlns:mc="http://schemas.openxmlformats.org/markup-compatibility/2006">
+    <mc:Choice xmlns:p14="http://schemas.microsoft.com/office/powerpoint/2010/main" Requires="p14">
+      <p:transition spd="med" p14:dur="700">
+        <p:fade/>
+      </p:transition>
+    </mc:Choice>
+    <mc:Fallback>
+      <p:transition spd="med">
+        <p:fade/>
+      </p:transition>
+    </mc:Fallback>
+  </mc:AlternateContent>
+  <p:timing>
+    <p:tnLst>
+      <p:par>
+        <p:cTn id="1" dur="indefinite" restart="never" nodeType="tmRoot"/>
+      </p:par>
+    </p:tnLst>
+  </p:timing>
+</p:sld>
+</file>
+
+<file path=ppt/slides/slide9.xml><?xml version="1.0" encoding="utf-8"?>
+<p:sld xmlns:a="http://schemas.openxmlformats.org/drawingml/2006/main" xmlns:r="http://schemas.openxmlformats.org/officeDocument/2006/relationships" xmlns:p="http://schemas.openxmlformats.org/presentationml/2006/main">
+  <p:cSld>
+    <p:spTree>
+      <p:nvGrpSpPr>
+        <p:cNvPr id="1" name=""/>
+        <p:cNvGrpSpPr/>
+        <p:nvPr/>
+      </p:nvGrpSpPr>
+      <p:grpSpPr>
+        <a:xfrm>
+          <a:off x="0" y="0"/>
+          <a:ext cx="0" cy="0"/>
+          <a:chOff x="0" y="0"/>
+          <a:chExt cx="0" cy="0"/>
+        </a:xfrm>
+      </p:grpSpPr>
+      <p:sp>
+        <p:nvSpPr>
+          <p:cNvPr id="2" name="Title 1"/>
+          <p:cNvSpPr>
+            <a:spLocks noGrp="1"/>
+          </p:cNvSpPr>
+          <p:nvPr>
+            <p:ph type="title"/>
+          </p:nvPr>
+        </p:nvSpPr>
+        <p:spPr/>
+        <p:txBody>
+          <a:bodyPr>
+            <a:normAutofit/>
+          </a:bodyPr>
+          <a:lstStyle/>
+          <a:p>
+            <a:r>
+              <a:rPr lang="en-US" dirty="0" smtClean="0"/>
+              <a:t>What does </a:t>
+            </a:r>
+            <a:r>
+              <a:rPr lang="en-US" dirty="0" smtClean="0"/>
+              <a:t>Socket.io do</a:t>
+            </a:r>
+            <a:r>
+              <a:rPr lang="en-US" dirty="0" smtClean="0"/>
+              <a:t>?</a:t>
+            </a:r>
+            <a:endParaRPr lang="ru-RU" dirty="0"/>
+          </a:p>
+        </p:txBody>
+      </p:sp>
+      <p:sp>
+        <p:nvSpPr>
+          <p:cNvPr id="3" name="Content Placeholder 2"/>
+          <p:cNvSpPr>
+            <a:spLocks noGrp="1"/>
+          </p:cNvSpPr>
+          <p:nvPr>
+            <p:ph idx="1"/>
+          </p:nvPr>
+        </p:nvSpPr>
+        <p:spPr/>
+        <p:txBody>
+          <a:bodyPr>
+            <a:noAutofit/>
+          </a:bodyPr>
+          <a:lstStyle/>
+          <a:p>
+            <a:pPr marL="609448" indent="-609448">
+              <a:buFont typeface="Arial" pitchFamily="34" charset="0"/>
+              <a:buChar char="•"/>
+            </a:pPr>
+            <a:r>
+              <a:rPr lang="en-US" sz="3600" dirty="0">
+                <a:solidFill>
+                  <a:schemeClr val="bg1"/>
+                </a:solidFill>
+              </a:rPr>
+              <a:t>Client to Server persistent connection over HTTP</a:t>
+            </a:r>
+          </a:p>
+          <a:p>
+            <a:pPr marL="609448" indent="-609448">
+              <a:buFont typeface="Arial" pitchFamily="34" charset="0"/>
+              <a:buChar char="•"/>
+            </a:pPr>
+            <a:r>
+              <a:rPr lang="en-US" sz="3600" dirty="0">
+                <a:solidFill>
+                  <a:schemeClr val="bg1"/>
+                </a:solidFill>
+              </a:rPr>
+              <a:t>Easily build multi-user, real-time web applications</a:t>
+            </a:r>
+          </a:p>
+          <a:p>
+            <a:pPr marL="609448" indent="-609448">
+              <a:buFont typeface="Arial" pitchFamily="34" charset="0"/>
+              <a:buChar char="•"/>
+            </a:pPr>
+            <a:r>
+              <a:rPr lang="en-US" sz="3600" dirty="0">
+                <a:solidFill>
+                  <a:schemeClr val="bg1"/>
+                </a:solidFill>
+              </a:rPr>
+              <a:t>Auto-negotiates </a:t>
+            </a:r>
+            <a:r>
+              <a:rPr lang="en-US" sz="3600" dirty="0" smtClean="0">
+                <a:solidFill>
+                  <a:schemeClr val="bg1"/>
+                </a:solidFill>
+              </a:rPr>
+              <a:t>transport</a:t>
+            </a:r>
+          </a:p>
+          <a:p>
+            <a:pPr marL="609448" indent="-609448"/>
+            <a:r>
+              <a:rPr lang="en-US" dirty="0"/>
+              <a:t>Open Source on </a:t>
+            </a:r>
+            <a:r>
+              <a:rPr lang="en-US" dirty="0" smtClean="0"/>
+              <a:t>GitHub</a:t>
+            </a:r>
+            <a:endParaRPr lang="en-US" dirty="0"/>
+          </a:p>
+        </p:txBody>
+      </p:sp>
+    </p:spTree>
+    <p:extLst>
+      <p:ext uri="{BB962C8B-B14F-4D97-AF65-F5344CB8AC3E}">
+        <p14:creationId xmlns:p14="http://schemas.microsoft.com/office/powerpoint/2010/main" val="98431428"/>
+      </p:ext>
+    </p:extLst>
+  </p:cSld>
+  <p:clrMapOvr>
+    <a:masterClrMapping/>
+  </p:clrMapOvr>
+  <mc:AlternateContent xmlns:mc="http://schemas.openxmlformats.org/markup-compatibility/2006">
+    <mc:Choice xmlns:p14="http://schemas.microsoft.com/office/powerpoint/2010/main" Requires="p14">
+      <p:transition spd="med" p14:dur="700">
+        <p:fade/>
+      </p:transition>
+    </mc:Choice>
+    <mc:Fallback>
       <p:transition spd="med">
         <p:fade/>
       </p:transition>
@@ -19773,6 +24024,21 @@
 </file>
 
 <file path=customXml/item1.xml><?xml version="1.0" encoding="utf-8"?>
+<?mso-contentType ?>
+<FormTemplates xmlns="http://schemas.microsoft.com/sharepoint/v3/contenttype/forms">
+  <Display>DocumentLibraryForm</Display>
+  <Edit>DocumentLibraryForm</Edit>
+  <New>DocumentLibraryForm</New>
+</FormTemplates>
+</file>
+
+<file path=customXml/item2.xml><?xml version="1.0" encoding="utf-8"?>
+<p:properties xmlns:p="http://schemas.microsoft.com/office/2006/metadata/properties" xmlns:xsi="http://www.w3.org/2001/XMLSchema-instance" xmlns:pc="http://schemas.microsoft.com/office/infopath/2007/PartnerControls">
+  <documentManagement/>
+</p:properties>
+</file>
+
+<file path=customXml/item3.xml><?xml version="1.0" encoding="utf-8"?>
 <ct:contentTypeSchema xmlns:ct="http://schemas.microsoft.com/office/2006/metadata/contentType" xmlns:ma="http://schemas.microsoft.com/office/2006/metadata/properties/metaAttributes" ct:_="" ma:_="" ma:contentTypeName="Document" ma:contentTypeID="0x010100391E57C78B9F604FB8BAD296D1460E2A" ma:contentTypeVersion="1" ma:contentTypeDescription="Create a new document." ma:contentTypeScope="" ma:versionID="fb382fe2362acd2155f454904f478e4d">
   <xsd:schema xmlns:xsd="http://www.w3.org/2001/XMLSchema" xmlns:xs="http://www.w3.org/2001/XMLSchema" xmlns:p="http://schemas.microsoft.com/office/2006/metadata/properties" xmlns:ns3="636b0322-90fb-440c-9cbc-22749e7231e9" targetNamespace="http://schemas.microsoft.com/office/2006/metadata/properties" ma:root="true" ma:fieldsID="b9887c63ce4710c1aeb75a5f03aecb69" ns3:_="">
     <xsd:import namespace="636b0322-90fb-440c-9cbc-22749e7231e9"/>
@@ -19912,35 +24178,10 @@
 </ct:contentTypeSchema>
 </file>
 
-<file path=customXml/item2.xml><?xml version="1.0" encoding="utf-8"?>
-<p:properties xmlns:p="http://schemas.microsoft.com/office/2006/metadata/properties" xmlns:xsi="http://www.w3.org/2001/XMLSchema-instance" xmlns:pc="http://schemas.microsoft.com/office/infopath/2007/PartnerControls">
-  <documentManagement/>
-</p:properties>
-</file>
-
-<file path=customXml/item3.xml><?xml version="1.0" encoding="utf-8"?>
-<?mso-contentType ?>
-<FormTemplates xmlns="http://schemas.microsoft.com/sharepoint/v3/contenttype/forms">
-  <Display>DocumentLibraryForm</Display>
-  <Edit>DocumentLibraryForm</Edit>
-  <New>DocumentLibraryForm</New>
-</FormTemplates>
-</file>
-
 <file path=customXml/itemProps1.xml><?xml version="1.0" encoding="utf-8"?>
-<ds:datastoreItem xmlns:ds="http://schemas.openxmlformats.org/officeDocument/2006/customXml" ds:itemID="{7B70CE0C-0988-423A-BF66-B40F6A1061FF}">
+<ds:datastoreItem xmlns:ds="http://schemas.openxmlformats.org/officeDocument/2006/customXml" ds:itemID="{B0CA13EC-1D3C-4D6F-8D1C-E8A452CFC79A}">
   <ds:schemaRefs>
-    <ds:schemaRef ds:uri="http://schemas.microsoft.com/office/2006/metadata/contentType"/>
-    <ds:schemaRef ds:uri="http://schemas.microsoft.com/office/2006/metadata/properties/metaAttributes"/>
-    <ds:schemaRef ds:uri="http://www.w3.org/2001/XMLSchema"/>
-    <ds:schemaRef ds:uri="http://schemas.microsoft.com/office/2006/metadata/properties"/>
-    <ds:schemaRef ds:uri="636b0322-90fb-440c-9cbc-22749e7231e9"/>
-    <ds:schemaRef ds:uri="http://schemas.microsoft.com/office/2006/documentManagement/types"/>
-    <ds:schemaRef ds:uri="http://schemas.microsoft.com/office/infopath/2007/PartnerControls"/>
-    <ds:schemaRef ds:uri="http://schemas.openxmlformats.org/package/2006/metadata/core-properties"/>
-    <ds:schemaRef ds:uri="http://purl.org/dc/elements/1.1/"/>
-    <ds:schemaRef ds:uri="http://purl.org/dc/terms/"/>
-    <ds:schemaRef ds:uri="http://schemas.microsoft.com/internal/obd"/>
+    <ds:schemaRef ds:uri="http://schemas.microsoft.com/sharepoint/v3/contenttype/forms"/>
   </ds:schemaRefs>
 </ds:datastoreItem>
 </file>
@@ -19962,9 +24203,19 @@
 </file>
 
 <file path=customXml/itemProps3.xml><?xml version="1.0" encoding="utf-8"?>
-<ds:datastoreItem xmlns:ds="http://schemas.openxmlformats.org/officeDocument/2006/customXml" ds:itemID="{B0CA13EC-1D3C-4D6F-8D1C-E8A452CFC79A}">
+<ds:datastoreItem xmlns:ds="http://schemas.openxmlformats.org/officeDocument/2006/customXml" ds:itemID="{7B70CE0C-0988-423A-BF66-B40F6A1061FF}">
   <ds:schemaRefs>
-    <ds:schemaRef ds:uri="http://schemas.microsoft.com/sharepoint/v3/contenttype/forms"/>
+    <ds:schemaRef ds:uri="http://schemas.microsoft.com/office/2006/metadata/contentType"/>
+    <ds:schemaRef ds:uri="http://schemas.microsoft.com/office/2006/metadata/properties/metaAttributes"/>
+    <ds:schemaRef ds:uri="http://www.w3.org/2001/XMLSchema"/>
+    <ds:schemaRef ds:uri="http://schemas.microsoft.com/office/2006/metadata/properties"/>
+    <ds:schemaRef ds:uri="636b0322-90fb-440c-9cbc-22749e7231e9"/>
+    <ds:schemaRef ds:uri="http://schemas.microsoft.com/office/2006/documentManagement/types"/>
+    <ds:schemaRef ds:uri="http://schemas.microsoft.com/office/infopath/2007/PartnerControls"/>
+    <ds:schemaRef ds:uri="http://schemas.openxmlformats.org/package/2006/metadata/core-properties"/>
+    <ds:schemaRef ds:uri="http://purl.org/dc/elements/1.1/"/>
+    <ds:schemaRef ds:uri="http://purl.org/dc/terms/"/>
+    <ds:schemaRef ds:uri="http://schemas.microsoft.com/internal/obd"/>
   </ds:schemaRefs>
 </ds:datastoreItem>
 </file>
--- a/Presentation/ConnectingFrontAndBack/ConnectingFrontAndBack.pptx
+++ b/Presentation/ConnectingFrontAndBack/ConnectingFrontAndBack.pptx
@@ -220,7 +220,7 @@
           <a:p>
             <a:fld id="{312E7B4A-039C-48A2-9B2C-AF16AA3873D8}" type="datetimeFigureOut">
               <a:rPr lang="en-US" smtClean="0"/>
-              <a:t>23/07/2015</a:t>
+              <a:t>1/26/2016</a:t>
             </a:fld>
             <a:endParaRPr lang="en-US"/>
           </a:p>
@@ -385,7 +385,7 @@
           <a:p>
             <a:fld id="{DA005A0C-54D9-45AA-87D4-C551D08DFCE1}" type="datetimeFigureOut">
               <a:rPr lang="en-US" smtClean="0"/>
-              <a:t>23/07/2015</a:t>
+              <a:t>1/26/2016</a:t>
             </a:fld>
             <a:endParaRPr lang="en-US"/>
           </a:p>
@@ -1468,10 +1468,34 @@
                 <a:tableStyleId>{5C22544A-7EE6-4342-B048-85BDC9FD1C3A}</a:tableStyleId>
               </a:tblPr>
               <a:tblGrid>
-                <a:gridCol w="2764105"/>
-                <a:gridCol w="2764105"/>
-                <a:gridCol w="2764105"/>
-                <a:gridCol w="2764105"/>
+                <a:gridCol w="2764105">
+                  <a:extLst>
+                    <a:ext uri="{9D8B030D-6E8A-4147-A177-3AD203B41FA5}">
+                      <a16:colId xmlns:a16="http://schemas.microsoft.com/office/drawing/2014/main" val="20000"/>
+                    </a:ext>
+                  </a:extLst>
+                </a:gridCol>
+                <a:gridCol w="2764105">
+                  <a:extLst>
+                    <a:ext uri="{9D8B030D-6E8A-4147-A177-3AD203B41FA5}">
+                      <a16:colId xmlns:a16="http://schemas.microsoft.com/office/drawing/2014/main" val="20001"/>
+                    </a:ext>
+                  </a:extLst>
+                </a:gridCol>
+                <a:gridCol w="2764105">
+                  <a:extLst>
+                    <a:ext uri="{9D8B030D-6E8A-4147-A177-3AD203B41FA5}">
+                      <a16:colId xmlns:a16="http://schemas.microsoft.com/office/drawing/2014/main" val="20002"/>
+                    </a:ext>
+                  </a:extLst>
+                </a:gridCol>
+                <a:gridCol w="2764105">
+                  <a:extLst>
+                    <a:ext uri="{9D8B030D-6E8A-4147-A177-3AD203B41FA5}">
+                      <a16:colId xmlns:a16="http://schemas.microsoft.com/office/drawing/2014/main" val="20003"/>
+                    </a:ext>
+                  </a:extLst>
+                </a:gridCol>
               </a:tblGrid>
               <a:tr h="644435">
                 <a:tc>
@@ -1646,6 +1670,11 @@
                     </a:lnBlToTr>
                   </a:tcPr>
                 </a:tc>
+                <a:extLst>
+                  <a:ext uri="{0D108BD9-81ED-4DB2-BD59-A6C34878D82A}">
+                    <a16:rowId xmlns:a16="http://schemas.microsoft.com/office/drawing/2014/main" val="10000"/>
+                  </a:ext>
+                </a:extLst>
               </a:tr>
               <a:tr h="1225319">
                 <a:tc>
@@ -1877,6 +1906,11 @@
                     </a:lnBlToTr>
                   </a:tcPr>
                 </a:tc>
+                <a:extLst>
+                  <a:ext uri="{0D108BD9-81ED-4DB2-BD59-A6C34878D82A}">
+                    <a16:rowId xmlns:a16="http://schemas.microsoft.com/office/drawing/2014/main" val="10001"/>
+                  </a:ext>
+                </a:extLst>
               </a:tr>
               <a:tr h="1225319">
                 <a:tc>
@@ -2127,6 +2161,11 @@
                     </a:lnBlToTr>
                   </a:tcPr>
                 </a:tc>
+                <a:extLst>
+                  <a:ext uri="{0D108BD9-81ED-4DB2-BD59-A6C34878D82A}">
+                    <a16:rowId xmlns:a16="http://schemas.microsoft.com/office/drawing/2014/main" val="10002"/>
+                  </a:ext>
+                </a:extLst>
               </a:tr>
               <a:tr h="1225319">
                 <a:tc>
@@ -2377,6 +2416,11 @@
                     </a:lnBlToTr>
                   </a:tcPr>
                 </a:tc>
+                <a:extLst>
+                  <a:ext uri="{0D108BD9-81ED-4DB2-BD59-A6C34878D82A}">
+                    <a16:rowId xmlns:a16="http://schemas.microsoft.com/office/drawing/2014/main" val="10003"/>
+                  </a:ext>
+                </a:extLst>
               </a:tr>
             </a:tbl>
           </a:graphicData>
@@ -4840,10 +4884,34 @@
                 <a:tableStyleId>{93296810-A885-4BE3-A3E7-6D5BEEA58F35}</a:tableStyleId>
               </a:tblPr>
               <a:tblGrid>
-                <a:gridCol w="2764105"/>
-                <a:gridCol w="2764105"/>
-                <a:gridCol w="2764105"/>
-                <a:gridCol w="2764105"/>
+                <a:gridCol w="2764105">
+                  <a:extLst>
+                    <a:ext uri="{9D8B030D-6E8A-4147-A177-3AD203B41FA5}">
+                      <a16:colId xmlns:a16="http://schemas.microsoft.com/office/drawing/2014/main" val="20000"/>
+                    </a:ext>
+                  </a:extLst>
+                </a:gridCol>
+                <a:gridCol w="2764105">
+                  <a:extLst>
+                    <a:ext uri="{9D8B030D-6E8A-4147-A177-3AD203B41FA5}">
+                      <a16:colId xmlns:a16="http://schemas.microsoft.com/office/drawing/2014/main" val="20001"/>
+                    </a:ext>
+                  </a:extLst>
+                </a:gridCol>
+                <a:gridCol w="2764105">
+                  <a:extLst>
+                    <a:ext uri="{9D8B030D-6E8A-4147-A177-3AD203B41FA5}">
+                      <a16:colId xmlns:a16="http://schemas.microsoft.com/office/drawing/2014/main" val="20002"/>
+                    </a:ext>
+                  </a:extLst>
+                </a:gridCol>
+                <a:gridCol w="2764105">
+                  <a:extLst>
+                    <a:ext uri="{9D8B030D-6E8A-4147-A177-3AD203B41FA5}">
+                      <a16:colId xmlns:a16="http://schemas.microsoft.com/office/drawing/2014/main" val="20003"/>
+                    </a:ext>
+                  </a:extLst>
+                </a:gridCol>
               </a:tblGrid>
               <a:tr h="644435">
                 <a:tc>
@@ -5002,6 +5070,11 @@
                     </a:lnBlToTr>
                   </a:tcPr>
                 </a:tc>
+                <a:extLst>
+                  <a:ext uri="{0D108BD9-81ED-4DB2-BD59-A6C34878D82A}">
+                    <a16:rowId xmlns:a16="http://schemas.microsoft.com/office/drawing/2014/main" val="10000"/>
+                  </a:ext>
+                </a:extLst>
               </a:tr>
               <a:tr h="1225319">
                 <a:tc>
@@ -5217,6 +5290,11 @@
                     </a:lnBlToTr>
                   </a:tcPr>
                 </a:tc>
+                <a:extLst>
+                  <a:ext uri="{0D108BD9-81ED-4DB2-BD59-A6C34878D82A}">
+                    <a16:rowId xmlns:a16="http://schemas.microsoft.com/office/drawing/2014/main" val="10001"/>
+                  </a:ext>
+                </a:extLst>
               </a:tr>
               <a:tr h="1225319">
                 <a:tc>
@@ -5451,6 +5529,11 @@
                     </a:lnBlToTr>
                   </a:tcPr>
                 </a:tc>
+                <a:extLst>
+                  <a:ext uri="{0D108BD9-81ED-4DB2-BD59-A6C34878D82A}">
+                    <a16:rowId xmlns:a16="http://schemas.microsoft.com/office/drawing/2014/main" val="10002"/>
+                  </a:ext>
+                </a:extLst>
               </a:tr>
               <a:tr h="1225319">
                 <a:tc>
@@ -5685,6 +5768,11 @@
                     </a:lnBlToTr>
                   </a:tcPr>
                 </a:tc>
+                <a:extLst>
+                  <a:ext uri="{0D108BD9-81ED-4DB2-BD59-A6C34878D82A}">
+                    <a16:rowId xmlns:a16="http://schemas.microsoft.com/office/drawing/2014/main" val="10003"/>
+                  </a:ext>
+                </a:extLst>
               </a:tr>
             </a:tbl>
           </a:graphicData>
@@ -6668,10 +6756,34 @@
                 <a:tableStyleId>{21E4AEA4-8DFA-4A89-87EB-49C32662AFE0}</a:tableStyleId>
               </a:tblPr>
               <a:tblGrid>
-                <a:gridCol w="2764105"/>
-                <a:gridCol w="2764105"/>
-                <a:gridCol w="2764105"/>
-                <a:gridCol w="2764105"/>
+                <a:gridCol w="2764105">
+                  <a:extLst>
+                    <a:ext uri="{9D8B030D-6E8A-4147-A177-3AD203B41FA5}">
+                      <a16:colId xmlns:a16="http://schemas.microsoft.com/office/drawing/2014/main" val="20000"/>
+                    </a:ext>
+                  </a:extLst>
+                </a:gridCol>
+                <a:gridCol w="2764105">
+                  <a:extLst>
+                    <a:ext uri="{9D8B030D-6E8A-4147-A177-3AD203B41FA5}">
+                      <a16:colId xmlns:a16="http://schemas.microsoft.com/office/drawing/2014/main" val="20001"/>
+                    </a:ext>
+                  </a:extLst>
+                </a:gridCol>
+                <a:gridCol w="2764105">
+                  <a:extLst>
+                    <a:ext uri="{9D8B030D-6E8A-4147-A177-3AD203B41FA5}">
+                      <a16:colId xmlns:a16="http://schemas.microsoft.com/office/drawing/2014/main" val="20002"/>
+                    </a:ext>
+                  </a:extLst>
+                </a:gridCol>
+                <a:gridCol w="2764105">
+                  <a:extLst>
+                    <a:ext uri="{9D8B030D-6E8A-4147-A177-3AD203B41FA5}">
+                      <a16:colId xmlns:a16="http://schemas.microsoft.com/office/drawing/2014/main" val="20003"/>
+                    </a:ext>
+                  </a:extLst>
+                </a:gridCol>
               </a:tblGrid>
               <a:tr h="644435">
                 <a:tc>
@@ -6842,6 +6954,11 @@
                     </a:solidFill>
                   </a:tcPr>
                 </a:tc>
+                <a:extLst>
+                  <a:ext uri="{0D108BD9-81ED-4DB2-BD59-A6C34878D82A}">
+                    <a16:rowId xmlns:a16="http://schemas.microsoft.com/office/drawing/2014/main" val="10000"/>
+                  </a:ext>
+                </a:extLst>
               </a:tr>
               <a:tr h="1225319">
                 <a:tc>
@@ -7069,6 +7186,11 @@
                     </a:solidFill>
                   </a:tcPr>
                 </a:tc>
+                <a:extLst>
+                  <a:ext uri="{0D108BD9-81ED-4DB2-BD59-A6C34878D82A}">
+                    <a16:rowId xmlns:a16="http://schemas.microsoft.com/office/drawing/2014/main" val="10001"/>
+                  </a:ext>
+                </a:extLst>
               </a:tr>
               <a:tr h="1225319">
                 <a:tc>
@@ -7323,6 +7445,11 @@
                     </a:solidFill>
                   </a:tcPr>
                 </a:tc>
+                <a:extLst>
+                  <a:ext uri="{0D108BD9-81ED-4DB2-BD59-A6C34878D82A}">
+                    <a16:rowId xmlns:a16="http://schemas.microsoft.com/office/drawing/2014/main" val="10002"/>
+                  </a:ext>
+                </a:extLst>
               </a:tr>
               <a:tr h="1225319">
                 <a:tc>
@@ -7569,6 +7696,11 @@
                     </a:solidFill>
                   </a:tcPr>
                 </a:tc>
+                <a:extLst>
+                  <a:ext uri="{0D108BD9-81ED-4DB2-BD59-A6C34878D82A}">
+                    <a16:rowId xmlns:a16="http://schemas.microsoft.com/office/drawing/2014/main" val="10003"/>
+                  </a:ext>
+                </a:extLst>
               </a:tr>
             </a:tbl>
           </a:graphicData>
@@ -8439,10 +8571,34 @@
                 <a:tableStyleId>{5C22544A-7EE6-4342-B048-85BDC9FD1C3A}</a:tableStyleId>
               </a:tblPr>
               <a:tblGrid>
-                <a:gridCol w="2764105"/>
-                <a:gridCol w="2764105"/>
-                <a:gridCol w="2764105"/>
-                <a:gridCol w="2764105"/>
+                <a:gridCol w="2764105">
+                  <a:extLst>
+                    <a:ext uri="{9D8B030D-6E8A-4147-A177-3AD203B41FA5}">
+                      <a16:colId xmlns:a16="http://schemas.microsoft.com/office/drawing/2014/main" val="20000"/>
+                    </a:ext>
+                  </a:extLst>
+                </a:gridCol>
+                <a:gridCol w="2764105">
+                  <a:extLst>
+                    <a:ext uri="{9D8B030D-6E8A-4147-A177-3AD203B41FA5}">
+                      <a16:colId xmlns:a16="http://schemas.microsoft.com/office/drawing/2014/main" val="20001"/>
+                    </a:ext>
+                  </a:extLst>
+                </a:gridCol>
+                <a:gridCol w="2764105">
+                  <a:extLst>
+                    <a:ext uri="{9D8B030D-6E8A-4147-A177-3AD203B41FA5}">
+                      <a16:colId xmlns:a16="http://schemas.microsoft.com/office/drawing/2014/main" val="20002"/>
+                    </a:ext>
+                  </a:extLst>
+                </a:gridCol>
+                <a:gridCol w="2764105">
+                  <a:extLst>
+                    <a:ext uri="{9D8B030D-6E8A-4147-A177-3AD203B41FA5}">
+                      <a16:colId xmlns:a16="http://schemas.microsoft.com/office/drawing/2014/main" val="20003"/>
+                    </a:ext>
+                  </a:extLst>
+                </a:gridCol>
               </a:tblGrid>
               <a:tr h="644435">
                 <a:tc>
@@ -8617,6 +8773,11 @@
                     </a:lnBlToTr>
                   </a:tcPr>
                 </a:tc>
+                <a:extLst>
+                  <a:ext uri="{0D108BD9-81ED-4DB2-BD59-A6C34878D82A}">
+                    <a16:rowId xmlns:a16="http://schemas.microsoft.com/office/drawing/2014/main" val="10000"/>
+                  </a:ext>
+                </a:extLst>
               </a:tr>
               <a:tr h="1225319">
                 <a:tc>
@@ -8848,6 +9009,11 @@
                     </a:lnBlToTr>
                   </a:tcPr>
                 </a:tc>
+                <a:extLst>
+                  <a:ext uri="{0D108BD9-81ED-4DB2-BD59-A6C34878D82A}">
+                    <a16:rowId xmlns:a16="http://schemas.microsoft.com/office/drawing/2014/main" val="10001"/>
+                  </a:ext>
+                </a:extLst>
               </a:tr>
               <a:tr h="1225319">
                 <a:tc>
@@ -9098,6 +9264,11 @@
                     </a:lnBlToTr>
                   </a:tcPr>
                 </a:tc>
+                <a:extLst>
+                  <a:ext uri="{0D108BD9-81ED-4DB2-BD59-A6C34878D82A}">
+                    <a16:rowId xmlns:a16="http://schemas.microsoft.com/office/drawing/2014/main" val="10002"/>
+                  </a:ext>
+                </a:extLst>
               </a:tr>
               <a:tr h="1225319">
                 <a:tc>
@@ -9348,6 +9519,11 @@
                     </a:lnBlToTr>
                   </a:tcPr>
                 </a:tc>
+                <a:extLst>
+                  <a:ext uri="{0D108BD9-81ED-4DB2-BD59-A6C34878D82A}">
+                    <a16:rowId xmlns:a16="http://schemas.microsoft.com/office/drawing/2014/main" val="10003"/>
+                  </a:ext>
+                </a:extLst>
               </a:tr>
             </a:tbl>
           </a:graphicData>
@@ -10329,10 +10505,34 @@
                 <a:tableStyleId>{5C22544A-7EE6-4342-B048-85BDC9FD1C3A}</a:tableStyleId>
               </a:tblPr>
               <a:tblGrid>
-                <a:gridCol w="2764105"/>
-                <a:gridCol w="2764105"/>
-                <a:gridCol w="2764105"/>
-                <a:gridCol w="2764105"/>
+                <a:gridCol w="2764105">
+                  <a:extLst>
+                    <a:ext uri="{9D8B030D-6E8A-4147-A177-3AD203B41FA5}">
+                      <a16:colId xmlns:a16="http://schemas.microsoft.com/office/drawing/2014/main" val="20000"/>
+                    </a:ext>
+                  </a:extLst>
+                </a:gridCol>
+                <a:gridCol w="2764105">
+                  <a:extLst>
+                    <a:ext uri="{9D8B030D-6E8A-4147-A177-3AD203B41FA5}">
+                      <a16:colId xmlns:a16="http://schemas.microsoft.com/office/drawing/2014/main" val="20001"/>
+                    </a:ext>
+                  </a:extLst>
+                </a:gridCol>
+                <a:gridCol w="2764105">
+                  <a:extLst>
+                    <a:ext uri="{9D8B030D-6E8A-4147-A177-3AD203B41FA5}">
+                      <a16:colId xmlns:a16="http://schemas.microsoft.com/office/drawing/2014/main" val="20002"/>
+                    </a:ext>
+                  </a:extLst>
+                </a:gridCol>
+                <a:gridCol w="2764105">
+                  <a:extLst>
+                    <a:ext uri="{9D8B030D-6E8A-4147-A177-3AD203B41FA5}">
+                      <a16:colId xmlns:a16="http://schemas.microsoft.com/office/drawing/2014/main" val="20003"/>
+                    </a:ext>
+                  </a:extLst>
+                </a:gridCol>
               </a:tblGrid>
               <a:tr h="644435">
                 <a:tc>
@@ -10507,6 +10707,11 @@
                     </a:lnBlToTr>
                   </a:tcPr>
                 </a:tc>
+                <a:extLst>
+                  <a:ext uri="{0D108BD9-81ED-4DB2-BD59-A6C34878D82A}">
+                    <a16:rowId xmlns:a16="http://schemas.microsoft.com/office/drawing/2014/main" val="10000"/>
+                  </a:ext>
+                </a:extLst>
               </a:tr>
               <a:tr h="1225319">
                 <a:tc>
@@ -10738,6 +10943,11 @@
                     </a:lnBlToTr>
                   </a:tcPr>
                 </a:tc>
+                <a:extLst>
+                  <a:ext uri="{0D108BD9-81ED-4DB2-BD59-A6C34878D82A}">
+                    <a16:rowId xmlns:a16="http://schemas.microsoft.com/office/drawing/2014/main" val="10001"/>
+                  </a:ext>
+                </a:extLst>
               </a:tr>
               <a:tr h="1225319">
                 <a:tc>
@@ -10988,6 +11198,11 @@
                     </a:lnBlToTr>
                   </a:tcPr>
                 </a:tc>
+                <a:extLst>
+                  <a:ext uri="{0D108BD9-81ED-4DB2-BD59-A6C34878D82A}">
+                    <a16:rowId xmlns:a16="http://schemas.microsoft.com/office/drawing/2014/main" val="10002"/>
+                  </a:ext>
+                </a:extLst>
               </a:tr>
               <a:tr h="1225319">
                 <a:tc>
@@ -11238,6 +11453,11 @@
                     </a:lnBlToTr>
                   </a:tcPr>
                 </a:tc>
+                <a:extLst>
+                  <a:ext uri="{0D108BD9-81ED-4DB2-BD59-A6C34878D82A}">
+                    <a16:rowId xmlns:a16="http://schemas.microsoft.com/office/drawing/2014/main" val="10003"/>
+                  </a:ext>
+                </a:extLst>
               </a:tr>
             </a:tbl>
           </a:graphicData>
@@ -18175,13 +18395,13 @@
   <p:clrMapOvr>
     <a:masterClrMapping/>
   </p:clrMapOvr>
-  <mc:AlternateContent xmlns:mc="http://schemas.openxmlformats.org/markup-compatibility/2006">
-    <mc:Choice xmlns:p14="http://schemas.microsoft.com/office/powerpoint/2010/main" Requires="p14">
+  <mc:AlternateContent xmlns:mc="http://schemas.openxmlformats.org/markup-compatibility/2006" xmlns:p14="http://schemas.microsoft.com/office/powerpoint/2010/main">
+    <mc:Choice Requires="p14">
       <p:transition spd="med" p14:dur="700">
         <p:fade/>
       </p:transition>
     </mc:Choice>
-    <mc:Fallback>
+    <mc:Fallback xmlns="">
       <p:transition spd="med">
         <p:fade/>
       </p:transition>
@@ -18231,7 +18451,11 @@
           <a:p>
             <a:r>
               <a:rPr lang="en-US" dirty="0" smtClean="0"/>
-              <a:t>Socket I.O Messages</a:t>
+              <a:t>Socket.IO </a:t>
+            </a:r>
+            <a:r>
+              <a:rPr lang="en-US" dirty="0" smtClean="0"/>
+              <a:t>Messages</a:t>
             </a:r>
             <a:endParaRPr lang="en-US" dirty="0"/>
           </a:p>
@@ -18295,13 +18519,13 @@
   <p:clrMapOvr>
     <a:masterClrMapping/>
   </p:clrMapOvr>
-  <mc:AlternateContent xmlns:mc="http://schemas.openxmlformats.org/markup-compatibility/2006">
-    <mc:Choice xmlns:p14="http://schemas.microsoft.com/office/powerpoint/2010/main" Requires="p14">
+  <mc:AlternateContent xmlns:mc="http://schemas.openxmlformats.org/markup-compatibility/2006" xmlns:p14="http://schemas.microsoft.com/office/powerpoint/2010/main">
+    <mc:Choice Requires="p14">
       <p:transition spd="med" p14:dur="700">
         <p:fade/>
       </p:transition>
     </mc:Choice>
-    <mc:Fallback>
+    <mc:Fallback xmlns="">
       <p:transition spd="med">
         <p:fade/>
       </p:transition>
@@ -18366,13 +18590,13 @@
   <p:clrMapOvr>
     <a:masterClrMapping/>
   </p:clrMapOvr>
-  <mc:AlternateContent xmlns:mc="http://schemas.openxmlformats.org/markup-compatibility/2006">
-    <mc:Choice xmlns:p14="http://schemas.microsoft.com/office/powerpoint/2010/main" Requires="p14">
+  <mc:AlternateContent xmlns:mc="http://schemas.openxmlformats.org/markup-compatibility/2006" xmlns:p14="http://schemas.microsoft.com/office/powerpoint/2010/main">
+    <mc:Choice Requires="p14">
       <p:transition spd="med" p14:dur="700">
         <p:fade/>
       </p:transition>
     </mc:Choice>
-    <mc:Fallback>
+    <mc:Fallback xmlns="">
       <p:transition spd="med">
         <p:fade/>
       </p:transition>
@@ -18415,13 +18639,13 @@
   <p:clrMapOvr>
     <a:masterClrMapping/>
   </p:clrMapOvr>
-  <mc:AlternateContent xmlns:mc="http://schemas.openxmlformats.org/markup-compatibility/2006">
-    <mc:Choice xmlns:p14="http://schemas.microsoft.com/office/powerpoint/2010/main" Requires="p14">
+  <mc:AlternateContent xmlns:mc="http://schemas.openxmlformats.org/markup-compatibility/2006" xmlns:p14="http://schemas.microsoft.com/office/powerpoint/2010/main">
+    <mc:Choice Requires="p14">
       <p:transition spd="med" p14:dur="700">
         <p:fade/>
       </p:transition>
     </mc:Choice>
-    <mc:Fallback>
+    <mc:Fallback xmlns="">
       <p:transition spd="med">
         <p:fade/>
       </p:transition>
@@ -18510,23 +18734,12 @@
             </a:pPr>
             <a:r>
               <a:rPr lang="en-GB" dirty="0" smtClean="0"/>
-              <a:t>Listening for Messages</a:t>
-            </a:r>
-          </a:p>
-          <a:p>
-            <a:pPr marL="742950" indent="-742950">
-              <a:buFont typeface="+mj-lt"/>
-              <a:buAutoNum type="arabicParenR"/>
-            </a:pPr>
+              <a:t>Listening </a:t>
+            </a:r>
             <a:r>
               <a:rPr lang="en-GB" dirty="0" smtClean="0"/>
-              <a:t>Sending Messages</a:t>
-            </a:r>
-          </a:p>
-          <a:p>
-            <a:pPr marL="0" indent="0">
-              <a:buNone/>
-            </a:pPr>
+              <a:t>and Sending Messages</a:t>
+            </a:r>
             <a:endParaRPr lang="en-GB" dirty="0" smtClean="0"/>
           </a:p>
         </p:txBody>
@@ -18541,13 +18754,13 @@
   <p:clrMapOvr>
     <a:masterClrMapping/>
   </p:clrMapOvr>
-  <mc:AlternateContent xmlns:mc="http://schemas.openxmlformats.org/markup-compatibility/2006">
-    <mc:Choice xmlns:p14="http://schemas.microsoft.com/office/powerpoint/2010/main" Requires="p14">
+  <mc:AlternateContent xmlns:mc="http://schemas.openxmlformats.org/markup-compatibility/2006" xmlns:p14="http://schemas.microsoft.com/office/powerpoint/2010/main">
+    <mc:Choice Requires="p14">
       <p:transition spd="med" p14:dur="700">
         <p:fade/>
       </p:transition>
     </mc:Choice>
-    <mc:Fallback>
+    <mc:Fallback xmlns="">
       <p:transition spd="med">
         <p:fade/>
       </p:transition>
@@ -18597,7 +18810,15 @@
           <a:p>
             <a:r>
               <a:rPr lang="en-US" dirty="0"/>
-              <a:t>Adding in libraries to the </a:t>
+              <a:t>Adding </a:t>
+            </a:r>
+            <a:r>
+              <a:rPr lang="en-US" dirty="0" smtClean="0"/>
+              <a:t>Libraries </a:t>
+            </a:r>
+            <a:r>
+              <a:rPr lang="en-US" dirty="0"/>
+              <a:t>to the </a:t>
             </a:r>
             <a:r>
               <a:rPr lang="en-US" dirty="0" err="1"/>
@@ -18617,13 +18838,13 @@
   <p:clrMapOvr>
     <a:masterClrMapping/>
   </p:clrMapOvr>
-  <mc:AlternateContent xmlns:mc="http://schemas.openxmlformats.org/markup-compatibility/2006">
-    <mc:Choice xmlns:p14="http://schemas.microsoft.com/office/powerpoint/2010/main" Requires="p14">
+  <mc:AlternateContent xmlns:mc="http://schemas.openxmlformats.org/markup-compatibility/2006" xmlns:p14="http://schemas.microsoft.com/office/powerpoint/2010/main">
+    <mc:Choice Requires="p14">
       <p:transition spd="med" p14:dur="700">
         <p:fade/>
       </p:transition>
     </mc:Choice>
-    <mc:Fallback>
+    <mc:Fallback xmlns="">
       <p:transition spd="med">
         <p:fade/>
       </p:transition>
@@ -18672,9 +18893,14 @@
           <a:lstStyle/>
           <a:p>
             <a:r>
-              <a:rPr lang="en-US" dirty="0"/>
-              <a:t>Listening for Messages</a:t>
-            </a:r>
+              <a:rPr lang="en-GB" dirty="0"/>
+              <a:t>Listening and Sending </a:t>
+            </a:r>
+            <a:r>
+              <a:rPr lang="en-GB" dirty="0" smtClean="0"/>
+              <a:t>Messages</a:t>
+            </a:r>
+            <a:endParaRPr lang="en-US" dirty="0"/>
           </a:p>
         </p:txBody>
       </p:sp>
@@ -18688,13 +18914,13 @@
   <p:clrMapOvr>
     <a:masterClrMapping/>
   </p:clrMapOvr>
-  <mc:AlternateContent xmlns:mc="http://schemas.openxmlformats.org/markup-compatibility/2006">
-    <mc:Choice xmlns:p14="http://schemas.microsoft.com/office/powerpoint/2010/main" Requires="p14">
+  <mc:AlternateContent xmlns:mc="http://schemas.openxmlformats.org/markup-compatibility/2006" xmlns:p14="http://schemas.microsoft.com/office/powerpoint/2010/main">
+    <mc:Choice Requires="p14">
       <p:transition spd="med" p14:dur="700">
         <p:fade/>
       </p:transition>
     </mc:Choice>
-    <mc:Fallback>
+    <mc:Fallback xmlns="">
       <p:transition spd="med">
         <p:fade/>
       </p:transition>
@@ -19622,13 +19848,13 @@
   <p:clrMapOvr>
     <a:masterClrMapping/>
   </p:clrMapOvr>
-  <mc:AlternateContent xmlns:mc="http://schemas.openxmlformats.org/markup-compatibility/2006">
-    <mc:Choice xmlns:p14="http://schemas.microsoft.com/office/powerpoint/2010/main" Requires="p14">
+  <mc:AlternateContent xmlns:mc="http://schemas.openxmlformats.org/markup-compatibility/2006" xmlns:p14="http://schemas.microsoft.com/office/powerpoint/2010/main">
+    <mc:Choice Requires="p14">
       <p:transition spd="med" p14:dur="700">
         <p:fade/>
       </p:transition>
     </mc:Choice>
-    <mc:Fallback>
+    <mc:Fallback xmlns="">
       <p:transition spd="med">
         <p:fade/>
       </p:transition>
@@ -20903,13 +21129,13 @@
   <p:clrMapOvr>
     <a:masterClrMapping/>
   </p:clrMapOvr>
-  <mc:AlternateContent xmlns:mc="http://schemas.openxmlformats.org/markup-compatibility/2006">
-    <mc:Choice xmlns:p14="http://schemas.microsoft.com/office/powerpoint/2010/main" Requires="p14">
+  <mc:AlternateContent xmlns:mc="http://schemas.openxmlformats.org/markup-compatibility/2006" xmlns:p14="http://schemas.microsoft.com/office/powerpoint/2010/main">
+    <mc:Choice Requires="p14">
       <p:transition spd="med" p14:dur="700">
         <p:fade/>
       </p:transition>
     </mc:Choice>
-    <mc:Fallback>
+    <mc:Fallback xmlns="">
       <p:transition spd="med">
         <p:fade/>
       </p:transition>
@@ -21530,7 +21756,7 @@
                   <a:lin ang="5400000" scaled="0"/>
                 </a:gradFill>
               </a:rPr>
-              <a:t>Socket.io!!!</a:t>
+              <a:t>Socket.IO!!!</a:t>
             </a:r>
             <a:endParaRPr lang="en-US" sz="4400" dirty="0">
               <a:gradFill>
@@ -21558,13 +21784,13 @@
   <p:clrMapOvr>
     <a:masterClrMapping/>
   </p:clrMapOvr>
-  <mc:AlternateContent xmlns:mc="http://schemas.openxmlformats.org/markup-compatibility/2006">
-    <mc:Choice xmlns:p14="http://schemas.microsoft.com/office/powerpoint/2010/main" Requires="p14">
+  <mc:AlternateContent xmlns:mc="http://schemas.openxmlformats.org/markup-compatibility/2006" xmlns:p14="http://schemas.microsoft.com/office/powerpoint/2010/main">
+    <mc:Choice Requires="p14">
       <p:transition spd="med" p14:dur="700">
         <p:fade/>
       </p:transition>
     </mc:Choice>
-    <mc:Fallback>
+    <mc:Fallback xmlns="">
       <p:transition spd="med">
         <p:fade/>
       </p:transition>
@@ -21746,7 +21972,7 @@
             </a:r>
             <a:r>
               <a:rPr lang="en-US" dirty="0" smtClean="0"/>
-              <a:t>Socket.io</a:t>
+              <a:t>Socket.IO</a:t>
             </a:r>
             <a:endParaRPr lang="ru-RU" dirty="0"/>
           </a:p>
@@ -21817,13 +22043,13 @@
   <p:clrMapOvr>
     <a:masterClrMapping/>
   </p:clrMapOvr>
-  <mc:AlternateContent xmlns:mc="http://schemas.openxmlformats.org/markup-compatibility/2006">
-    <mc:Choice xmlns:p14="http://schemas.microsoft.com/office/powerpoint/2010/main" Requires="p14">
+  <mc:AlternateContent xmlns:mc="http://schemas.openxmlformats.org/markup-compatibility/2006" xmlns:p14="http://schemas.microsoft.com/office/powerpoint/2010/main">
+    <mc:Choice Requires="p14">
       <p:transition spd="med" p14:dur="700">
         <p:fade/>
       </p:transition>
     </mc:Choice>
-    <mc:Fallback>
+    <mc:Fallback xmlns="">
       <p:transition spd="med">
         <p:fade/>
       </p:transition>
@@ -21879,11 +22105,11 @@
             </a:r>
             <a:r>
               <a:rPr lang="en-US" dirty="0" smtClean="0"/>
-              <a:t>Socket.io do</a:t>
+              <a:t>Socket.IO </a:t>
             </a:r>
             <a:r>
               <a:rPr lang="en-US" dirty="0" smtClean="0"/>
-              <a:t>?</a:t>
+              <a:t>do?</a:t>
             </a:r>
             <a:endParaRPr lang="ru-RU" dirty="0"/>
           </a:p>
@@ -21979,13 +22205,13 @@
   <p:clrMapOvr>
     <a:masterClrMapping/>
   </p:clrMapOvr>
-  <mc:AlternateContent xmlns:mc="http://schemas.openxmlformats.org/markup-compatibility/2006">
-    <mc:Choice xmlns:p14="http://schemas.microsoft.com/office/powerpoint/2010/main" Requires="p14">
+  <mc:AlternateContent xmlns:mc="http://schemas.openxmlformats.org/markup-compatibility/2006" xmlns:p14="http://schemas.microsoft.com/office/powerpoint/2010/main">
+    <mc:Choice Requires="p14">
       <p:transition spd="med" p14:dur="700">
         <p:fade/>
       </p:transition>
     </mc:Choice>
-    <mc:Fallback>
+    <mc:Fallback xmlns="">
       <p:transition spd="med">
         <p:fade/>
       </p:transition>
@@ -24024,21 +24250,6 @@
 </file>
 
 <file path=customXml/item1.xml><?xml version="1.0" encoding="utf-8"?>
-<?mso-contentType ?>
-<FormTemplates xmlns="http://schemas.microsoft.com/sharepoint/v3/contenttype/forms">
-  <Display>DocumentLibraryForm</Display>
-  <Edit>DocumentLibraryForm</Edit>
-  <New>DocumentLibraryForm</New>
-</FormTemplates>
-</file>
-
-<file path=customXml/item2.xml><?xml version="1.0" encoding="utf-8"?>
-<p:properties xmlns:p="http://schemas.microsoft.com/office/2006/metadata/properties" xmlns:xsi="http://www.w3.org/2001/XMLSchema-instance" xmlns:pc="http://schemas.microsoft.com/office/infopath/2007/PartnerControls">
-  <documentManagement/>
-</p:properties>
-</file>
-
-<file path=customXml/item3.xml><?xml version="1.0" encoding="utf-8"?>
 <ct:contentTypeSchema xmlns:ct="http://schemas.microsoft.com/office/2006/metadata/contentType" xmlns:ma="http://schemas.microsoft.com/office/2006/metadata/properties/metaAttributes" ct:_="" ma:_="" ma:contentTypeName="Document" ma:contentTypeID="0x010100391E57C78B9F604FB8BAD296D1460E2A" ma:contentTypeVersion="1" ma:contentTypeDescription="Create a new document." ma:contentTypeScope="" ma:versionID="fb382fe2362acd2155f454904f478e4d">
   <xsd:schema xmlns:xsd="http://www.w3.org/2001/XMLSchema" xmlns:xs="http://www.w3.org/2001/XMLSchema" xmlns:p="http://schemas.microsoft.com/office/2006/metadata/properties" xmlns:ns3="636b0322-90fb-440c-9cbc-22749e7231e9" targetNamespace="http://schemas.microsoft.com/office/2006/metadata/properties" ma:root="true" ma:fieldsID="b9887c63ce4710c1aeb75a5f03aecb69" ns3:_="">
     <xsd:import namespace="636b0322-90fb-440c-9cbc-22749e7231e9"/>
@@ -24178,10 +24389,35 @@
 </ct:contentTypeSchema>
 </file>
 
+<file path=customXml/item2.xml><?xml version="1.0" encoding="utf-8"?>
+<p:properties xmlns:p="http://schemas.microsoft.com/office/2006/metadata/properties" xmlns:xsi="http://www.w3.org/2001/XMLSchema-instance" xmlns:pc="http://schemas.microsoft.com/office/infopath/2007/PartnerControls">
+  <documentManagement/>
+</p:properties>
+</file>
+
+<file path=customXml/item3.xml><?xml version="1.0" encoding="utf-8"?>
+<?mso-contentType ?>
+<FormTemplates xmlns="http://schemas.microsoft.com/sharepoint/v3/contenttype/forms">
+  <Display>DocumentLibraryForm</Display>
+  <Edit>DocumentLibraryForm</Edit>
+  <New>DocumentLibraryForm</New>
+</FormTemplates>
+</file>
+
 <file path=customXml/itemProps1.xml><?xml version="1.0" encoding="utf-8"?>
-<ds:datastoreItem xmlns:ds="http://schemas.openxmlformats.org/officeDocument/2006/customXml" ds:itemID="{B0CA13EC-1D3C-4D6F-8D1C-E8A452CFC79A}">
+<ds:datastoreItem xmlns:ds="http://schemas.openxmlformats.org/officeDocument/2006/customXml" ds:itemID="{7B70CE0C-0988-423A-BF66-B40F6A1061FF}">
   <ds:schemaRefs>
-    <ds:schemaRef ds:uri="http://schemas.microsoft.com/sharepoint/v3/contenttype/forms"/>
+    <ds:schemaRef ds:uri="http://schemas.microsoft.com/office/2006/metadata/contentType"/>
+    <ds:schemaRef ds:uri="http://schemas.microsoft.com/office/2006/metadata/properties/metaAttributes"/>
+    <ds:schemaRef ds:uri="http://www.w3.org/2001/XMLSchema"/>
+    <ds:schemaRef ds:uri="http://schemas.microsoft.com/office/2006/metadata/properties"/>
+    <ds:schemaRef ds:uri="636b0322-90fb-440c-9cbc-22749e7231e9"/>
+    <ds:schemaRef ds:uri="http://schemas.microsoft.com/office/2006/documentManagement/types"/>
+    <ds:schemaRef ds:uri="http://schemas.microsoft.com/office/infopath/2007/PartnerControls"/>
+    <ds:schemaRef ds:uri="http://schemas.openxmlformats.org/package/2006/metadata/core-properties"/>
+    <ds:schemaRef ds:uri="http://purl.org/dc/elements/1.1/"/>
+    <ds:schemaRef ds:uri="http://purl.org/dc/terms/"/>
+    <ds:schemaRef ds:uri="http://schemas.microsoft.com/internal/obd"/>
   </ds:schemaRefs>
 </ds:datastoreItem>
 </file>
@@ -24203,19 +24439,9 @@
 </file>
 
 <file path=customXml/itemProps3.xml><?xml version="1.0" encoding="utf-8"?>
-<ds:datastoreItem xmlns:ds="http://schemas.openxmlformats.org/officeDocument/2006/customXml" ds:itemID="{7B70CE0C-0988-423A-BF66-B40F6A1061FF}">
+<ds:datastoreItem xmlns:ds="http://schemas.openxmlformats.org/officeDocument/2006/customXml" ds:itemID="{B0CA13EC-1D3C-4D6F-8D1C-E8A452CFC79A}">
   <ds:schemaRefs>
-    <ds:schemaRef ds:uri="http://schemas.microsoft.com/office/2006/metadata/contentType"/>
-    <ds:schemaRef ds:uri="http://schemas.microsoft.com/office/2006/metadata/properties/metaAttributes"/>
-    <ds:schemaRef ds:uri="http://www.w3.org/2001/XMLSchema"/>
-    <ds:schemaRef ds:uri="http://schemas.microsoft.com/office/2006/metadata/properties"/>
-    <ds:schemaRef ds:uri="636b0322-90fb-440c-9cbc-22749e7231e9"/>
-    <ds:schemaRef ds:uri="http://schemas.microsoft.com/office/2006/documentManagement/types"/>
-    <ds:schemaRef ds:uri="http://schemas.microsoft.com/office/infopath/2007/PartnerControls"/>
-    <ds:schemaRef ds:uri="http://schemas.openxmlformats.org/package/2006/metadata/core-properties"/>
-    <ds:schemaRef ds:uri="http://purl.org/dc/elements/1.1/"/>
-    <ds:schemaRef ds:uri="http://purl.org/dc/terms/"/>
-    <ds:schemaRef ds:uri="http://schemas.microsoft.com/internal/obd"/>
+    <ds:schemaRef ds:uri="http://schemas.microsoft.com/sharepoint/v3/contenttype/forms"/>
   </ds:schemaRefs>
 </ds:datastoreItem>
 </file>